--- a/public/ressources/TechnologicalPlan.pptx
+++ b/public/ressources/TechnologicalPlan.pptx
@@ -243,7 +243,7 @@
           <a:p>
             <a:fld id="{4AC2AF7A-E11C-429C-9E65-E4BA6D2FC408}" type="datetimeFigureOut">
               <a:rPr lang="fr-FR" smtClean="0"/>
-              <a:t>19/04/2017</a:t>
+              <a:t>27/04/2017</a:t>
             </a:fld>
             <a:endParaRPr lang="fr-FR"/>
           </a:p>
@@ -413,7 +413,7 @@
           <a:p>
             <a:fld id="{4AC2AF7A-E11C-429C-9E65-E4BA6D2FC408}" type="datetimeFigureOut">
               <a:rPr lang="fr-FR" smtClean="0"/>
-              <a:t>19/04/2017</a:t>
+              <a:t>27/04/2017</a:t>
             </a:fld>
             <a:endParaRPr lang="fr-FR"/>
           </a:p>
@@ -593,7 +593,7 @@
           <a:p>
             <a:fld id="{4AC2AF7A-E11C-429C-9E65-E4BA6D2FC408}" type="datetimeFigureOut">
               <a:rPr lang="fr-FR" smtClean="0"/>
-              <a:t>19/04/2017</a:t>
+              <a:t>27/04/2017</a:t>
             </a:fld>
             <a:endParaRPr lang="fr-FR"/>
           </a:p>
@@ -763,7 +763,7 @@
           <a:p>
             <a:fld id="{4AC2AF7A-E11C-429C-9E65-E4BA6D2FC408}" type="datetimeFigureOut">
               <a:rPr lang="fr-FR" smtClean="0"/>
-              <a:t>19/04/2017</a:t>
+              <a:t>27/04/2017</a:t>
             </a:fld>
             <a:endParaRPr lang="fr-FR"/>
           </a:p>
@@ -1009,7 +1009,7 @@
           <a:p>
             <a:fld id="{4AC2AF7A-E11C-429C-9E65-E4BA6D2FC408}" type="datetimeFigureOut">
               <a:rPr lang="fr-FR" smtClean="0"/>
-              <a:t>19/04/2017</a:t>
+              <a:t>27/04/2017</a:t>
             </a:fld>
             <a:endParaRPr lang="fr-FR"/>
           </a:p>
@@ -1241,7 +1241,7 @@
           <a:p>
             <a:fld id="{4AC2AF7A-E11C-429C-9E65-E4BA6D2FC408}" type="datetimeFigureOut">
               <a:rPr lang="fr-FR" smtClean="0"/>
-              <a:t>19/04/2017</a:t>
+              <a:t>27/04/2017</a:t>
             </a:fld>
             <a:endParaRPr lang="fr-FR"/>
           </a:p>
@@ -1608,7 +1608,7 @@
           <a:p>
             <a:fld id="{4AC2AF7A-E11C-429C-9E65-E4BA6D2FC408}" type="datetimeFigureOut">
               <a:rPr lang="fr-FR" smtClean="0"/>
-              <a:t>19/04/2017</a:t>
+              <a:t>27/04/2017</a:t>
             </a:fld>
             <a:endParaRPr lang="fr-FR"/>
           </a:p>
@@ -1726,7 +1726,7 @@
           <a:p>
             <a:fld id="{4AC2AF7A-E11C-429C-9E65-E4BA6D2FC408}" type="datetimeFigureOut">
               <a:rPr lang="fr-FR" smtClean="0"/>
-              <a:t>19/04/2017</a:t>
+              <a:t>27/04/2017</a:t>
             </a:fld>
             <a:endParaRPr lang="fr-FR"/>
           </a:p>
@@ -1821,7 +1821,7 @@
           <a:p>
             <a:fld id="{4AC2AF7A-E11C-429C-9E65-E4BA6D2FC408}" type="datetimeFigureOut">
               <a:rPr lang="fr-FR" smtClean="0"/>
-              <a:t>19/04/2017</a:t>
+              <a:t>27/04/2017</a:t>
             </a:fld>
             <a:endParaRPr lang="fr-FR"/>
           </a:p>
@@ -2098,7 +2098,7 @@
           <a:p>
             <a:fld id="{4AC2AF7A-E11C-429C-9E65-E4BA6D2FC408}" type="datetimeFigureOut">
               <a:rPr lang="fr-FR" smtClean="0"/>
-              <a:t>19/04/2017</a:t>
+              <a:t>27/04/2017</a:t>
             </a:fld>
             <a:endParaRPr lang="fr-FR"/>
           </a:p>
@@ -2351,7 +2351,7 @@
           <a:p>
             <a:fld id="{4AC2AF7A-E11C-429C-9E65-E4BA6D2FC408}" type="datetimeFigureOut">
               <a:rPr lang="fr-FR" smtClean="0"/>
-              <a:t>19/04/2017</a:t>
+              <a:t>27/04/2017</a:t>
             </a:fld>
             <a:endParaRPr lang="fr-FR"/>
           </a:p>
@@ -2564,7 +2564,7 @@
           <a:p>
             <a:fld id="{4AC2AF7A-E11C-429C-9E65-E4BA6D2FC408}" type="datetimeFigureOut">
               <a:rPr lang="fr-FR" smtClean="0"/>
-              <a:t>19/04/2017</a:t>
+              <a:t>27/04/2017</a:t>
             </a:fld>
             <a:endParaRPr lang="fr-FR"/>
           </a:p>

--- a/public/ressources/TechnologicalPlan.pptx
+++ b/public/ressources/TechnologicalPlan.pptx
@@ -6,6 +6,7 @@
   </p:sldMasterIdLst>
   <p:sldIdLst>
     <p:sldId id="256" r:id="rId2"/>
+    <p:sldId id="257" r:id="rId3"/>
   </p:sldIdLst>
   <p:sldSz cx="12192000" cy="6858000"/>
   <p:notesSz cx="6858000" cy="9144000"/>
@@ -243,7 +244,7 @@
           <a:p>
             <a:fld id="{4AC2AF7A-E11C-429C-9E65-E4BA6D2FC408}" type="datetimeFigureOut">
               <a:rPr lang="fr-FR" smtClean="0"/>
-              <a:t>27/04/2017</a:t>
+              <a:t>03/05/2017</a:t>
             </a:fld>
             <a:endParaRPr lang="fr-FR"/>
           </a:p>
@@ -413,7 +414,7 @@
           <a:p>
             <a:fld id="{4AC2AF7A-E11C-429C-9E65-E4BA6D2FC408}" type="datetimeFigureOut">
               <a:rPr lang="fr-FR" smtClean="0"/>
-              <a:t>27/04/2017</a:t>
+              <a:t>03/05/2017</a:t>
             </a:fld>
             <a:endParaRPr lang="fr-FR"/>
           </a:p>
@@ -593,7 +594,7 @@
           <a:p>
             <a:fld id="{4AC2AF7A-E11C-429C-9E65-E4BA6D2FC408}" type="datetimeFigureOut">
               <a:rPr lang="fr-FR" smtClean="0"/>
-              <a:t>27/04/2017</a:t>
+              <a:t>03/05/2017</a:t>
             </a:fld>
             <a:endParaRPr lang="fr-FR"/>
           </a:p>
@@ -763,7 +764,7 @@
           <a:p>
             <a:fld id="{4AC2AF7A-E11C-429C-9E65-E4BA6D2FC408}" type="datetimeFigureOut">
               <a:rPr lang="fr-FR" smtClean="0"/>
-              <a:t>27/04/2017</a:t>
+              <a:t>03/05/2017</a:t>
             </a:fld>
             <a:endParaRPr lang="fr-FR"/>
           </a:p>
@@ -1009,7 +1010,7 @@
           <a:p>
             <a:fld id="{4AC2AF7A-E11C-429C-9E65-E4BA6D2FC408}" type="datetimeFigureOut">
               <a:rPr lang="fr-FR" smtClean="0"/>
-              <a:t>27/04/2017</a:t>
+              <a:t>03/05/2017</a:t>
             </a:fld>
             <a:endParaRPr lang="fr-FR"/>
           </a:p>
@@ -1241,7 +1242,7 @@
           <a:p>
             <a:fld id="{4AC2AF7A-E11C-429C-9E65-E4BA6D2FC408}" type="datetimeFigureOut">
               <a:rPr lang="fr-FR" smtClean="0"/>
-              <a:t>27/04/2017</a:t>
+              <a:t>03/05/2017</a:t>
             </a:fld>
             <a:endParaRPr lang="fr-FR"/>
           </a:p>
@@ -1608,7 +1609,7 @@
           <a:p>
             <a:fld id="{4AC2AF7A-E11C-429C-9E65-E4BA6D2FC408}" type="datetimeFigureOut">
               <a:rPr lang="fr-FR" smtClean="0"/>
-              <a:t>27/04/2017</a:t>
+              <a:t>03/05/2017</a:t>
             </a:fld>
             <a:endParaRPr lang="fr-FR"/>
           </a:p>
@@ -1726,7 +1727,7 @@
           <a:p>
             <a:fld id="{4AC2AF7A-E11C-429C-9E65-E4BA6D2FC408}" type="datetimeFigureOut">
               <a:rPr lang="fr-FR" smtClean="0"/>
-              <a:t>27/04/2017</a:t>
+              <a:t>03/05/2017</a:t>
             </a:fld>
             <a:endParaRPr lang="fr-FR"/>
           </a:p>
@@ -1821,7 +1822,7 @@
           <a:p>
             <a:fld id="{4AC2AF7A-E11C-429C-9E65-E4BA6D2FC408}" type="datetimeFigureOut">
               <a:rPr lang="fr-FR" smtClean="0"/>
-              <a:t>27/04/2017</a:t>
+              <a:t>03/05/2017</a:t>
             </a:fld>
             <a:endParaRPr lang="fr-FR"/>
           </a:p>
@@ -2098,7 +2099,7 @@
           <a:p>
             <a:fld id="{4AC2AF7A-E11C-429C-9E65-E4BA6D2FC408}" type="datetimeFigureOut">
               <a:rPr lang="fr-FR" smtClean="0"/>
-              <a:t>27/04/2017</a:t>
+              <a:t>03/05/2017</a:t>
             </a:fld>
             <a:endParaRPr lang="fr-FR"/>
           </a:p>
@@ -2351,7 +2352,7 @@
           <a:p>
             <a:fld id="{4AC2AF7A-E11C-429C-9E65-E4BA6D2FC408}" type="datetimeFigureOut">
               <a:rPr lang="fr-FR" smtClean="0"/>
-              <a:t>27/04/2017</a:t>
+              <a:t>03/05/2017</a:t>
             </a:fld>
             <a:endParaRPr lang="fr-FR"/>
           </a:p>
@@ -2564,7 +2565,7 @@
           <a:p>
             <a:fld id="{4AC2AF7A-E11C-429C-9E65-E4BA6D2FC408}" type="datetimeFigureOut">
               <a:rPr lang="fr-FR" smtClean="0"/>
-              <a:t>27/04/2017</a:t>
+              <a:t>03/05/2017</a:t>
             </a:fld>
             <a:endParaRPr lang="fr-FR"/>
           </a:p>
@@ -3063,18 +3064,27 @@
       </p:sp>
       <p:sp>
         <p:nvSpPr>
-          <p:cNvPr id="7" name="Organigramme : Disque magnétique 6"/>
+          <p:cNvPr id="35" name="Rectangle 34"/>
           <p:cNvSpPr/>
           <p:nvPr/>
         </p:nvSpPr>
         <p:spPr>
-          <a:xfrm>
-            <a:off x="548331" y="4536694"/>
-            <a:ext cx="959710" cy="1029020"/>
-          </a:xfrm>
-          <a:prstGeom prst="flowChartMagneticDisk">
+          <a:xfrm rot="16200000">
+            <a:off x="6737437" y="3529998"/>
+            <a:ext cx="3852407" cy="192955"/>
+          </a:xfrm>
+          <a:prstGeom prst="rect">
             <a:avLst/>
           </a:prstGeom>
+          <a:solidFill>
+            <a:schemeClr val="accent2">
+              <a:lumMod val="60000"/>
+              <a:lumOff val="40000"/>
+            </a:schemeClr>
+          </a:solidFill>
+          <a:ln>
+            <a:noFill/>
+          </a:ln>
         </p:spPr>
         <p:style>
           <a:lnRef idx="2">
@@ -3097,24 +3107,20 @@
           <a:lstStyle/>
           <a:p>
             <a:pPr algn="ctr"/>
-            <a:r>
-              <a:rPr lang="fr-FR" sz="1600" dirty="0" err="1" smtClean="0"/>
-              <a:t>IndexedDB</a:t>
-            </a:r>
-            <a:endParaRPr lang="fr-FR" sz="1600" dirty="0"/>
-          </a:p>
-        </p:txBody>
-      </p:sp>
-      <p:sp>
-        <p:nvSpPr>
-          <p:cNvPr id="8" name="Organigramme : Disque magnétique 7"/>
+            <a:endParaRPr lang="fr-FR" dirty="0"/>
+          </a:p>
+        </p:txBody>
+      </p:sp>
+      <p:sp>
+        <p:nvSpPr>
+          <p:cNvPr id="7" name="Organigramme : Disque magnétique 6"/>
           <p:cNvSpPr/>
           <p:nvPr/>
         </p:nvSpPr>
         <p:spPr>
           <a:xfrm>
-            <a:off x="10810697" y="2569451"/>
-            <a:ext cx="985887" cy="1266567"/>
+            <a:off x="548331" y="4536694"/>
+            <a:ext cx="959710" cy="1029020"/>
           </a:xfrm>
           <a:prstGeom prst="flowChartMagneticDisk">
             <a:avLst/>
@@ -3142,6 +3148,50 @@
           <a:p>
             <a:pPr algn="ctr"/>
             <a:r>
+              <a:rPr lang="fr-FR" sz="1600" dirty="0" err="1" smtClean="0"/>
+              <a:t>IndexedDB</a:t>
+            </a:r>
+            <a:endParaRPr lang="fr-FR" sz="1600" dirty="0"/>
+          </a:p>
+        </p:txBody>
+      </p:sp>
+      <p:sp>
+        <p:nvSpPr>
+          <p:cNvPr id="8" name="Organigramme : Disque magnétique 7"/>
+          <p:cNvSpPr/>
+          <p:nvPr/>
+        </p:nvSpPr>
+        <p:spPr>
+          <a:xfrm>
+            <a:off x="10810697" y="2569451"/>
+            <a:ext cx="985887" cy="1266567"/>
+          </a:xfrm>
+          <a:prstGeom prst="flowChartMagneticDisk">
+            <a:avLst/>
+          </a:prstGeom>
+        </p:spPr>
+        <p:style>
+          <a:lnRef idx="2">
+            <a:schemeClr val="accent1">
+              <a:shade val="50000"/>
+            </a:schemeClr>
+          </a:lnRef>
+          <a:fillRef idx="1">
+            <a:schemeClr val="accent1"/>
+          </a:fillRef>
+          <a:effectRef idx="0">
+            <a:schemeClr val="accent1"/>
+          </a:effectRef>
+          <a:fontRef idx="minor">
+            <a:schemeClr val="lt1"/>
+          </a:fontRef>
+        </p:style>
+        <p:txBody>
+          <a:bodyPr rtlCol="0" anchor="ctr"/>
+          <a:lstStyle/>
+          <a:p>
+            <a:pPr algn="ctr"/>
+            <a:r>
               <a:rPr lang="fr-FR" sz="1600" dirty="0" smtClean="0"/>
               <a:t>Server</a:t>
             </a:r>
@@ -3207,7 +3257,19 @@
             </a:r>
             <a:r>
               <a:rPr lang="en-US" sz="2000" dirty="0" smtClean="0"/>
-              <a:t>pplication Technological Plan</a:t>
+              <a:t>pplication Technological </a:t>
+            </a:r>
+            <a:r>
+              <a:rPr lang="en-US" sz="2000" dirty="0" smtClean="0"/>
+              <a:t>Plan (With </a:t>
+            </a:r>
+            <a:r>
+              <a:rPr lang="en-US" sz="2000" dirty="0" err="1" smtClean="0"/>
+              <a:t>IndexedDB</a:t>
+            </a:r>
+            <a:r>
+              <a:rPr lang="en-US" sz="2000" dirty="0" smtClean="0"/>
+              <a:t> and Vue.JS)</a:t>
             </a:r>
             <a:endParaRPr lang="fr-FR" sz="2000" dirty="0"/>
           </a:p>
@@ -3464,49 +3526,6 @@
       </p:sp>
       <p:sp>
         <p:nvSpPr>
-          <p:cNvPr id="18" name="ZoneTexte 17"/>
-          <p:cNvSpPr txBox="1"/>
-          <p:nvPr/>
-        </p:nvSpPr>
-        <p:spPr>
-          <a:xfrm>
-            <a:off x="7949928" y="5225505"/>
-            <a:ext cx="1175952" cy="369332"/>
-          </a:xfrm>
-          <a:prstGeom prst="rect">
-            <a:avLst/>
-          </a:prstGeom>
-          <a:solidFill>
-            <a:schemeClr val="accent5">
-              <a:lumMod val="75000"/>
-            </a:schemeClr>
-          </a:solidFill>
-        </p:spPr>
-        <p:txBody>
-          <a:bodyPr wrap="square" rtlCol="0">
-            <a:spAutoFit/>
-          </a:bodyPr>
-          <a:lstStyle/>
-          <a:p>
-            <a:pPr algn="ctr"/>
-            <a:r>
-              <a:rPr lang="fr-FR" dirty="0" smtClean="0">
-                <a:solidFill>
-                  <a:schemeClr val="bg1"/>
-                </a:solidFill>
-              </a:rPr>
-              <a:t>Vue.JS</a:t>
-            </a:r>
-            <a:endParaRPr lang="fr-FR" dirty="0">
-              <a:solidFill>
-                <a:schemeClr val="bg1"/>
-              </a:solidFill>
-            </a:endParaRPr>
-          </a:p>
-        </p:txBody>
-      </p:sp>
-      <p:sp>
-        <p:nvSpPr>
           <p:cNvPr id="20" name="ZoneTexte 19"/>
           <p:cNvSpPr txBox="1"/>
           <p:nvPr/>
@@ -3661,55 +3680,6 @@
           <a:xfrm rot="16200000">
             <a:off x="3165438" y="4279061"/>
             <a:ext cx="2172154" cy="324899"/>
-          </a:xfrm>
-          <a:prstGeom prst="rightArrow">
-            <a:avLst/>
-          </a:prstGeom>
-          <a:solidFill>
-            <a:schemeClr val="accent2">
-              <a:lumMod val="60000"/>
-              <a:lumOff val="40000"/>
-            </a:schemeClr>
-          </a:solidFill>
-          <a:ln>
-            <a:noFill/>
-          </a:ln>
-        </p:spPr>
-        <p:style>
-          <a:lnRef idx="2">
-            <a:schemeClr val="accent1">
-              <a:shade val="50000"/>
-            </a:schemeClr>
-          </a:lnRef>
-          <a:fillRef idx="1">
-            <a:schemeClr val="accent1"/>
-          </a:fillRef>
-          <a:effectRef idx="0">
-            <a:schemeClr val="accent1"/>
-          </a:effectRef>
-          <a:fontRef idx="minor">
-            <a:schemeClr val="lt1"/>
-          </a:fontRef>
-        </p:style>
-        <p:txBody>
-          <a:bodyPr rtlCol="0" anchor="ctr"/>
-          <a:lstStyle/>
-          <a:p>
-            <a:pPr algn="ctr"/>
-            <a:endParaRPr lang="fr-FR"/>
-          </a:p>
-        </p:txBody>
-      </p:sp>
-      <p:sp>
-        <p:nvSpPr>
-          <p:cNvPr id="28" name="Flèche droite 27"/>
-          <p:cNvSpPr/>
-          <p:nvPr/>
-        </p:nvSpPr>
-        <p:spPr>
-          <a:xfrm rot="5400000">
-            <a:off x="7747151" y="4109875"/>
-            <a:ext cx="1697241" cy="297933"/>
           </a:xfrm>
           <a:prstGeom prst="rightArrow">
             <a:avLst/>
@@ -4427,8 +4397,8 @@
         </p:nvSpPr>
         <p:spPr>
           <a:xfrm>
-            <a:off x="4176584" y="5354425"/>
-            <a:ext cx="3765105" cy="171631"/>
+            <a:off x="4827046" y="5359724"/>
+            <a:ext cx="3852407" cy="192955"/>
           </a:xfrm>
           <a:prstGeom prst="rect">
             <a:avLst/>
@@ -4464,7 +4434,11 @@
           <a:lstStyle/>
           <a:p>
             <a:pPr algn="ctr"/>
-            <a:endParaRPr lang="fr-FR"/>
+            <a:r>
+              <a:rPr lang="fr-FR" dirty="0" smtClean="0"/>
+              <a:t>v</a:t>
+            </a:r>
+            <a:endParaRPr lang="fr-FR" dirty="0"/>
           </a:p>
         </p:txBody>
       </p:sp>
@@ -4529,10 +4503,1261 @@
           </a:p>
         </p:txBody>
       </p:sp>
+      <p:sp>
+        <p:nvSpPr>
+          <p:cNvPr id="18" name="ZoneTexte 17"/>
+          <p:cNvSpPr txBox="1"/>
+          <p:nvPr/>
+        </p:nvSpPr>
+        <p:spPr>
+          <a:xfrm>
+            <a:off x="3659332" y="5245810"/>
+            <a:ext cx="1175952" cy="369332"/>
+          </a:xfrm>
+          <a:prstGeom prst="rect">
+            <a:avLst/>
+          </a:prstGeom>
+          <a:solidFill>
+            <a:schemeClr val="accent5">
+              <a:lumMod val="75000"/>
+            </a:schemeClr>
+          </a:solidFill>
+        </p:spPr>
+        <p:txBody>
+          <a:bodyPr wrap="square" rtlCol="0">
+            <a:spAutoFit/>
+          </a:bodyPr>
+          <a:lstStyle/>
+          <a:p>
+            <a:pPr algn="ctr"/>
+            <a:r>
+              <a:rPr lang="fr-FR" dirty="0" smtClean="0">
+                <a:solidFill>
+                  <a:schemeClr val="bg1"/>
+                </a:solidFill>
+              </a:rPr>
+              <a:t>Vue.JS</a:t>
+            </a:r>
+            <a:endParaRPr lang="fr-FR" dirty="0">
+              <a:solidFill>
+                <a:schemeClr val="bg1"/>
+              </a:solidFill>
+            </a:endParaRPr>
+          </a:p>
+        </p:txBody>
+      </p:sp>
     </p:spTree>
     <p:extLst>
       <p:ext uri="{BB962C8B-B14F-4D97-AF65-F5344CB8AC3E}">
         <p14:creationId xmlns:p14="http://schemas.microsoft.com/office/powerpoint/2010/main" val="817000323"/>
+      </p:ext>
+    </p:extLst>
+  </p:cSld>
+  <p:clrMapOvr>
+    <a:masterClrMapping/>
+  </p:clrMapOvr>
+  <p:timing>
+    <p:tnLst>
+      <p:par>
+        <p:cTn id="1" dur="indefinite" restart="never" nodeType="tmRoot"/>
+      </p:par>
+    </p:tnLst>
+  </p:timing>
+</p:sld>
+</file>
+
+<file path=ppt/slides/slide2.xml><?xml version="1.0" encoding="utf-8"?>
+<p:sld xmlns:a="http://schemas.openxmlformats.org/drawingml/2006/main" xmlns:r="http://schemas.openxmlformats.org/officeDocument/2006/relationships" xmlns:p="http://schemas.openxmlformats.org/presentationml/2006/main">
+  <p:cSld>
+    <p:spTree>
+      <p:nvGrpSpPr>
+        <p:cNvPr id="1" name=""/>
+        <p:cNvGrpSpPr/>
+        <p:nvPr/>
+      </p:nvGrpSpPr>
+      <p:grpSpPr>
+        <a:xfrm>
+          <a:off x="0" y="0"/>
+          <a:ext cx="0" cy="0"/>
+          <a:chOff x="0" y="0"/>
+          <a:chExt cx="0" cy="0"/>
+        </a:xfrm>
+      </p:grpSpPr>
+      <p:sp>
+        <p:nvSpPr>
+          <p:cNvPr id="4" name="Rectangle 3"/>
+          <p:cNvSpPr/>
+          <p:nvPr/>
+        </p:nvSpPr>
+        <p:spPr>
+          <a:xfrm>
+            <a:off x="1173824" y="1182404"/>
+            <a:ext cx="2396958" cy="4709984"/>
+          </a:xfrm>
+          <a:prstGeom prst="rect">
+            <a:avLst/>
+          </a:prstGeom>
+          <a:solidFill>
+            <a:schemeClr val="accent5">
+              <a:lumMod val="60000"/>
+              <a:lumOff val="40000"/>
+            </a:schemeClr>
+          </a:solidFill>
+        </p:spPr>
+        <p:style>
+          <a:lnRef idx="2">
+            <a:schemeClr val="accent1">
+              <a:shade val="50000"/>
+            </a:schemeClr>
+          </a:lnRef>
+          <a:fillRef idx="1">
+            <a:schemeClr val="accent1"/>
+          </a:fillRef>
+          <a:effectRef idx="0">
+            <a:schemeClr val="accent1"/>
+          </a:effectRef>
+          <a:fontRef idx="minor">
+            <a:schemeClr val="lt1"/>
+          </a:fontRef>
+        </p:style>
+        <p:txBody>
+          <a:bodyPr rtlCol="0" anchor="ctr"/>
+          <a:lstStyle/>
+          <a:p>
+            <a:pPr algn="ctr"/>
+            <a:endParaRPr lang="fr-FR"/>
+          </a:p>
+        </p:txBody>
+      </p:sp>
+      <p:sp>
+        <p:nvSpPr>
+          <p:cNvPr id="6" name="Rectangle 5"/>
+          <p:cNvSpPr/>
+          <p:nvPr/>
+        </p:nvSpPr>
+        <p:spPr>
+          <a:xfrm>
+            <a:off x="6240165" y="1178955"/>
+            <a:ext cx="4559640" cy="4709984"/>
+          </a:xfrm>
+          <a:prstGeom prst="rect">
+            <a:avLst/>
+          </a:prstGeom>
+          <a:solidFill>
+            <a:schemeClr val="accent6">
+              <a:lumMod val="20000"/>
+              <a:lumOff val="80000"/>
+            </a:schemeClr>
+          </a:solidFill>
+        </p:spPr>
+        <p:style>
+          <a:lnRef idx="2">
+            <a:schemeClr val="accent1">
+              <a:shade val="50000"/>
+            </a:schemeClr>
+          </a:lnRef>
+          <a:fillRef idx="1">
+            <a:schemeClr val="accent1"/>
+          </a:fillRef>
+          <a:effectRef idx="0">
+            <a:schemeClr val="accent1"/>
+          </a:effectRef>
+          <a:fontRef idx="minor">
+            <a:schemeClr val="lt1"/>
+          </a:fontRef>
+        </p:style>
+        <p:txBody>
+          <a:bodyPr rtlCol="0" anchor="ctr"/>
+          <a:lstStyle/>
+          <a:p>
+            <a:pPr algn="ctr"/>
+            <a:endParaRPr lang="fr-FR"/>
+          </a:p>
+        </p:txBody>
+      </p:sp>
+      <p:sp>
+        <p:nvSpPr>
+          <p:cNvPr id="35" name="Rectangle 34"/>
+          <p:cNvSpPr/>
+          <p:nvPr/>
+        </p:nvSpPr>
+        <p:spPr>
+          <a:xfrm rot="16200000">
+            <a:off x="5559426" y="3495931"/>
+            <a:ext cx="3852407" cy="192955"/>
+          </a:xfrm>
+          <a:prstGeom prst="rect">
+            <a:avLst/>
+          </a:prstGeom>
+          <a:solidFill>
+            <a:schemeClr val="accent2">
+              <a:lumMod val="60000"/>
+              <a:lumOff val="40000"/>
+            </a:schemeClr>
+          </a:solidFill>
+          <a:ln>
+            <a:noFill/>
+          </a:ln>
+        </p:spPr>
+        <p:style>
+          <a:lnRef idx="2">
+            <a:schemeClr val="accent1">
+              <a:shade val="50000"/>
+            </a:schemeClr>
+          </a:lnRef>
+          <a:fillRef idx="1">
+            <a:schemeClr val="accent1"/>
+          </a:fillRef>
+          <a:effectRef idx="0">
+            <a:schemeClr val="accent1"/>
+          </a:effectRef>
+          <a:fontRef idx="minor">
+            <a:schemeClr val="lt1"/>
+          </a:fontRef>
+        </p:style>
+        <p:txBody>
+          <a:bodyPr rtlCol="0" anchor="ctr"/>
+          <a:lstStyle/>
+          <a:p>
+            <a:pPr algn="ctr"/>
+            <a:endParaRPr lang="fr-FR" dirty="0"/>
+          </a:p>
+        </p:txBody>
+      </p:sp>
+      <p:sp>
+        <p:nvSpPr>
+          <p:cNvPr id="8" name="Organigramme : Disque magnétique 7"/>
+          <p:cNvSpPr/>
+          <p:nvPr/>
+        </p:nvSpPr>
+        <p:spPr>
+          <a:xfrm>
+            <a:off x="9632686" y="2560098"/>
+            <a:ext cx="985887" cy="1266567"/>
+          </a:xfrm>
+          <a:prstGeom prst="flowChartMagneticDisk">
+            <a:avLst/>
+          </a:prstGeom>
+        </p:spPr>
+        <p:style>
+          <a:lnRef idx="2">
+            <a:schemeClr val="accent1">
+              <a:shade val="50000"/>
+            </a:schemeClr>
+          </a:lnRef>
+          <a:fillRef idx="1">
+            <a:schemeClr val="accent1"/>
+          </a:fillRef>
+          <a:effectRef idx="0">
+            <a:schemeClr val="accent1"/>
+          </a:effectRef>
+          <a:fontRef idx="minor">
+            <a:schemeClr val="lt1"/>
+          </a:fontRef>
+        </p:style>
+        <p:txBody>
+          <a:bodyPr rtlCol="0" anchor="ctr"/>
+          <a:lstStyle/>
+          <a:p>
+            <a:pPr algn="ctr"/>
+            <a:r>
+              <a:rPr lang="fr-FR" sz="1600" dirty="0" smtClean="0"/>
+              <a:t>Server</a:t>
+            </a:r>
+            <a:endParaRPr lang="fr-FR" sz="1600" dirty="0"/>
+          </a:p>
+          <a:p>
+            <a:pPr algn="ctr"/>
+            <a:r>
+              <a:rPr lang="fr-FR" sz="1600" dirty="0" err="1" smtClean="0"/>
+              <a:t>Database</a:t>
+            </a:r>
+            <a:endParaRPr lang="fr-FR" sz="1600" dirty="0" smtClean="0"/>
+          </a:p>
+          <a:p>
+            <a:pPr algn="ctr"/>
+            <a:r>
+              <a:rPr lang="fr-FR" sz="1600" dirty="0" smtClean="0"/>
+              <a:t>(</a:t>
+            </a:r>
+            <a:r>
+              <a:rPr lang="fr-FR" sz="1600" dirty="0" err="1" smtClean="0"/>
+              <a:t>SQLite</a:t>
+            </a:r>
+            <a:r>
+              <a:rPr lang="fr-FR" sz="1600" dirty="0" smtClean="0"/>
+              <a:t>)</a:t>
+            </a:r>
+            <a:endParaRPr lang="fr-FR" sz="1600" dirty="0"/>
+          </a:p>
+        </p:txBody>
+      </p:sp>
+      <p:sp>
+        <p:nvSpPr>
+          <p:cNvPr id="9" name="ZoneTexte 8"/>
+          <p:cNvSpPr txBox="1"/>
+          <p:nvPr/>
+        </p:nvSpPr>
+        <p:spPr>
+          <a:xfrm>
+            <a:off x="0" y="123568"/>
+            <a:ext cx="12191999" cy="400110"/>
+          </a:xfrm>
+          <a:prstGeom prst="rect">
+            <a:avLst/>
+          </a:prstGeom>
+          <a:solidFill>
+            <a:schemeClr val="accent1">
+              <a:lumMod val="20000"/>
+              <a:lumOff val="80000"/>
+            </a:schemeClr>
+          </a:solidFill>
+        </p:spPr>
+        <p:txBody>
+          <a:bodyPr wrap="square" rtlCol="0">
+            <a:spAutoFit/>
+          </a:bodyPr>
+          <a:lstStyle/>
+          <a:p>
+            <a:pPr algn="ctr"/>
+            <a:r>
+              <a:rPr lang="en-US" sz="2000" dirty="0"/>
+              <a:t>A</a:t>
+            </a:r>
+            <a:r>
+              <a:rPr lang="en-US" sz="2000" dirty="0" smtClean="0"/>
+              <a:t>pplication Technological </a:t>
+            </a:r>
+            <a:r>
+              <a:rPr lang="en-US" sz="2000" dirty="0" smtClean="0"/>
+              <a:t>Plan (With Angular2)</a:t>
+            </a:r>
+            <a:endParaRPr lang="fr-FR" sz="2000" dirty="0"/>
+          </a:p>
+        </p:txBody>
+      </p:sp>
+      <p:sp>
+        <p:nvSpPr>
+          <p:cNvPr id="10" name="ZoneTexte 9"/>
+          <p:cNvSpPr txBox="1"/>
+          <p:nvPr/>
+        </p:nvSpPr>
+        <p:spPr>
+          <a:xfrm>
+            <a:off x="1173824" y="809623"/>
+            <a:ext cx="2396960" cy="369332"/>
+          </a:xfrm>
+          <a:prstGeom prst="rect">
+            <a:avLst/>
+          </a:prstGeom>
+          <a:solidFill>
+            <a:schemeClr val="accent5">
+              <a:lumMod val="40000"/>
+              <a:lumOff val="60000"/>
+            </a:schemeClr>
+          </a:solidFill>
+          <a:ln w="12700">
+            <a:solidFill>
+              <a:schemeClr val="tx2"/>
+            </a:solidFill>
+          </a:ln>
+        </p:spPr>
+        <p:txBody>
+          <a:bodyPr wrap="square" rtlCol="0">
+            <a:spAutoFit/>
+          </a:bodyPr>
+          <a:lstStyle/>
+          <a:p>
+            <a:pPr algn="ctr"/>
+            <a:r>
+              <a:rPr lang="fr-FR" dirty="0" smtClean="0"/>
+              <a:t>Client</a:t>
+            </a:r>
+          </a:p>
+        </p:txBody>
+      </p:sp>
+      <p:sp>
+        <p:nvSpPr>
+          <p:cNvPr id="13" name="Rectangle 12"/>
+          <p:cNvSpPr/>
+          <p:nvPr/>
+        </p:nvSpPr>
+        <p:spPr>
+          <a:xfrm>
+            <a:off x="1656961" y="2268430"/>
+            <a:ext cx="1482811" cy="790834"/>
+          </a:xfrm>
+          <a:prstGeom prst="rect">
+            <a:avLst/>
+          </a:prstGeom>
+        </p:spPr>
+        <p:style>
+          <a:lnRef idx="2">
+            <a:schemeClr val="accent1">
+              <a:shade val="50000"/>
+            </a:schemeClr>
+          </a:lnRef>
+          <a:fillRef idx="1">
+            <a:schemeClr val="accent1"/>
+          </a:fillRef>
+          <a:effectRef idx="0">
+            <a:schemeClr val="accent1"/>
+          </a:effectRef>
+          <a:fontRef idx="minor">
+            <a:schemeClr val="lt1"/>
+          </a:fontRef>
+        </p:style>
+        <p:txBody>
+          <a:bodyPr rtlCol="0" anchor="ctr"/>
+          <a:lstStyle/>
+          <a:p>
+            <a:pPr algn="ctr"/>
+            <a:r>
+              <a:rPr lang="fr-FR" dirty="0" smtClean="0"/>
+              <a:t>Client Page</a:t>
+            </a:r>
+          </a:p>
+          <a:p>
+            <a:pPr algn="ctr"/>
+            <a:r>
+              <a:rPr lang="fr-FR" sz="1200" dirty="0" smtClean="0"/>
+              <a:t>(</a:t>
+            </a:r>
+            <a:r>
+              <a:rPr lang="fr-FR" sz="1200" dirty="0" err="1" smtClean="0"/>
+              <a:t>Lists</a:t>
+            </a:r>
+            <a:r>
+              <a:rPr lang="fr-FR" sz="1200" dirty="0" smtClean="0"/>
+              <a:t>, </a:t>
+            </a:r>
+            <a:r>
+              <a:rPr lang="fr-FR" sz="1200" dirty="0" err="1" smtClean="0"/>
+              <a:t>Forms</a:t>
+            </a:r>
+            <a:r>
+              <a:rPr lang="fr-FR" sz="1200" dirty="0" smtClean="0"/>
+              <a:t>)</a:t>
+            </a:r>
+            <a:endParaRPr lang="fr-FR" dirty="0"/>
+          </a:p>
+        </p:txBody>
+      </p:sp>
+      <p:sp>
+        <p:nvSpPr>
+          <p:cNvPr id="16" name="ZoneTexte 15"/>
+          <p:cNvSpPr txBox="1"/>
+          <p:nvPr/>
+        </p:nvSpPr>
+        <p:spPr>
+          <a:xfrm>
+            <a:off x="6762952" y="2457918"/>
+            <a:ext cx="1493457" cy="369332"/>
+          </a:xfrm>
+          <a:prstGeom prst="rect">
+            <a:avLst/>
+          </a:prstGeom>
+          <a:solidFill>
+            <a:schemeClr val="accent5">
+              <a:lumMod val="75000"/>
+            </a:schemeClr>
+          </a:solidFill>
+          <a:ln>
+            <a:solidFill>
+              <a:schemeClr val="tx2"/>
+            </a:solidFill>
+          </a:ln>
+        </p:spPr>
+        <p:txBody>
+          <a:bodyPr wrap="square" rtlCol="0">
+            <a:spAutoFit/>
+          </a:bodyPr>
+          <a:lstStyle/>
+          <a:p>
+            <a:pPr algn="ctr"/>
+            <a:r>
+              <a:rPr lang="fr-FR" dirty="0" smtClean="0">
+                <a:solidFill>
+                  <a:schemeClr val="bg1"/>
+                </a:solidFill>
+              </a:rPr>
+              <a:t>Express</a:t>
+            </a:r>
+            <a:endParaRPr lang="fr-FR" dirty="0">
+              <a:solidFill>
+                <a:schemeClr val="bg1"/>
+              </a:solidFill>
+            </a:endParaRPr>
+          </a:p>
+        </p:txBody>
+      </p:sp>
+      <p:sp>
+        <p:nvSpPr>
+          <p:cNvPr id="17" name="ZoneTexte 16"/>
+          <p:cNvSpPr txBox="1"/>
+          <p:nvPr/>
+        </p:nvSpPr>
+        <p:spPr>
+          <a:xfrm>
+            <a:off x="6771916" y="2980897"/>
+            <a:ext cx="1484491" cy="369332"/>
+          </a:xfrm>
+          <a:prstGeom prst="rect">
+            <a:avLst/>
+          </a:prstGeom>
+          <a:solidFill>
+            <a:schemeClr val="accent5">
+              <a:lumMod val="75000"/>
+            </a:schemeClr>
+          </a:solidFill>
+        </p:spPr>
+        <p:txBody>
+          <a:bodyPr wrap="square" rtlCol="0">
+            <a:spAutoFit/>
+          </a:bodyPr>
+          <a:lstStyle/>
+          <a:p>
+            <a:pPr algn="ctr"/>
+            <a:r>
+              <a:rPr lang="fr-FR" dirty="0" smtClean="0">
+                <a:solidFill>
+                  <a:schemeClr val="bg1"/>
+                </a:solidFill>
+              </a:rPr>
+              <a:t>REST/</a:t>
+            </a:r>
+            <a:r>
+              <a:rPr lang="fr-FR" dirty="0" err="1" smtClean="0">
+                <a:solidFill>
+                  <a:schemeClr val="bg1"/>
+                </a:solidFill>
+              </a:rPr>
+              <a:t>Json</a:t>
+            </a:r>
+            <a:endParaRPr lang="fr-FR" dirty="0">
+              <a:solidFill>
+                <a:schemeClr val="bg1"/>
+              </a:solidFill>
+            </a:endParaRPr>
+          </a:p>
+        </p:txBody>
+      </p:sp>
+      <p:sp>
+        <p:nvSpPr>
+          <p:cNvPr id="20" name="ZoneTexte 19"/>
+          <p:cNvSpPr txBox="1"/>
+          <p:nvPr/>
+        </p:nvSpPr>
+        <p:spPr>
+          <a:xfrm>
+            <a:off x="1649239" y="3012612"/>
+            <a:ext cx="1490533" cy="307777"/>
+          </a:xfrm>
+          <a:prstGeom prst="rect">
+            <a:avLst/>
+          </a:prstGeom>
+          <a:solidFill>
+            <a:schemeClr val="accent5">
+              <a:lumMod val="75000"/>
+            </a:schemeClr>
+          </a:solidFill>
+          <a:ln>
+            <a:solidFill>
+              <a:schemeClr val="tx2"/>
+            </a:solidFill>
+          </a:ln>
+        </p:spPr>
+        <p:txBody>
+          <a:bodyPr wrap="square" rtlCol="0">
+            <a:spAutoFit/>
+          </a:bodyPr>
+          <a:lstStyle/>
+          <a:p>
+            <a:pPr algn="ctr"/>
+            <a:r>
+              <a:rPr lang="fr-FR" sz="1400" dirty="0" smtClean="0">
+                <a:solidFill>
+                  <a:schemeClr val="bg1"/>
+                </a:solidFill>
+              </a:rPr>
+              <a:t>JS</a:t>
+            </a:r>
+            <a:endParaRPr lang="fr-FR" sz="1400" dirty="0">
+              <a:solidFill>
+                <a:schemeClr val="bg1"/>
+              </a:solidFill>
+            </a:endParaRPr>
+          </a:p>
+        </p:txBody>
+      </p:sp>
+      <p:sp>
+        <p:nvSpPr>
+          <p:cNvPr id="25" name="Flèche droite 24"/>
+          <p:cNvSpPr/>
+          <p:nvPr/>
+        </p:nvSpPr>
+        <p:spPr>
+          <a:xfrm rot="10800000">
+            <a:off x="3218722" y="3037447"/>
+            <a:ext cx="2875947" cy="283896"/>
+          </a:xfrm>
+          <a:prstGeom prst="rightArrow">
+            <a:avLst/>
+          </a:prstGeom>
+          <a:solidFill>
+            <a:schemeClr val="accent2">
+              <a:lumMod val="60000"/>
+              <a:lumOff val="40000"/>
+            </a:schemeClr>
+          </a:solidFill>
+          <a:ln>
+            <a:noFill/>
+          </a:ln>
+        </p:spPr>
+        <p:style>
+          <a:lnRef idx="2">
+            <a:schemeClr val="accent1">
+              <a:shade val="50000"/>
+            </a:schemeClr>
+          </a:lnRef>
+          <a:fillRef idx="1">
+            <a:schemeClr val="accent1"/>
+          </a:fillRef>
+          <a:effectRef idx="0">
+            <a:schemeClr val="accent1"/>
+          </a:effectRef>
+          <a:fontRef idx="minor">
+            <a:schemeClr val="lt1"/>
+          </a:fontRef>
+        </p:style>
+        <p:txBody>
+          <a:bodyPr rtlCol="0" anchor="ctr"/>
+          <a:lstStyle/>
+          <a:p>
+            <a:pPr algn="ctr"/>
+            <a:endParaRPr lang="fr-FR"/>
+          </a:p>
+        </p:txBody>
+      </p:sp>
+      <p:sp>
+        <p:nvSpPr>
+          <p:cNvPr id="26" name="Flèche droite 25"/>
+          <p:cNvSpPr/>
+          <p:nvPr/>
+        </p:nvSpPr>
+        <p:spPr>
+          <a:xfrm>
+            <a:off x="4801334" y="3038132"/>
+            <a:ext cx="1811702" cy="283896"/>
+          </a:xfrm>
+          <a:prstGeom prst="rightArrow">
+            <a:avLst/>
+          </a:prstGeom>
+          <a:solidFill>
+            <a:schemeClr val="accent2">
+              <a:lumMod val="60000"/>
+              <a:lumOff val="40000"/>
+            </a:schemeClr>
+          </a:solidFill>
+          <a:ln>
+            <a:noFill/>
+          </a:ln>
+        </p:spPr>
+        <p:style>
+          <a:lnRef idx="2">
+            <a:schemeClr val="accent1">
+              <a:shade val="50000"/>
+            </a:schemeClr>
+          </a:lnRef>
+          <a:fillRef idx="1">
+            <a:schemeClr val="accent1"/>
+          </a:fillRef>
+          <a:effectRef idx="0">
+            <a:schemeClr val="accent1"/>
+          </a:effectRef>
+          <a:fontRef idx="minor">
+            <a:schemeClr val="lt1"/>
+          </a:fontRef>
+        </p:style>
+        <p:txBody>
+          <a:bodyPr rtlCol="0" anchor="ctr"/>
+          <a:lstStyle/>
+          <a:p>
+            <a:pPr algn="ctr"/>
+            <a:endParaRPr lang="fr-FR"/>
+          </a:p>
+        </p:txBody>
+      </p:sp>
+      <p:sp>
+        <p:nvSpPr>
+          <p:cNvPr id="27" name="Flèche droite 26"/>
+          <p:cNvSpPr/>
+          <p:nvPr/>
+        </p:nvSpPr>
+        <p:spPr>
+          <a:xfrm rot="16200000">
+            <a:off x="1312635" y="4273157"/>
+            <a:ext cx="2172154" cy="324899"/>
+          </a:xfrm>
+          <a:prstGeom prst="rightArrow">
+            <a:avLst/>
+          </a:prstGeom>
+          <a:solidFill>
+            <a:schemeClr val="accent2">
+              <a:lumMod val="60000"/>
+              <a:lumOff val="40000"/>
+            </a:schemeClr>
+          </a:solidFill>
+          <a:ln>
+            <a:noFill/>
+          </a:ln>
+        </p:spPr>
+        <p:style>
+          <a:lnRef idx="2">
+            <a:schemeClr val="accent1">
+              <a:shade val="50000"/>
+            </a:schemeClr>
+          </a:lnRef>
+          <a:fillRef idx="1">
+            <a:schemeClr val="accent1"/>
+          </a:fillRef>
+          <a:effectRef idx="0">
+            <a:schemeClr val="accent1"/>
+          </a:effectRef>
+          <a:fontRef idx="minor">
+            <a:schemeClr val="lt1"/>
+          </a:fontRef>
+        </p:style>
+        <p:txBody>
+          <a:bodyPr rtlCol="0" anchor="ctr"/>
+          <a:lstStyle/>
+          <a:p>
+            <a:pPr algn="ctr"/>
+            <a:endParaRPr lang="fr-FR"/>
+          </a:p>
+        </p:txBody>
+      </p:sp>
+      <p:sp>
+        <p:nvSpPr>
+          <p:cNvPr id="29" name="Flèche droite 28"/>
+          <p:cNvSpPr/>
+          <p:nvPr/>
+        </p:nvSpPr>
+        <p:spPr>
+          <a:xfrm rot="10800000">
+            <a:off x="8284307" y="3022713"/>
+            <a:ext cx="565527" cy="284578"/>
+          </a:xfrm>
+          <a:prstGeom prst="rightArrow">
+            <a:avLst/>
+          </a:prstGeom>
+          <a:solidFill>
+            <a:schemeClr val="accent2">
+              <a:lumMod val="60000"/>
+              <a:lumOff val="40000"/>
+            </a:schemeClr>
+          </a:solidFill>
+          <a:ln>
+            <a:noFill/>
+          </a:ln>
+        </p:spPr>
+        <p:style>
+          <a:lnRef idx="2">
+            <a:schemeClr val="accent1">
+              <a:shade val="50000"/>
+            </a:schemeClr>
+          </a:lnRef>
+          <a:fillRef idx="1">
+            <a:schemeClr val="accent1"/>
+          </a:fillRef>
+          <a:effectRef idx="0">
+            <a:schemeClr val="accent1"/>
+          </a:effectRef>
+          <a:fontRef idx="minor">
+            <a:schemeClr val="lt1"/>
+          </a:fontRef>
+        </p:style>
+        <p:txBody>
+          <a:bodyPr rtlCol="0" anchor="ctr"/>
+          <a:lstStyle/>
+          <a:p>
+            <a:pPr algn="ctr"/>
+            <a:endParaRPr lang="fr-FR"/>
+          </a:p>
+        </p:txBody>
+      </p:sp>
+      <p:sp>
+        <p:nvSpPr>
+          <p:cNvPr id="30" name="Flèche droite 29"/>
+          <p:cNvSpPr/>
+          <p:nvPr/>
+        </p:nvSpPr>
+        <p:spPr>
+          <a:xfrm>
+            <a:off x="8725036" y="3023331"/>
+            <a:ext cx="828699" cy="284578"/>
+          </a:xfrm>
+          <a:prstGeom prst="rightArrow">
+            <a:avLst/>
+          </a:prstGeom>
+          <a:solidFill>
+            <a:schemeClr val="accent2">
+              <a:lumMod val="60000"/>
+              <a:lumOff val="40000"/>
+            </a:schemeClr>
+          </a:solidFill>
+          <a:ln>
+            <a:noFill/>
+          </a:ln>
+        </p:spPr>
+        <p:style>
+          <a:lnRef idx="2">
+            <a:schemeClr val="accent1">
+              <a:shade val="50000"/>
+            </a:schemeClr>
+          </a:lnRef>
+          <a:fillRef idx="1">
+            <a:schemeClr val="accent1"/>
+          </a:fillRef>
+          <a:effectRef idx="0">
+            <a:schemeClr val="accent1"/>
+          </a:effectRef>
+          <a:fontRef idx="minor">
+            <a:schemeClr val="lt1"/>
+          </a:fontRef>
+        </p:style>
+        <p:txBody>
+          <a:bodyPr rtlCol="0" anchor="ctr"/>
+          <a:lstStyle/>
+          <a:p>
+            <a:pPr algn="ctr"/>
+            <a:endParaRPr lang="fr-FR"/>
+          </a:p>
+        </p:txBody>
+      </p:sp>
+      <p:sp>
+        <p:nvSpPr>
+          <p:cNvPr id="33" name="Rectangle à coins arrondis 32"/>
+          <p:cNvSpPr/>
+          <p:nvPr/>
+        </p:nvSpPr>
+        <p:spPr>
+          <a:xfrm>
+            <a:off x="4540296" y="3037446"/>
+            <a:ext cx="1414741" cy="283897"/>
+          </a:xfrm>
+          <a:prstGeom prst="roundRect">
+            <a:avLst/>
+          </a:prstGeom>
+          <a:solidFill>
+            <a:schemeClr val="accent2">
+              <a:lumMod val="60000"/>
+              <a:lumOff val="40000"/>
+            </a:schemeClr>
+          </a:solidFill>
+          <a:ln>
+            <a:solidFill>
+              <a:schemeClr val="accent2">
+                <a:lumMod val="75000"/>
+              </a:schemeClr>
+            </a:solidFill>
+          </a:ln>
+        </p:spPr>
+        <p:style>
+          <a:lnRef idx="2">
+            <a:schemeClr val="accent1">
+              <a:shade val="50000"/>
+            </a:schemeClr>
+          </a:lnRef>
+          <a:fillRef idx="1">
+            <a:schemeClr val="accent1"/>
+          </a:fillRef>
+          <a:effectRef idx="0">
+            <a:schemeClr val="accent1"/>
+          </a:effectRef>
+          <a:fontRef idx="minor">
+            <a:schemeClr val="lt1"/>
+          </a:fontRef>
+        </p:style>
+        <p:txBody>
+          <a:bodyPr rtlCol="0" anchor="ctr"/>
+          <a:lstStyle/>
+          <a:p>
+            <a:pPr algn="ctr"/>
+            <a:r>
+              <a:rPr lang="fr-FR" sz="1200" dirty="0" smtClean="0"/>
+              <a:t>Edit Data</a:t>
+            </a:r>
+            <a:endParaRPr lang="fr-FR" sz="1200" dirty="0"/>
+          </a:p>
+        </p:txBody>
+      </p:sp>
+      <p:sp>
+        <p:nvSpPr>
+          <p:cNvPr id="37" name="Rectangle à coins arrondis 36"/>
+          <p:cNvSpPr/>
+          <p:nvPr/>
+        </p:nvSpPr>
+        <p:spPr>
+          <a:xfrm>
+            <a:off x="8609468" y="3023393"/>
+            <a:ext cx="688063" cy="283897"/>
+          </a:xfrm>
+          <a:prstGeom prst="roundRect">
+            <a:avLst/>
+          </a:prstGeom>
+          <a:solidFill>
+            <a:schemeClr val="accent2">
+              <a:lumMod val="60000"/>
+              <a:lumOff val="40000"/>
+            </a:schemeClr>
+          </a:solidFill>
+          <a:ln>
+            <a:solidFill>
+              <a:schemeClr val="accent2">
+                <a:lumMod val="75000"/>
+              </a:schemeClr>
+            </a:solidFill>
+          </a:ln>
+        </p:spPr>
+        <p:style>
+          <a:lnRef idx="2">
+            <a:schemeClr val="accent1">
+              <a:shade val="50000"/>
+            </a:schemeClr>
+          </a:lnRef>
+          <a:fillRef idx="1">
+            <a:schemeClr val="accent1"/>
+          </a:fillRef>
+          <a:effectRef idx="0">
+            <a:schemeClr val="accent1"/>
+          </a:effectRef>
+          <a:fontRef idx="minor">
+            <a:schemeClr val="lt1"/>
+          </a:fontRef>
+        </p:style>
+        <p:txBody>
+          <a:bodyPr rtlCol="0" anchor="ctr"/>
+          <a:lstStyle/>
+          <a:p>
+            <a:pPr algn="ctr"/>
+            <a:r>
+              <a:rPr lang="fr-FR" sz="1200" dirty="0" smtClean="0"/>
+              <a:t>Update</a:t>
+            </a:r>
+            <a:endParaRPr lang="fr-FR" sz="1200" dirty="0"/>
+          </a:p>
+        </p:txBody>
+      </p:sp>
+      <p:sp>
+        <p:nvSpPr>
+          <p:cNvPr id="43" name="ZoneTexte 42"/>
+          <p:cNvSpPr txBox="1"/>
+          <p:nvPr/>
+        </p:nvSpPr>
+        <p:spPr>
+          <a:xfrm>
+            <a:off x="6240165" y="803719"/>
+            <a:ext cx="4559640" cy="369332"/>
+          </a:xfrm>
+          <a:prstGeom prst="rect">
+            <a:avLst/>
+          </a:prstGeom>
+          <a:solidFill>
+            <a:schemeClr val="accent6">
+              <a:lumMod val="40000"/>
+              <a:lumOff val="60000"/>
+            </a:schemeClr>
+          </a:solidFill>
+          <a:ln w="12700">
+            <a:solidFill>
+              <a:schemeClr val="tx2"/>
+            </a:solidFill>
+          </a:ln>
+        </p:spPr>
+        <p:txBody>
+          <a:bodyPr wrap="square" rtlCol="0">
+            <a:spAutoFit/>
+          </a:bodyPr>
+          <a:lstStyle/>
+          <a:p>
+            <a:pPr algn="ctr"/>
+            <a:r>
+              <a:rPr lang="fr-FR" dirty="0" smtClean="0"/>
+              <a:t>Server</a:t>
+            </a:r>
+          </a:p>
+        </p:txBody>
+      </p:sp>
+      <p:sp>
+        <p:nvSpPr>
+          <p:cNvPr id="47" name="Rectangle 46"/>
+          <p:cNvSpPr/>
+          <p:nvPr/>
+        </p:nvSpPr>
+        <p:spPr>
+          <a:xfrm>
+            <a:off x="6773598" y="1250055"/>
+            <a:ext cx="1482811" cy="790834"/>
+          </a:xfrm>
+          <a:prstGeom prst="rect">
+            <a:avLst/>
+          </a:prstGeom>
+        </p:spPr>
+        <p:style>
+          <a:lnRef idx="2">
+            <a:schemeClr val="accent1">
+              <a:shade val="50000"/>
+            </a:schemeClr>
+          </a:lnRef>
+          <a:fillRef idx="1">
+            <a:schemeClr val="accent1"/>
+          </a:fillRef>
+          <a:effectRef idx="0">
+            <a:schemeClr val="accent1"/>
+          </a:effectRef>
+          <a:fontRef idx="minor">
+            <a:schemeClr val="lt1"/>
+          </a:fontRef>
+        </p:style>
+        <p:txBody>
+          <a:bodyPr rtlCol="0" anchor="ctr"/>
+          <a:lstStyle/>
+          <a:p>
+            <a:pPr algn="ctr"/>
+            <a:r>
+              <a:rPr lang="fr-FR" dirty="0" smtClean="0"/>
+              <a:t>Server App</a:t>
+            </a:r>
+            <a:endParaRPr lang="fr-FR" dirty="0"/>
+          </a:p>
+        </p:txBody>
+      </p:sp>
+      <p:sp>
+        <p:nvSpPr>
+          <p:cNvPr id="15" name="ZoneTexte 14"/>
+          <p:cNvSpPr txBox="1"/>
+          <p:nvPr/>
+        </p:nvSpPr>
+        <p:spPr>
+          <a:xfrm>
+            <a:off x="6762952" y="1927394"/>
+            <a:ext cx="1493458" cy="369332"/>
+          </a:xfrm>
+          <a:prstGeom prst="rect">
+            <a:avLst/>
+          </a:prstGeom>
+          <a:solidFill>
+            <a:schemeClr val="accent5">
+              <a:lumMod val="75000"/>
+            </a:schemeClr>
+          </a:solidFill>
+          <a:ln w="6350">
+            <a:solidFill>
+              <a:schemeClr val="tx2"/>
+            </a:solidFill>
+          </a:ln>
+        </p:spPr>
+        <p:txBody>
+          <a:bodyPr wrap="square" rtlCol="0">
+            <a:spAutoFit/>
+          </a:bodyPr>
+          <a:lstStyle/>
+          <a:p>
+            <a:pPr algn="ctr"/>
+            <a:r>
+              <a:rPr lang="fr-FR" dirty="0" err="1" smtClean="0">
+                <a:solidFill>
+                  <a:schemeClr val="bg1"/>
+                </a:solidFill>
+              </a:rPr>
+              <a:t>Node</a:t>
+            </a:r>
+            <a:r>
+              <a:rPr lang="fr-FR" dirty="0">
+                <a:solidFill>
+                  <a:schemeClr val="bg1"/>
+                </a:solidFill>
+              </a:rPr>
+              <a:t> </a:t>
+            </a:r>
+            <a:r>
+              <a:rPr lang="fr-FR" dirty="0" smtClean="0">
+                <a:solidFill>
+                  <a:schemeClr val="bg1"/>
+                </a:solidFill>
+              </a:rPr>
+              <a:t>JS</a:t>
+            </a:r>
+            <a:endParaRPr lang="fr-FR" dirty="0">
+              <a:solidFill>
+                <a:schemeClr val="bg1"/>
+              </a:solidFill>
+            </a:endParaRPr>
+          </a:p>
+        </p:txBody>
+      </p:sp>
+      <p:sp>
+        <p:nvSpPr>
+          <p:cNvPr id="2" name="Rectangle 1"/>
+          <p:cNvSpPr/>
+          <p:nvPr/>
+        </p:nvSpPr>
+        <p:spPr>
+          <a:xfrm>
+            <a:off x="2834197" y="5341019"/>
+            <a:ext cx="4667245" cy="180665"/>
+          </a:xfrm>
+          <a:prstGeom prst="rect">
+            <a:avLst/>
+          </a:prstGeom>
+          <a:solidFill>
+            <a:schemeClr val="accent2">
+              <a:lumMod val="60000"/>
+              <a:lumOff val="40000"/>
+            </a:schemeClr>
+          </a:solidFill>
+          <a:ln>
+            <a:noFill/>
+          </a:ln>
+        </p:spPr>
+        <p:style>
+          <a:lnRef idx="2">
+            <a:schemeClr val="accent1">
+              <a:shade val="50000"/>
+            </a:schemeClr>
+          </a:lnRef>
+          <a:fillRef idx="1">
+            <a:schemeClr val="accent1"/>
+          </a:fillRef>
+          <a:effectRef idx="0">
+            <a:schemeClr val="accent1"/>
+          </a:effectRef>
+          <a:fontRef idx="minor">
+            <a:schemeClr val="lt1"/>
+          </a:fontRef>
+        </p:style>
+        <p:txBody>
+          <a:bodyPr rtlCol="0" anchor="ctr"/>
+          <a:lstStyle/>
+          <a:p>
+            <a:pPr algn="ctr"/>
+            <a:r>
+              <a:rPr lang="fr-FR" dirty="0" smtClean="0"/>
+              <a:t>v</a:t>
+            </a:r>
+            <a:endParaRPr lang="fr-FR" dirty="0"/>
+          </a:p>
+        </p:txBody>
+      </p:sp>
+      <p:sp>
+        <p:nvSpPr>
+          <p:cNvPr id="34" name="Rectangle à coins arrondis 33"/>
+          <p:cNvSpPr/>
+          <p:nvPr/>
+        </p:nvSpPr>
+        <p:spPr>
+          <a:xfrm>
+            <a:off x="4519484" y="5280702"/>
+            <a:ext cx="1414741" cy="283897"/>
+          </a:xfrm>
+          <a:prstGeom prst="roundRect">
+            <a:avLst/>
+          </a:prstGeom>
+          <a:solidFill>
+            <a:schemeClr val="accent2">
+              <a:lumMod val="60000"/>
+              <a:lumOff val="40000"/>
+            </a:schemeClr>
+          </a:solidFill>
+          <a:ln>
+            <a:solidFill>
+              <a:schemeClr val="accent2">
+                <a:lumMod val="75000"/>
+              </a:schemeClr>
+            </a:solidFill>
+          </a:ln>
+        </p:spPr>
+        <p:style>
+          <a:lnRef idx="2">
+            <a:schemeClr val="accent1">
+              <a:shade val="50000"/>
+            </a:schemeClr>
+          </a:lnRef>
+          <a:fillRef idx="1">
+            <a:schemeClr val="accent1"/>
+          </a:fillRef>
+          <a:effectRef idx="0">
+            <a:schemeClr val="accent1"/>
+          </a:effectRef>
+          <a:fontRef idx="minor">
+            <a:schemeClr val="lt1"/>
+          </a:fontRef>
+        </p:style>
+        <p:txBody>
+          <a:bodyPr rtlCol="0" anchor="ctr"/>
+          <a:lstStyle/>
+          <a:p>
+            <a:pPr algn="ctr"/>
+            <a:r>
+              <a:rPr lang="fr-FR" sz="1200" dirty="0" smtClean="0"/>
+              <a:t>Data </a:t>
+            </a:r>
+            <a:r>
+              <a:rPr lang="fr-FR" sz="1200" dirty="0" err="1" smtClean="0"/>
+              <a:t>rendering</a:t>
+            </a:r>
+            <a:endParaRPr lang="fr-FR" sz="1200" dirty="0"/>
+          </a:p>
+        </p:txBody>
+      </p:sp>
+      <p:sp>
+        <p:nvSpPr>
+          <p:cNvPr id="18" name="ZoneTexte 17"/>
+          <p:cNvSpPr txBox="1"/>
+          <p:nvPr/>
+        </p:nvSpPr>
+        <p:spPr>
+          <a:xfrm>
+            <a:off x="1806529" y="5239906"/>
+            <a:ext cx="1175952" cy="369332"/>
+          </a:xfrm>
+          <a:prstGeom prst="rect">
+            <a:avLst/>
+          </a:prstGeom>
+          <a:solidFill>
+            <a:schemeClr val="accent5">
+              <a:lumMod val="75000"/>
+            </a:schemeClr>
+          </a:solidFill>
+        </p:spPr>
+        <p:txBody>
+          <a:bodyPr wrap="square" rtlCol="0">
+            <a:spAutoFit/>
+          </a:bodyPr>
+          <a:lstStyle/>
+          <a:p>
+            <a:pPr algn="ctr"/>
+            <a:r>
+              <a:rPr lang="fr-FR" dirty="0" smtClean="0">
+                <a:solidFill>
+                  <a:schemeClr val="bg1"/>
+                </a:solidFill>
+              </a:rPr>
+              <a:t>Angular2</a:t>
+            </a:r>
+            <a:endParaRPr lang="fr-FR" dirty="0">
+              <a:solidFill>
+                <a:schemeClr val="bg1"/>
+              </a:solidFill>
+            </a:endParaRPr>
+          </a:p>
+        </p:txBody>
+      </p:sp>
+    </p:spTree>
+    <p:extLst>
+      <p:ext uri="{BB962C8B-B14F-4D97-AF65-F5344CB8AC3E}">
+        <p14:creationId xmlns:p14="http://schemas.microsoft.com/office/powerpoint/2010/main" val="3749808524"/>
       </p:ext>
     </p:extLst>
   </p:cSld>

--- a/public/ressources/TechnologicalPlan.pptx
+++ b/public/ressources/TechnologicalPlan.pptx
@@ -5,8 +5,11 @@
     <p:sldMasterId id="2147483648" r:id="rId1"/>
   </p:sldMasterIdLst>
   <p:sldIdLst>
-    <p:sldId id="256" r:id="rId2"/>
-    <p:sldId id="257" r:id="rId3"/>
+    <p:sldId id="258" r:id="rId2"/>
+    <p:sldId id="259" r:id="rId3"/>
+    <p:sldId id="260" r:id="rId4"/>
+    <p:sldId id="261" r:id="rId5"/>
+    <p:sldId id="262" r:id="rId6"/>
   </p:sldIdLst>
   <p:sldSz cx="12192000" cy="6858000"/>
   <p:notesSz cx="6858000" cy="9144000"/>
@@ -244,7 +247,7 @@
           <a:p>
             <a:fld id="{4AC2AF7A-E11C-429C-9E65-E4BA6D2FC408}" type="datetimeFigureOut">
               <a:rPr lang="fr-FR" smtClean="0"/>
-              <a:t>03/05/2017</a:t>
+              <a:t>11/05/2017</a:t>
             </a:fld>
             <a:endParaRPr lang="fr-FR"/>
           </a:p>
@@ -414,7 +417,7 @@
           <a:p>
             <a:fld id="{4AC2AF7A-E11C-429C-9E65-E4BA6D2FC408}" type="datetimeFigureOut">
               <a:rPr lang="fr-FR" smtClean="0"/>
-              <a:t>03/05/2017</a:t>
+              <a:t>11/05/2017</a:t>
             </a:fld>
             <a:endParaRPr lang="fr-FR"/>
           </a:p>
@@ -594,7 +597,7 @@
           <a:p>
             <a:fld id="{4AC2AF7A-E11C-429C-9E65-E4BA6D2FC408}" type="datetimeFigureOut">
               <a:rPr lang="fr-FR" smtClean="0"/>
-              <a:t>03/05/2017</a:t>
+              <a:t>11/05/2017</a:t>
             </a:fld>
             <a:endParaRPr lang="fr-FR"/>
           </a:p>
@@ -764,7 +767,7 @@
           <a:p>
             <a:fld id="{4AC2AF7A-E11C-429C-9E65-E4BA6D2FC408}" type="datetimeFigureOut">
               <a:rPr lang="fr-FR" smtClean="0"/>
-              <a:t>03/05/2017</a:t>
+              <a:t>11/05/2017</a:t>
             </a:fld>
             <a:endParaRPr lang="fr-FR"/>
           </a:p>
@@ -1010,7 +1013,7 @@
           <a:p>
             <a:fld id="{4AC2AF7A-E11C-429C-9E65-E4BA6D2FC408}" type="datetimeFigureOut">
               <a:rPr lang="fr-FR" smtClean="0"/>
-              <a:t>03/05/2017</a:t>
+              <a:t>11/05/2017</a:t>
             </a:fld>
             <a:endParaRPr lang="fr-FR"/>
           </a:p>
@@ -1242,7 +1245,7 @@
           <a:p>
             <a:fld id="{4AC2AF7A-E11C-429C-9E65-E4BA6D2FC408}" type="datetimeFigureOut">
               <a:rPr lang="fr-FR" smtClean="0"/>
-              <a:t>03/05/2017</a:t>
+              <a:t>11/05/2017</a:t>
             </a:fld>
             <a:endParaRPr lang="fr-FR"/>
           </a:p>
@@ -1609,7 +1612,7 @@
           <a:p>
             <a:fld id="{4AC2AF7A-E11C-429C-9E65-E4BA6D2FC408}" type="datetimeFigureOut">
               <a:rPr lang="fr-FR" smtClean="0"/>
-              <a:t>03/05/2017</a:t>
+              <a:t>11/05/2017</a:t>
             </a:fld>
             <a:endParaRPr lang="fr-FR"/>
           </a:p>
@@ -1727,7 +1730,7 @@
           <a:p>
             <a:fld id="{4AC2AF7A-E11C-429C-9E65-E4BA6D2FC408}" type="datetimeFigureOut">
               <a:rPr lang="fr-FR" smtClean="0"/>
-              <a:t>03/05/2017</a:t>
+              <a:t>11/05/2017</a:t>
             </a:fld>
             <a:endParaRPr lang="fr-FR"/>
           </a:p>
@@ -1822,7 +1825,7 @@
           <a:p>
             <a:fld id="{4AC2AF7A-E11C-429C-9E65-E4BA6D2FC408}" type="datetimeFigureOut">
               <a:rPr lang="fr-FR" smtClean="0"/>
-              <a:t>03/05/2017</a:t>
+              <a:t>11/05/2017</a:t>
             </a:fld>
             <a:endParaRPr lang="fr-FR"/>
           </a:p>
@@ -2099,7 +2102,7 @@
           <a:p>
             <a:fld id="{4AC2AF7A-E11C-429C-9E65-E4BA6D2FC408}" type="datetimeFigureOut">
               <a:rPr lang="fr-FR" smtClean="0"/>
-              <a:t>03/05/2017</a:t>
+              <a:t>11/05/2017</a:t>
             </a:fld>
             <a:endParaRPr lang="fr-FR"/>
           </a:p>
@@ -2352,7 +2355,7 @@
           <a:p>
             <a:fld id="{4AC2AF7A-E11C-429C-9E65-E4BA6D2FC408}" type="datetimeFigureOut">
               <a:rPr lang="fr-FR" smtClean="0"/>
-              <a:t>03/05/2017</a:t>
+              <a:t>11/05/2017</a:t>
             </a:fld>
             <a:endParaRPr lang="fr-FR"/>
           </a:p>
@@ -2565,7 +2568,7 @@
           <a:p>
             <a:fld id="{4AC2AF7A-E11C-429C-9E65-E4BA6D2FC408}" type="datetimeFigureOut">
               <a:rPr lang="fr-FR" smtClean="0"/>
-              <a:t>03/05/2017</a:t>
+              <a:t>11/05/2017</a:t>
             </a:fld>
             <a:endParaRPr lang="fr-FR"/>
           </a:p>
@@ -2972,259 +2975,6 @@
       </p:grpSpPr>
       <p:sp>
         <p:nvSpPr>
-          <p:cNvPr id="4" name="Rectangle 3"/>
-          <p:cNvSpPr/>
-          <p:nvPr/>
-        </p:nvSpPr>
-        <p:spPr>
-          <a:xfrm>
-            <a:off x="262416" y="1188308"/>
-            <a:ext cx="5309453" cy="4709984"/>
-          </a:xfrm>
-          <a:prstGeom prst="rect">
-            <a:avLst/>
-          </a:prstGeom>
-          <a:solidFill>
-            <a:schemeClr val="accent5">
-              <a:lumMod val="60000"/>
-              <a:lumOff val="40000"/>
-            </a:schemeClr>
-          </a:solidFill>
-        </p:spPr>
-        <p:style>
-          <a:lnRef idx="2">
-            <a:schemeClr val="accent1">
-              <a:shade val="50000"/>
-            </a:schemeClr>
-          </a:lnRef>
-          <a:fillRef idx="1">
-            <a:schemeClr val="accent1"/>
-          </a:fillRef>
-          <a:effectRef idx="0">
-            <a:schemeClr val="accent1"/>
-          </a:effectRef>
-          <a:fontRef idx="minor">
-            <a:schemeClr val="lt1"/>
-          </a:fontRef>
-        </p:style>
-        <p:txBody>
-          <a:bodyPr rtlCol="0" anchor="ctr"/>
-          <a:lstStyle/>
-          <a:p>
-            <a:pPr algn="ctr"/>
-            <a:endParaRPr lang="fr-FR"/>
-          </a:p>
-        </p:txBody>
-      </p:sp>
-      <p:sp>
-        <p:nvSpPr>
-          <p:cNvPr id="6" name="Rectangle 5"/>
-          <p:cNvSpPr/>
-          <p:nvPr/>
-        </p:nvSpPr>
-        <p:spPr>
-          <a:xfrm>
-            <a:off x="7418176" y="1188308"/>
-            <a:ext cx="4559640" cy="4709984"/>
-          </a:xfrm>
-          <a:prstGeom prst="rect">
-            <a:avLst/>
-          </a:prstGeom>
-          <a:solidFill>
-            <a:schemeClr val="accent6">
-              <a:lumMod val="20000"/>
-              <a:lumOff val="80000"/>
-            </a:schemeClr>
-          </a:solidFill>
-        </p:spPr>
-        <p:style>
-          <a:lnRef idx="2">
-            <a:schemeClr val="accent1">
-              <a:shade val="50000"/>
-            </a:schemeClr>
-          </a:lnRef>
-          <a:fillRef idx="1">
-            <a:schemeClr val="accent1"/>
-          </a:fillRef>
-          <a:effectRef idx="0">
-            <a:schemeClr val="accent1"/>
-          </a:effectRef>
-          <a:fontRef idx="minor">
-            <a:schemeClr val="lt1"/>
-          </a:fontRef>
-        </p:style>
-        <p:txBody>
-          <a:bodyPr rtlCol="0" anchor="ctr"/>
-          <a:lstStyle/>
-          <a:p>
-            <a:pPr algn="ctr"/>
-            <a:endParaRPr lang="fr-FR"/>
-          </a:p>
-        </p:txBody>
-      </p:sp>
-      <p:sp>
-        <p:nvSpPr>
-          <p:cNvPr id="35" name="Rectangle 34"/>
-          <p:cNvSpPr/>
-          <p:nvPr/>
-        </p:nvSpPr>
-        <p:spPr>
-          <a:xfrm rot="16200000">
-            <a:off x="6737437" y="3529998"/>
-            <a:ext cx="3852407" cy="192955"/>
-          </a:xfrm>
-          <a:prstGeom prst="rect">
-            <a:avLst/>
-          </a:prstGeom>
-          <a:solidFill>
-            <a:schemeClr val="accent2">
-              <a:lumMod val="60000"/>
-              <a:lumOff val="40000"/>
-            </a:schemeClr>
-          </a:solidFill>
-          <a:ln>
-            <a:noFill/>
-          </a:ln>
-        </p:spPr>
-        <p:style>
-          <a:lnRef idx="2">
-            <a:schemeClr val="accent1">
-              <a:shade val="50000"/>
-            </a:schemeClr>
-          </a:lnRef>
-          <a:fillRef idx="1">
-            <a:schemeClr val="accent1"/>
-          </a:fillRef>
-          <a:effectRef idx="0">
-            <a:schemeClr val="accent1"/>
-          </a:effectRef>
-          <a:fontRef idx="minor">
-            <a:schemeClr val="lt1"/>
-          </a:fontRef>
-        </p:style>
-        <p:txBody>
-          <a:bodyPr rtlCol="0" anchor="ctr"/>
-          <a:lstStyle/>
-          <a:p>
-            <a:pPr algn="ctr"/>
-            <a:endParaRPr lang="fr-FR" dirty="0"/>
-          </a:p>
-        </p:txBody>
-      </p:sp>
-      <p:sp>
-        <p:nvSpPr>
-          <p:cNvPr id="7" name="Organigramme : Disque magnétique 6"/>
-          <p:cNvSpPr/>
-          <p:nvPr/>
-        </p:nvSpPr>
-        <p:spPr>
-          <a:xfrm>
-            <a:off x="548331" y="4536694"/>
-            <a:ext cx="959710" cy="1029020"/>
-          </a:xfrm>
-          <a:prstGeom prst="flowChartMagneticDisk">
-            <a:avLst/>
-          </a:prstGeom>
-        </p:spPr>
-        <p:style>
-          <a:lnRef idx="2">
-            <a:schemeClr val="accent1">
-              <a:shade val="50000"/>
-            </a:schemeClr>
-          </a:lnRef>
-          <a:fillRef idx="1">
-            <a:schemeClr val="accent1"/>
-          </a:fillRef>
-          <a:effectRef idx="0">
-            <a:schemeClr val="accent1"/>
-          </a:effectRef>
-          <a:fontRef idx="minor">
-            <a:schemeClr val="lt1"/>
-          </a:fontRef>
-        </p:style>
-        <p:txBody>
-          <a:bodyPr rtlCol="0" anchor="ctr"/>
-          <a:lstStyle/>
-          <a:p>
-            <a:pPr algn="ctr"/>
-            <a:r>
-              <a:rPr lang="fr-FR" sz="1600" dirty="0" err="1" smtClean="0"/>
-              <a:t>IndexedDB</a:t>
-            </a:r>
-            <a:endParaRPr lang="fr-FR" sz="1600" dirty="0"/>
-          </a:p>
-        </p:txBody>
-      </p:sp>
-      <p:sp>
-        <p:nvSpPr>
-          <p:cNvPr id="8" name="Organigramme : Disque magnétique 7"/>
-          <p:cNvSpPr/>
-          <p:nvPr/>
-        </p:nvSpPr>
-        <p:spPr>
-          <a:xfrm>
-            <a:off x="10810697" y="2569451"/>
-            <a:ext cx="985887" cy="1266567"/>
-          </a:xfrm>
-          <a:prstGeom prst="flowChartMagneticDisk">
-            <a:avLst/>
-          </a:prstGeom>
-        </p:spPr>
-        <p:style>
-          <a:lnRef idx="2">
-            <a:schemeClr val="accent1">
-              <a:shade val="50000"/>
-            </a:schemeClr>
-          </a:lnRef>
-          <a:fillRef idx="1">
-            <a:schemeClr val="accent1"/>
-          </a:fillRef>
-          <a:effectRef idx="0">
-            <a:schemeClr val="accent1"/>
-          </a:effectRef>
-          <a:fontRef idx="minor">
-            <a:schemeClr val="lt1"/>
-          </a:fontRef>
-        </p:style>
-        <p:txBody>
-          <a:bodyPr rtlCol="0" anchor="ctr"/>
-          <a:lstStyle/>
-          <a:p>
-            <a:pPr algn="ctr"/>
-            <a:r>
-              <a:rPr lang="fr-FR" sz="1600" dirty="0" smtClean="0"/>
-              <a:t>Server</a:t>
-            </a:r>
-            <a:endParaRPr lang="fr-FR" sz="1600" dirty="0"/>
-          </a:p>
-          <a:p>
-            <a:pPr algn="ctr"/>
-            <a:r>
-              <a:rPr lang="fr-FR" sz="1600" dirty="0" err="1" smtClean="0"/>
-              <a:t>Database</a:t>
-            </a:r>
-            <a:endParaRPr lang="fr-FR" sz="1600" dirty="0" smtClean="0"/>
-          </a:p>
-          <a:p>
-            <a:pPr algn="ctr"/>
-            <a:r>
-              <a:rPr lang="fr-FR" sz="1600" dirty="0" smtClean="0"/>
-              <a:t>(</a:t>
-            </a:r>
-            <a:r>
-              <a:rPr lang="fr-FR" sz="1600" dirty="0" err="1" smtClean="0"/>
-              <a:t>SQLite</a:t>
-            </a:r>
-            <a:r>
-              <a:rPr lang="fr-FR" sz="1600" dirty="0" smtClean="0"/>
-              <a:t>)</a:t>
-            </a:r>
-            <a:endParaRPr lang="fr-FR" sz="1600" dirty="0"/>
-          </a:p>
-        </p:txBody>
-      </p:sp>
-      <p:sp>
-        <p:nvSpPr>
           <p:cNvPr id="9" name="ZoneTexte 8"/>
           <p:cNvSpPr txBox="1"/>
           <p:nvPr/>
@@ -3252,16 +3002,8 @@
           <a:p>
             <a:pPr algn="ctr"/>
             <a:r>
-              <a:rPr lang="en-US" sz="2000" dirty="0"/>
-              <a:t>A</a:t>
-            </a:r>
-            <a:r>
               <a:rPr lang="en-US" sz="2000" dirty="0" smtClean="0"/>
-              <a:t>pplication Technological </a:t>
-            </a:r>
-            <a:r>
-              <a:rPr lang="en-US" sz="2000" dirty="0" smtClean="0"/>
-              <a:t>Plan (With </a:t>
+              <a:t>HTML5 </a:t>
             </a:r>
             <a:r>
               <a:rPr lang="en-US" sz="2000" dirty="0" err="1" smtClean="0"/>
@@ -3269,7 +3011,11 @@
             </a:r>
             <a:r>
               <a:rPr lang="en-US" sz="2000" dirty="0" smtClean="0"/>
-              <a:t> and Vue.JS)</a:t>
+              <a:t> </a:t>
+            </a:r>
+            <a:r>
+              <a:rPr lang="en-US" sz="2000" dirty="0" err="1" smtClean="0"/>
+              <a:t>NodeJS</a:t>
             </a:r>
             <a:endParaRPr lang="fr-FR" sz="2000" dirty="0"/>
           </a:p>
@@ -3277,29 +3023,19 @@
       </p:sp>
       <p:sp>
         <p:nvSpPr>
-          <p:cNvPr id="10" name="ZoneTexte 9"/>
+          <p:cNvPr id="42" name="ZoneTexte 41"/>
           <p:cNvSpPr txBox="1"/>
           <p:nvPr/>
         </p:nvSpPr>
         <p:spPr>
           <a:xfrm>
-            <a:off x="262417" y="815527"/>
-            <a:ext cx="5309454" cy="369332"/>
+            <a:off x="0" y="5991754"/>
+            <a:ext cx="12192000" cy="338554"/>
           </a:xfrm>
           <a:prstGeom prst="rect">
             <a:avLst/>
           </a:prstGeom>
-          <a:solidFill>
-            <a:schemeClr val="accent5">
-              <a:lumMod val="40000"/>
-              <a:lumOff val="60000"/>
-            </a:schemeClr>
-          </a:solidFill>
-          <a:ln w="12700">
-            <a:solidFill>
-              <a:schemeClr val="tx2"/>
-            </a:solidFill>
-          </a:ln>
+          <a:noFill/>
         </p:spPr>
         <p:txBody>
           <a:bodyPr wrap="square" rtlCol="0">
@@ -3309,29 +3045,146 @@
           <a:p>
             <a:pPr algn="ctr"/>
             <a:r>
-              <a:rPr lang="fr-FR" dirty="0" smtClean="0"/>
-              <a:t>Client</a:t>
-            </a:r>
-          </a:p>
-        </p:txBody>
-      </p:sp>
-      <p:sp>
-        <p:nvSpPr>
-          <p:cNvPr id="12" name="ZoneTexte 11"/>
+              <a:rPr lang="fr-FR" sz="1600" dirty="0" smtClean="0">
+                <a:latin typeface="Verdana" panose="020B0604030504040204" pitchFamily="34" charset="0"/>
+                <a:ea typeface="Verdana" panose="020B0604030504040204" pitchFamily="34" charset="0"/>
+                <a:cs typeface="Verdana" panose="020B0604030504040204" pitchFamily="34" charset="0"/>
+              </a:rPr>
+              <a:t>A responsive HTML5 Application </a:t>
+            </a:r>
+            <a:r>
+              <a:rPr lang="fr-FR" sz="1600" dirty="0" err="1" smtClean="0">
+                <a:latin typeface="Verdana" panose="020B0604030504040204" pitchFamily="34" charset="0"/>
+                <a:ea typeface="Verdana" panose="020B0604030504040204" pitchFamily="34" charset="0"/>
+                <a:cs typeface="Verdana" panose="020B0604030504040204" pitchFamily="34" charset="0"/>
+              </a:rPr>
+              <a:t>using</a:t>
+            </a:r>
+            <a:r>
+              <a:rPr lang="fr-FR" sz="1600" dirty="0" smtClean="0">
+                <a:latin typeface="Verdana" panose="020B0604030504040204" pitchFamily="34" charset="0"/>
+                <a:ea typeface="Verdana" panose="020B0604030504040204" pitchFamily="34" charset="0"/>
+                <a:cs typeface="Verdana" panose="020B0604030504040204" pitchFamily="34" charset="0"/>
+              </a:rPr>
+              <a:t> a </a:t>
+            </a:r>
+            <a:r>
+              <a:rPr lang="fr-FR" sz="1600" dirty="0" err="1">
+                <a:latin typeface="Verdana" panose="020B0604030504040204" pitchFamily="34" charset="0"/>
+                <a:ea typeface="Verdana" panose="020B0604030504040204" pitchFamily="34" charset="0"/>
+                <a:cs typeface="Verdana" panose="020B0604030504040204" pitchFamily="34" charset="0"/>
+              </a:rPr>
+              <a:t>NodeJS</a:t>
+            </a:r>
+            <a:r>
+              <a:rPr lang="fr-FR" sz="1600" dirty="0">
+                <a:latin typeface="Verdana" panose="020B0604030504040204" pitchFamily="34" charset="0"/>
+                <a:ea typeface="Verdana" panose="020B0604030504040204" pitchFamily="34" charset="0"/>
+                <a:cs typeface="Verdana" panose="020B0604030504040204" pitchFamily="34" charset="0"/>
+              </a:rPr>
+              <a:t> </a:t>
+            </a:r>
+            <a:r>
+              <a:rPr lang="fr-FR" sz="1600" dirty="0" smtClean="0">
+                <a:latin typeface="Verdana" panose="020B0604030504040204" pitchFamily="34" charset="0"/>
+                <a:ea typeface="Verdana" panose="020B0604030504040204" pitchFamily="34" charset="0"/>
+                <a:cs typeface="Verdana" panose="020B0604030504040204" pitchFamily="34" charset="0"/>
+              </a:rPr>
+              <a:t>REST API</a:t>
+            </a:r>
+            <a:endParaRPr lang="fr-FR" sz="1600" dirty="0">
+              <a:latin typeface="Verdana" panose="020B0604030504040204" pitchFamily="34" charset="0"/>
+              <a:ea typeface="Verdana" panose="020B0604030504040204" pitchFamily="34" charset="0"/>
+              <a:cs typeface="Verdana" panose="020B0604030504040204" pitchFamily="34" charset="0"/>
+            </a:endParaRPr>
+          </a:p>
+        </p:txBody>
+      </p:sp>
+      <p:pic>
+        <p:nvPicPr>
+          <p:cNvPr id="50" name="Image 49"/>
+          <p:cNvPicPr>
+            <a:picLocks noChangeAspect="1"/>
+          </p:cNvPicPr>
+          <p:nvPr/>
+        </p:nvPicPr>
+        <p:blipFill>
+          <a:blip r:embed="rId2" cstate="print">
+            <a:extLst>
+              <a:ext uri="{28A0092B-C50C-407E-A947-70E740481C1C}">
+                <a14:useLocalDpi xmlns:a14="http://schemas.microsoft.com/office/drawing/2010/main" val="0"/>
+              </a:ext>
+            </a:extLst>
+          </a:blip>
+          <a:stretch>
+            <a:fillRect/>
+          </a:stretch>
+        </p:blipFill>
+        <p:spPr>
+          <a:xfrm>
+            <a:off x="3711573" y="996464"/>
+            <a:ext cx="4768852" cy="4768852"/>
+          </a:xfrm>
+          <a:prstGeom prst="rect">
+            <a:avLst/>
+          </a:prstGeom>
+        </p:spPr>
+      </p:pic>
+      <p:pic>
+        <p:nvPicPr>
+          <p:cNvPr id="11" name="Image 10"/>
+          <p:cNvPicPr>
+            <a:picLocks noChangeAspect="1"/>
+          </p:cNvPicPr>
+          <p:nvPr/>
+        </p:nvPicPr>
+        <p:blipFill>
+          <a:blip r:embed="rId3" cstate="print">
+            <a:extLst>
+              <a:ext uri="{28A0092B-C50C-407E-A947-70E740481C1C}">
+                <a14:useLocalDpi xmlns:a14="http://schemas.microsoft.com/office/drawing/2010/main" val="0"/>
+              </a:ext>
+            </a:extLst>
+          </a:blip>
+          <a:stretch>
+            <a:fillRect/>
+          </a:stretch>
+        </p:blipFill>
+        <p:spPr>
+          <a:xfrm>
+            <a:off x="7496003" y="1341875"/>
+            <a:ext cx="1968843" cy="1968843"/>
+          </a:xfrm>
+          <a:prstGeom prst="rect">
+            <a:avLst/>
+          </a:prstGeom>
+          <a:effectLst>
+            <a:outerShdw blurRad="50800" dist="38100" dir="8100000" algn="tr" rotWithShape="0">
+              <a:prstClr val="black">
+                <a:alpha val="40000"/>
+              </a:prstClr>
+            </a:outerShdw>
+          </a:effectLst>
+        </p:spPr>
+      </p:pic>
+      <p:sp>
+        <p:nvSpPr>
+          <p:cNvPr id="51" name="ZoneTexte 50"/>
           <p:cNvSpPr txBox="1"/>
           <p:nvPr/>
         </p:nvSpPr>
         <p:spPr>
           <a:xfrm>
-            <a:off x="554511" y="2980091"/>
-            <a:ext cx="920578" cy="369332"/>
+            <a:off x="1" y="6556746"/>
+            <a:ext cx="12191999" cy="307777"/>
           </a:xfrm>
           <a:prstGeom prst="rect">
             <a:avLst/>
           </a:prstGeom>
           <a:solidFill>
-            <a:schemeClr val="accent5">
-              <a:lumMod val="75000"/>
+            <a:schemeClr val="accent1">
+              <a:lumMod val="20000"/>
+              <a:lumOff val="80000"/>
             </a:schemeClr>
           </a:solidFill>
         </p:spPr>
@@ -3341,1207 +3194,19 @@
           </a:bodyPr>
           <a:lstStyle/>
           <a:p>
-            <a:pPr algn="ctr"/>
-            <a:r>
-              <a:rPr lang="fr-FR" dirty="0" err="1" smtClean="0">
-                <a:solidFill>
-                  <a:schemeClr val="bg1"/>
-                </a:solidFill>
-              </a:rPr>
-              <a:t>Dexie</a:t>
-            </a:r>
-            <a:endParaRPr lang="fr-FR" dirty="0">
-              <a:solidFill>
-                <a:schemeClr val="bg1"/>
-              </a:solidFill>
-            </a:endParaRPr>
-          </a:p>
-        </p:txBody>
-      </p:sp>
-      <p:sp>
-        <p:nvSpPr>
-          <p:cNvPr id="13" name="Rectangle 12"/>
-          <p:cNvSpPr/>
-          <p:nvPr/>
-        </p:nvSpPr>
-        <p:spPr>
-          <a:xfrm>
-            <a:off x="3509764" y="2274334"/>
-            <a:ext cx="1482811" cy="790834"/>
-          </a:xfrm>
-          <a:prstGeom prst="rect">
-            <a:avLst/>
-          </a:prstGeom>
-        </p:spPr>
-        <p:style>
-          <a:lnRef idx="2">
-            <a:schemeClr val="accent1">
-              <a:shade val="50000"/>
-            </a:schemeClr>
-          </a:lnRef>
-          <a:fillRef idx="1">
-            <a:schemeClr val="accent1"/>
-          </a:fillRef>
-          <a:effectRef idx="0">
-            <a:schemeClr val="accent1"/>
-          </a:effectRef>
-          <a:fontRef idx="minor">
-            <a:schemeClr val="lt1"/>
-          </a:fontRef>
-        </p:style>
-        <p:txBody>
-          <a:bodyPr rtlCol="0" anchor="ctr"/>
-          <a:lstStyle/>
-          <a:p>
-            <a:pPr algn="ctr"/>
-            <a:r>
-              <a:rPr lang="fr-FR" dirty="0" smtClean="0"/>
-              <a:t>Client Page</a:t>
-            </a:r>
-          </a:p>
-          <a:p>
-            <a:pPr algn="ctr"/>
-            <a:r>
-              <a:rPr lang="fr-FR" sz="1200" dirty="0" smtClean="0"/>
-              <a:t>(</a:t>
-            </a:r>
-            <a:r>
-              <a:rPr lang="fr-FR" sz="1200" dirty="0" err="1" smtClean="0"/>
-              <a:t>Lists</a:t>
-            </a:r>
-            <a:r>
-              <a:rPr lang="fr-FR" sz="1200" dirty="0" smtClean="0"/>
-              <a:t>, </a:t>
-            </a:r>
-            <a:r>
-              <a:rPr lang="fr-FR" sz="1200" dirty="0" err="1" smtClean="0"/>
-              <a:t>Forms</a:t>
-            </a:r>
-            <a:r>
-              <a:rPr lang="fr-FR" sz="1200" dirty="0" smtClean="0"/>
-              <a:t>)</a:t>
-            </a:r>
-            <a:endParaRPr lang="fr-FR" dirty="0"/>
-          </a:p>
-        </p:txBody>
-      </p:sp>
-      <p:sp>
-        <p:nvSpPr>
-          <p:cNvPr id="16" name="ZoneTexte 15"/>
-          <p:cNvSpPr txBox="1"/>
-          <p:nvPr/>
-        </p:nvSpPr>
-        <p:spPr>
-          <a:xfrm>
-            <a:off x="7940963" y="2467271"/>
-            <a:ext cx="1493457" cy="369332"/>
-          </a:xfrm>
-          <a:prstGeom prst="rect">
-            <a:avLst/>
-          </a:prstGeom>
-          <a:solidFill>
-            <a:schemeClr val="accent5">
-              <a:lumMod val="75000"/>
-            </a:schemeClr>
-          </a:solidFill>
-          <a:ln>
-            <a:solidFill>
-              <a:schemeClr val="tx2"/>
-            </a:solidFill>
-          </a:ln>
-        </p:spPr>
-        <p:txBody>
-          <a:bodyPr wrap="square" rtlCol="0">
-            <a:spAutoFit/>
-          </a:bodyPr>
-          <a:lstStyle/>
-          <a:p>
-            <a:pPr algn="ctr"/>
-            <a:r>
-              <a:rPr lang="fr-FR" dirty="0" smtClean="0">
-                <a:solidFill>
-                  <a:schemeClr val="bg1"/>
-                </a:solidFill>
-              </a:rPr>
-              <a:t>Express</a:t>
-            </a:r>
-            <a:endParaRPr lang="fr-FR" dirty="0">
-              <a:solidFill>
-                <a:schemeClr val="bg1"/>
-              </a:solidFill>
-            </a:endParaRPr>
-          </a:p>
-        </p:txBody>
-      </p:sp>
-      <p:sp>
-        <p:nvSpPr>
-          <p:cNvPr id="17" name="ZoneTexte 16"/>
-          <p:cNvSpPr txBox="1"/>
-          <p:nvPr/>
-        </p:nvSpPr>
-        <p:spPr>
-          <a:xfrm>
-            <a:off x="7949927" y="2990250"/>
-            <a:ext cx="1484491" cy="369332"/>
-          </a:xfrm>
-          <a:prstGeom prst="rect">
-            <a:avLst/>
-          </a:prstGeom>
-          <a:solidFill>
-            <a:schemeClr val="accent5">
-              <a:lumMod val="75000"/>
-            </a:schemeClr>
-          </a:solidFill>
-        </p:spPr>
-        <p:txBody>
-          <a:bodyPr wrap="square" rtlCol="0">
-            <a:spAutoFit/>
-          </a:bodyPr>
-          <a:lstStyle/>
-          <a:p>
-            <a:pPr algn="ctr"/>
-            <a:r>
-              <a:rPr lang="fr-FR" dirty="0" smtClean="0">
-                <a:solidFill>
-                  <a:schemeClr val="bg1"/>
-                </a:solidFill>
-              </a:rPr>
-              <a:t>REST/</a:t>
-            </a:r>
-            <a:r>
-              <a:rPr lang="fr-FR" dirty="0" err="1" smtClean="0">
-                <a:solidFill>
-                  <a:schemeClr val="bg1"/>
-                </a:solidFill>
-              </a:rPr>
-              <a:t>Json</a:t>
-            </a:r>
-            <a:endParaRPr lang="fr-FR" dirty="0">
-              <a:solidFill>
-                <a:schemeClr val="bg1"/>
-              </a:solidFill>
-            </a:endParaRPr>
-          </a:p>
-        </p:txBody>
-      </p:sp>
-      <p:sp>
-        <p:nvSpPr>
-          <p:cNvPr id="20" name="ZoneTexte 19"/>
-          <p:cNvSpPr txBox="1"/>
-          <p:nvPr/>
-        </p:nvSpPr>
-        <p:spPr>
-          <a:xfrm>
-            <a:off x="3502042" y="3018516"/>
-            <a:ext cx="1490533" cy="307777"/>
-          </a:xfrm>
-          <a:prstGeom prst="rect">
-            <a:avLst/>
-          </a:prstGeom>
-          <a:solidFill>
-            <a:schemeClr val="accent5">
-              <a:lumMod val="75000"/>
-            </a:schemeClr>
-          </a:solidFill>
-          <a:ln>
-            <a:solidFill>
-              <a:schemeClr val="tx2"/>
-            </a:solidFill>
-          </a:ln>
-        </p:spPr>
-        <p:txBody>
-          <a:bodyPr wrap="square" rtlCol="0">
-            <a:spAutoFit/>
-          </a:bodyPr>
-          <a:lstStyle/>
-          <a:p>
-            <a:pPr algn="ctr"/>
-            <a:r>
-              <a:rPr lang="fr-FR" sz="1400" dirty="0" smtClean="0">
-                <a:solidFill>
-                  <a:schemeClr val="bg1"/>
-                </a:solidFill>
-              </a:rPr>
-              <a:t>JS</a:t>
+            <a:pPr algn="r"/>
+            <a:r>
+              <a:rPr lang="en-US" sz="1400" dirty="0" smtClean="0">
+                <a:latin typeface="Verdana" panose="020B0604030504040204" pitchFamily="34" charset="0"/>
+                <a:ea typeface="Verdana" panose="020B0604030504040204" pitchFamily="34" charset="0"/>
+                <a:cs typeface="Verdana" panose="020B0604030504040204" pitchFamily="34" charset="0"/>
+              </a:rPr>
+              <a:t>1/5</a:t>
             </a:r>
             <a:endParaRPr lang="fr-FR" sz="1400" dirty="0">
-              <a:solidFill>
-                <a:schemeClr val="bg1"/>
-              </a:solidFill>
-            </a:endParaRPr>
-          </a:p>
-        </p:txBody>
-      </p:sp>
-      <p:sp>
-        <p:nvSpPr>
-          <p:cNvPr id="25" name="Flèche droite 24"/>
-          <p:cNvSpPr/>
-          <p:nvPr/>
-        </p:nvSpPr>
-        <p:spPr>
-          <a:xfrm rot="10800000">
-            <a:off x="5065974" y="3046800"/>
-            <a:ext cx="2206707" cy="283896"/>
-          </a:xfrm>
-          <a:prstGeom prst="rightArrow">
-            <a:avLst/>
-          </a:prstGeom>
-          <a:solidFill>
-            <a:schemeClr val="accent2">
-              <a:lumMod val="60000"/>
-              <a:lumOff val="40000"/>
-            </a:schemeClr>
-          </a:solidFill>
-          <a:ln>
-            <a:noFill/>
-          </a:ln>
-        </p:spPr>
-        <p:style>
-          <a:lnRef idx="2">
-            <a:schemeClr val="accent1">
-              <a:shade val="50000"/>
-            </a:schemeClr>
-          </a:lnRef>
-          <a:fillRef idx="1">
-            <a:schemeClr val="accent1"/>
-          </a:fillRef>
-          <a:effectRef idx="0">
-            <a:schemeClr val="accent1"/>
-          </a:effectRef>
-          <a:fontRef idx="minor">
-            <a:schemeClr val="lt1"/>
-          </a:fontRef>
-        </p:style>
-        <p:txBody>
-          <a:bodyPr rtlCol="0" anchor="ctr"/>
-          <a:lstStyle/>
-          <a:p>
-            <a:pPr algn="ctr"/>
-            <a:endParaRPr lang="fr-FR"/>
-          </a:p>
-        </p:txBody>
-      </p:sp>
-      <p:sp>
-        <p:nvSpPr>
-          <p:cNvPr id="26" name="Flèche droite 25"/>
-          <p:cNvSpPr/>
-          <p:nvPr/>
-        </p:nvSpPr>
-        <p:spPr>
-          <a:xfrm>
-            <a:off x="5979345" y="3047485"/>
-            <a:ext cx="1811702" cy="283896"/>
-          </a:xfrm>
-          <a:prstGeom prst="rightArrow">
-            <a:avLst/>
-          </a:prstGeom>
-          <a:solidFill>
-            <a:schemeClr val="accent2">
-              <a:lumMod val="60000"/>
-              <a:lumOff val="40000"/>
-            </a:schemeClr>
-          </a:solidFill>
-          <a:ln>
-            <a:noFill/>
-          </a:ln>
-        </p:spPr>
-        <p:style>
-          <a:lnRef idx="2">
-            <a:schemeClr val="accent1">
-              <a:shade val="50000"/>
-            </a:schemeClr>
-          </a:lnRef>
-          <a:fillRef idx="1">
-            <a:schemeClr val="accent1"/>
-          </a:fillRef>
-          <a:effectRef idx="0">
-            <a:schemeClr val="accent1"/>
-          </a:effectRef>
-          <a:fontRef idx="minor">
-            <a:schemeClr val="lt1"/>
-          </a:fontRef>
-        </p:style>
-        <p:txBody>
-          <a:bodyPr rtlCol="0" anchor="ctr"/>
-          <a:lstStyle/>
-          <a:p>
-            <a:pPr algn="ctr"/>
-            <a:endParaRPr lang="fr-FR"/>
-          </a:p>
-        </p:txBody>
-      </p:sp>
-      <p:sp>
-        <p:nvSpPr>
-          <p:cNvPr id="27" name="Flèche droite 26"/>
-          <p:cNvSpPr/>
-          <p:nvPr/>
-        </p:nvSpPr>
-        <p:spPr>
-          <a:xfrm rot="16200000">
-            <a:off x="3165438" y="4279061"/>
-            <a:ext cx="2172154" cy="324899"/>
-          </a:xfrm>
-          <a:prstGeom prst="rightArrow">
-            <a:avLst/>
-          </a:prstGeom>
-          <a:solidFill>
-            <a:schemeClr val="accent2">
-              <a:lumMod val="60000"/>
-              <a:lumOff val="40000"/>
-            </a:schemeClr>
-          </a:solidFill>
-          <a:ln>
-            <a:noFill/>
-          </a:ln>
-        </p:spPr>
-        <p:style>
-          <a:lnRef idx="2">
-            <a:schemeClr val="accent1">
-              <a:shade val="50000"/>
-            </a:schemeClr>
-          </a:lnRef>
-          <a:fillRef idx="1">
-            <a:schemeClr val="accent1"/>
-          </a:fillRef>
-          <a:effectRef idx="0">
-            <a:schemeClr val="accent1"/>
-          </a:effectRef>
-          <a:fontRef idx="minor">
-            <a:schemeClr val="lt1"/>
-          </a:fontRef>
-        </p:style>
-        <p:txBody>
-          <a:bodyPr rtlCol="0" anchor="ctr"/>
-          <a:lstStyle/>
-          <a:p>
-            <a:pPr algn="ctr"/>
-            <a:endParaRPr lang="fr-FR"/>
-          </a:p>
-        </p:txBody>
-      </p:sp>
-      <p:sp>
-        <p:nvSpPr>
-          <p:cNvPr id="29" name="Flèche droite 28"/>
-          <p:cNvSpPr/>
-          <p:nvPr/>
-        </p:nvSpPr>
-        <p:spPr>
-          <a:xfrm rot="10800000">
-            <a:off x="9462318" y="3032066"/>
-            <a:ext cx="565527" cy="284578"/>
-          </a:xfrm>
-          <a:prstGeom prst="rightArrow">
-            <a:avLst/>
-          </a:prstGeom>
-          <a:solidFill>
-            <a:schemeClr val="accent2">
-              <a:lumMod val="60000"/>
-              <a:lumOff val="40000"/>
-            </a:schemeClr>
-          </a:solidFill>
-          <a:ln>
-            <a:noFill/>
-          </a:ln>
-        </p:spPr>
-        <p:style>
-          <a:lnRef idx="2">
-            <a:schemeClr val="accent1">
-              <a:shade val="50000"/>
-            </a:schemeClr>
-          </a:lnRef>
-          <a:fillRef idx="1">
-            <a:schemeClr val="accent1"/>
-          </a:fillRef>
-          <a:effectRef idx="0">
-            <a:schemeClr val="accent1"/>
-          </a:effectRef>
-          <a:fontRef idx="minor">
-            <a:schemeClr val="lt1"/>
-          </a:fontRef>
-        </p:style>
-        <p:txBody>
-          <a:bodyPr rtlCol="0" anchor="ctr"/>
-          <a:lstStyle/>
-          <a:p>
-            <a:pPr algn="ctr"/>
-            <a:endParaRPr lang="fr-FR"/>
-          </a:p>
-        </p:txBody>
-      </p:sp>
-      <p:sp>
-        <p:nvSpPr>
-          <p:cNvPr id="30" name="Flèche droite 29"/>
-          <p:cNvSpPr/>
-          <p:nvPr/>
-        </p:nvSpPr>
-        <p:spPr>
-          <a:xfrm>
-            <a:off x="9903047" y="3032684"/>
-            <a:ext cx="828699" cy="284578"/>
-          </a:xfrm>
-          <a:prstGeom prst="rightArrow">
-            <a:avLst/>
-          </a:prstGeom>
-          <a:solidFill>
-            <a:schemeClr val="accent2">
-              <a:lumMod val="60000"/>
-              <a:lumOff val="40000"/>
-            </a:schemeClr>
-          </a:solidFill>
-          <a:ln>
-            <a:noFill/>
-          </a:ln>
-        </p:spPr>
-        <p:style>
-          <a:lnRef idx="2">
-            <a:schemeClr val="accent1">
-              <a:shade val="50000"/>
-            </a:schemeClr>
-          </a:lnRef>
-          <a:fillRef idx="1">
-            <a:schemeClr val="accent1"/>
-          </a:fillRef>
-          <a:effectRef idx="0">
-            <a:schemeClr val="accent1"/>
-          </a:effectRef>
-          <a:fontRef idx="minor">
-            <a:schemeClr val="lt1"/>
-          </a:fontRef>
-        </p:style>
-        <p:txBody>
-          <a:bodyPr rtlCol="0" anchor="ctr"/>
-          <a:lstStyle/>
-          <a:p>
-            <a:pPr algn="ctr"/>
-            <a:endParaRPr lang="fr-FR"/>
-          </a:p>
-        </p:txBody>
-      </p:sp>
-      <p:sp>
-        <p:nvSpPr>
-          <p:cNvPr id="33" name="Rectangle à coins arrondis 32"/>
-          <p:cNvSpPr/>
-          <p:nvPr/>
-        </p:nvSpPr>
-        <p:spPr>
-          <a:xfrm>
-            <a:off x="5718307" y="3046799"/>
-            <a:ext cx="1414741" cy="283897"/>
-          </a:xfrm>
-          <a:prstGeom prst="roundRect">
-            <a:avLst/>
-          </a:prstGeom>
-          <a:solidFill>
-            <a:schemeClr val="accent2">
-              <a:lumMod val="60000"/>
-              <a:lumOff val="40000"/>
-            </a:schemeClr>
-          </a:solidFill>
-          <a:ln>
-            <a:solidFill>
-              <a:schemeClr val="accent2">
-                <a:lumMod val="75000"/>
-              </a:schemeClr>
-            </a:solidFill>
-          </a:ln>
-        </p:spPr>
-        <p:style>
-          <a:lnRef idx="2">
-            <a:schemeClr val="accent1">
-              <a:shade val="50000"/>
-            </a:schemeClr>
-          </a:lnRef>
-          <a:fillRef idx="1">
-            <a:schemeClr val="accent1"/>
-          </a:fillRef>
-          <a:effectRef idx="0">
-            <a:schemeClr val="accent1"/>
-          </a:effectRef>
-          <a:fontRef idx="minor">
-            <a:schemeClr val="lt1"/>
-          </a:fontRef>
-        </p:style>
-        <p:txBody>
-          <a:bodyPr rtlCol="0" anchor="ctr"/>
-          <a:lstStyle/>
-          <a:p>
-            <a:pPr algn="ctr"/>
-            <a:r>
-              <a:rPr lang="fr-FR" sz="1200" dirty="0" smtClean="0"/>
-              <a:t>Synchronise Data</a:t>
-            </a:r>
-            <a:endParaRPr lang="fr-FR" sz="1200" dirty="0"/>
-          </a:p>
-        </p:txBody>
-      </p:sp>
-      <p:sp>
-        <p:nvSpPr>
-          <p:cNvPr id="37" name="Rectangle à coins arrondis 36"/>
-          <p:cNvSpPr/>
-          <p:nvPr/>
-        </p:nvSpPr>
-        <p:spPr>
-          <a:xfrm>
-            <a:off x="9787479" y="3032746"/>
-            <a:ext cx="688063" cy="283897"/>
-          </a:xfrm>
-          <a:prstGeom prst="roundRect">
-            <a:avLst/>
-          </a:prstGeom>
-          <a:solidFill>
-            <a:schemeClr val="accent2">
-              <a:lumMod val="60000"/>
-              <a:lumOff val="40000"/>
-            </a:schemeClr>
-          </a:solidFill>
-          <a:ln>
-            <a:solidFill>
-              <a:schemeClr val="accent2">
-                <a:lumMod val="75000"/>
-              </a:schemeClr>
-            </a:solidFill>
-          </a:ln>
-        </p:spPr>
-        <p:style>
-          <a:lnRef idx="2">
-            <a:schemeClr val="accent1">
-              <a:shade val="50000"/>
-            </a:schemeClr>
-          </a:lnRef>
-          <a:fillRef idx="1">
-            <a:schemeClr val="accent1"/>
-          </a:fillRef>
-          <a:effectRef idx="0">
-            <a:schemeClr val="accent1"/>
-          </a:effectRef>
-          <a:fontRef idx="minor">
-            <a:schemeClr val="lt1"/>
-          </a:fontRef>
-        </p:style>
-        <p:txBody>
-          <a:bodyPr rtlCol="0" anchor="ctr"/>
-          <a:lstStyle/>
-          <a:p>
-            <a:pPr algn="ctr"/>
-            <a:r>
-              <a:rPr lang="fr-FR" sz="1200" dirty="0" smtClean="0"/>
-              <a:t>Update</a:t>
-            </a:r>
-            <a:endParaRPr lang="fr-FR" sz="1200" dirty="0"/>
-          </a:p>
-        </p:txBody>
-      </p:sp>
-      <p:sp>
-        <p:nvSpPr>
-          <p:cNvPr id="38" name="Flèche droite 37"/>
-          <p:cNvSpPr/>
-          <p:nvPr/>
-        </p:nvSpPr>
-        <p:spPr>
-          <a:xfrm rot="10800000">
-            <a:off x="1508227" y="3022109"/>
-            <a:ext cx="852605" cy="283896"/>
-          </a:xfrm>
-          <a:prstGeom prst="rightArrow">
-            <a:avLst/>
-          </a:prstGeom>
-          <a:solidFill>
-            <a:schemeClr val="accent2">
-              <a:lumMod val="60000"/>
-              <a:lumOff val="40000"/>
-            </a:schemeClr>
-          </a:solidFill>
-          <a:ln>
-            <a:noFill/>
-          </a:ln>
-        </p:spPr>
-        <p:style>
-          <a:lnRef idx="2">
-            <a:schemeClr val="accent1">
-              <a:shade val="50000"/>
-            </a:schemeClr>
-          </a:lnRef>
-          <a:fillRef idx="1">
-            <a:schemeClr val="accent1"/>
-          </a:fillRef>
-          <a:effectRef idx="0">
-            <a:schemeClr val="accent1"/>
-          </a:effectRef>
-          <a:fontRef idx="minor">
-            <a:schemeClr val="lt1"/>
-          </a:fontRef>
-        </p:style>
-        <p:txBody>
-          <a:bodyPr rtlCol="0" anchor="ctr"/>
-          <a:lstStyle/>
-          <a:p>
-            <a:pPr algn="ctr"/>
-            <a:endParaRPr lang="fr-FR"/>
-          </a:p>
-        </p:txBody>
-      </p:sp>
-      <p:sp>
-        <p:nvSpPr>
-          <p:cNvPr id="41" name="Flèche droite 40"/>
-          <p:cNvSpPr/>
-          <p:nvPr/>
-        </p:nvSpPr>
-        <p:spPr>
-          <a:xfrm>
-            <a:off x="3098309" y="3024629"/>
-            <a:ext cx="403217" cy="283896"/>
-          </a:xfrm>
-          <a:prstGeom prst="rightArrow">
-            <a:avLst/>
-          </a:prstGeom>
-          <a:solidFill>
-            <a:schemeClr val="accent2">
-              <a:lumMod val="60000"/>
-              <a:lumOff val="40000"/>
-            </a:schemeClr>
-          </a:solidFill>
-          <a:ln>
-            <a:noFill/>
-          </a:ln>
-        </p:spPr>
-        <p:style>
-          <a:lnRef idx="2">
-            <a:schemeClr val="accent1">
-              <a:shade val="50000"/>
-            </a:schemeClr>
-          </a:lnRef>
-          <a:fillRef idx="1">
-            <a:schemeClr val="accent1"/>
-          </a:fillRef>
-          <a:effectRef idx="0">
-            <a:schemeClr val="accent1"/>
-          </a:effectRef>
-          <a:fontRef idx="minor">
-            <a:schemeClr val="lt1"/>
-          </a:fontRef>
-        </p:style>
-        <p:txBody>
-          <a:bodyPr rtlCol="0" anchor="ctr"/>
-          <a:lstStyle/>
-          <a:p>
-            <a:pPr algn="ctr"/>
-            <a:endParaRPr lang="fr-FR"/>
-          </a:p>
-        </p:txBody>
-      </p:sp>
-      <p:sp>
-        <p:nvSpPr>
-          <p:cNvPr id="40" name="Rectangle à coins arrondis 39"/>
-          <p:cNvSpPr/>
-          <p:nvPr/>
-        </p:nvSpPr>
-        <p:spPr>
-          <a:xfrm>
-            <a:off x="1796154" y="3013872"/>
-            <a:ext cx="1414741" cy="283897"/>
-          </a:xfrm>
-          <a:prstGeom prst="roundRect">
-            <a:avLst/>
-          </a:prstGeom>
-          <a:solidFill>
-            <a:schemeClr val="accent2">
-              <a:lumMod val="60000"/>
-              <a:lumOff val="40000"/>
-            </a:schemeClr>
-          </a:solidFill>
-          <a:ln>
-            <a:solidFill>
-              <a:schemeClr val="accent2">
-                <a:lumMod val="75000"/>
-              </a:schemeClr>
-            </a:solidFill>
-          </a:ln>
-        </p:spPr>
-        <p:style>
-          <a:lnRef idx="2">
-            <a:schemeClr val="accent1">
-              <a:shade val="50000"/>
-            </a:schemeClr>
-          </a:lnRef>
-          <a:fillRef idx="1">
-            <a:schemeClr val="accent1"/>
-          </a:fillRef>
-          <a:effectRef idx="0">
-            <a:schemeClr val="accent1"/>
-          </a:effectRef>
-          <a:fontRef idx="minor">
-            <a:schemeClr val="lt1"/>
-          </a:fontRef>
-        </p:style>
-        <p:txBody>
-          <a:bodyPr rtlCol="0" anchor="ctr"/>
-          <a:lstStyle/>
-          <a:p>
-            <a:pPr algn="ctr"/>
-            <a:r>
-              <a:rPr lang="fr-FR" sz="1200" dirty="0" smtClean="0"/>
-              <a:t>Data modifications</a:t>
-            </a:r>
-            <a:endParaRPr lang="fr-FR" sz="1200" dirty="0"/>
-          </a:p>
-        </p:txBody>
-      </p:sp>
-      <p:sp>
-        <p:nvSpPr>
-          <p:cNvPr id="43" name="ZoneTexte 42"/>
-          <p:cNvSpPr txBox="1"/>
-          <p:nvPr/>
-        </p:nvSpPr>
-        <p:spPr>
-          <a:xfrm>
-            <a:off x="7418176" y="813072"/>
-            <a:ext cx="4559640" cy="369332"/>
-          </a:xfrm>
-          <a:prstGeom prst="rect">
-            <a:avLst/>
-          </a:prstGeom>
-          <a:solidFill>
-            <a:schemeClr val="accent6">
-              <a:lumMod val="40000"/>
-              <a:lumOff val="60000"/>
-            </a:schemeClr>
-          </a:solidFill>
-          <a:ln w="12700">
-            <a:solidFill>
-              <a:schemeClr val="tx2"/>
-            </a:solidFill>
-          </a:ln>
-        </p:spPr>
-        <p:txBody>
-          <a:bodyPr wrap="square" rtlCol="0">
-            <a:spAutoFit/>
-          </a:bodyPr>
-          <a:lstStyle/>
-          <a:p>
-            <a:pPr algn="ctr"/>
-            <a:r>
-              <a:rPr lang="fr-FR" dirty="0" smtClean="0"/>
-              <a:t>Server</a:t>
-            </a:r>
-          </a:p>
-        </p:txBody>
-      </p:sp>
-      <p:sp>
-        <p:nvSpPr>
-          <p:cNvPr id="44" name="Flèche droite 43"/>
-          <p:cNvSpPr/>
-          <p:nvPr/>
-        </p:nvSpPr>
-        <p:spPr>
-          <a:xfrm rot="16200000">
-            <a:off x="821693" y="3493187"/>
-            <a:ext cx="450511" cy="284578"/>
-          </a:xfrm>
-          <a:prstGeom prst="rightArrow">
-            <a:avLst/>
-          </a:prstGeom>
-          <a:solidFill>
-            <a:schemeClr val="accent2">
-              <a:lumMod val="60000"/>
-              <a:lumOff val="40000"/>
-            </a:schemeClr>
-          </a:solidFill>
-          <a:ln>
-            <a:noFill/>
-          </a:ln>
-        </p:spPr>
-        <p:style>
-          <a:lnRef idx="2">
-            <a:schemeClr val="accent1">
-              <a:shade val="50000"/>
-            </a:schemeClr>
-          </a:lnRef>
-          <a:fillRef idx="1">
-            <a:schemeClr val="accent1"/>
-          </a:fillRef>
-          <a:effectRef idx="0">
-            <a:schemeClr val="accent1"/>
-          </a:effectRef>
-          <a:fontRef idx="minor">
-            <a:schemeClr val="lt1"/>
-          </a:fontRef>
-        </p:style>
-        <p:txBody>
-          <a:bodyPr rtlCol="0" anchor="ctr"/>
-          <a:lstStyle/>
-          <a:p>
-            <a:pPr algn="ctr"/>
-            <a:endParaRPr lang="fr-FR"/>
-          </a:p>
-        </p:txBody>
-      </p:sp>
-      <p:sp>
-        <p:nvSpPr>
-          <p:cNvPr id="45" name="Flèche droite 44"/>
-          <p:cNvSpPr/>
-          <p:nvPr/>
-        </p:nvSpPr>
-        <p:spPr>
-          <a:xfrm rot="5400000">
-            <a:off x="843886" y="4119192"/>
-            <a:ext cx="406125" cy="284578"/>
-          </a:xfrm>
-          <a:prstGeom prst="rightArrow">
-            <a:avLst/>
-          </a:prstGeom>
-          <a:solidFill>
-            <a:schemeClr val="accent2">
-              <a:lumMod val="60000"/>
-              <a:lumOff val="40000"/>
-            </a:schemeClr>
-          </a:solidFill>
-          <a:ln>
-            <a:noFill/>
-          </a:ln>
-        </p:spPr>
-        <p:style>
-          <a:lnRef idx="2">
-            <a:schemeClr val="accent1">
-              <a:shade val="50000"/>
-            </a:schemeClr>
-          </a:lnRef>
-          <a:fillRef idx="1">
-            <a:schemeClr val="accent1"/>
-          </a:fillRef>
-          <a:effectRef idx="0">
-            <a:schemeClr val="accent1"/>
-          </a:effectRef>
-          <a:fontRef idx="minor">
-            <a:schemeClr val="lt1"/>
-          </a:fontRef>
-        </p:style>
-        <p:txBody>
-          <a:bodyPr rtlCol="0" anchor="ctr"/>
-          <a:lstStyle/>
-          <a:p>
-            <a:pPr algn="ctr"/>
-            <a:endParaRPr lang="fr-FR"/>
-          </a:p>
-        </p:txBody>
-      </p:sp>
-      <p:sp>
-        <p:nvSpPr>
-          <p:cNvPr id="46" name="Rectangle à coins arrondis 45"/>
-          <p:cNvSpPr/>
-          <p:nvPr/>
-        </p:nvSpPr>
-        <p:spPr>
-          <a:xfrm>
-            <a:off x="684154" y="3786653"/>
-            <a:ext cx="688063" cy="283897"/>
-          </a:xfrm>
-          <a:prstGeom prst="roundRect">
-            <a:avLst/>
-          </a:prstGeom>
-          <a:solidFill>
-            <a:schemeClr val="accent2">
-              <a:lumMod val="60000"/>
-              <a:lumOff val="40000"/>
-            </a:schemeClr>
-          </a:solidFill>
-          <a:ln>
-            <a:solidFill>
-              <a:schemeClr val="accent2">
-                <a:lumMod val="75000"/>
-              </a:schemeClr>
-            </a:solidFill>
-          </a:ln>
-        </p:spPr>
-        <p:style>
-          <a:lnRef idx="2">
-            <a:schemeClr val="accent1">
-              <a:shade val="50000"/>
-            </a:schemeClr>
-          </a:lnRef>
-          <a:fillRef idx="1">
-            <a:schemeClr val="accent1"/>
-          </a:fillRef>
-          <a:effectRef idx="0">
-            <a:schemeClr val="accent1"/>
-          </a:effectRef>
-          <a:fontRef idx="minor">
-            <a:schemeClr val="lt1"/>
-          </a:fontRef>
-        </p:style>
-        <p:txBody>
-          <a:bodyPr rtlCol="0" anchor="ctr"/>
-          <a:lstStyle/>
-          <a:p>
-            <a:pPr algn="ctr"/>
-            <a:r>
-              <a:rPr lang="fr-FR" sz="1200" dirty="0" smtClean="0"/>
-              <a:t>Update</a:t>
-            </a:r>
-            <a:endParaRPr lang="fr-FR" sz="1200" dirty="0"/>
-          </a:p>
-        </p:txBody>
-      </p:sp>
-      <p:sp>
-        <p:nvSpPr>
-          <p:cNvPr id="47" name="Rectangle 46"/>
-          <p:cNvSpPr/>
-          <p:nvPr/>
-        </p:nvSpPr>
-        <p:spPr>
-          <a:xfrm>
-            <a:off x="7951609" y="1259408"/>
-            <a:ext cx="1482811" cy="790834"/>
-          </a:xfrm>
-          <a:prstGeom prst="rect">
-            <a:avLst/>
-          </a:prstGeom>
-        </p:spPr>
-        <p:style>
-          <a:lnRef idx="2">
-            <a:schemeClr val="accent1">
-              <a:shade val="50000"/>
-            </a:schemeClr>
-          </a:lnRef>
-          <a:fillRef idx="1">
-            <a:schemeClr val="accent1"/>
-          </a:fillRef>
-          <a:effectRef idx="0">
-            <a:schemeClr val="accent1"/>
-          </a:effectRef>
-          <a:fontRef idx="minor">
-            <a:schemeClr val="lt1"/>
-          </a:fontRef>
-        </p:style>
-        <p:txBody>
-          <a:bodyPr rtlCol="0" anchor="ctr"/>
-          <a:lstStyle/>
-          <a:p>
-            <a:pPr algn="ctr"/>
-            <a:r>
-              <a:rPr lang="fr-FR" dirty="0" smtClean="0"/>
-              <a:t>Server App</a:t>
-            </a:r>
-            <a:endParaRPr lang="fr-FR" dirty="0"/>
-          </a:p>
-        </p:txBody>
-      </p:sp>
-      <p:sp>
-        <p:nvSpPr>
-          <p:cNvPr id="15" name="ZoneTexte 14"/>
-          <p:cNvSpPr txBox="1"/>
-          <p:nvPr/>
-        </p:nvSpPr>
-        <p:spPr>
-          <a:xfrm>
-            <a:off x="7940963" y="1936747"/>
-            <a:ext cx="1493458" cy="369332"/>
-          </a:xfrm>
-          <a:prstGeom prst="rect">
-            <a:avLst/>
-          </a:prstGeom>
-          <a:solidFill>
-            <a:schemeClr val="accent5">
-              <a:lumMod val="75000"/>
-            </a:schemeClr>
-          </a:solidFill>
-          <a:ln w="6350">
-            <a:solidFill>
-              <a:schemeClr val="tx2"/>
-            </a:solidFill>
-          </a:ln>
-        </p:spPr>
-        <p:txBody>
-          <a:bodyPr wrap="square" rtlCol="0">
-            <a:spAutoFit/>
-          </a:bodyPr>
-          <a:lstStyle/>
-          <a:p>
-            <a:pPr algn="ctr"/>
-            <a:r>
-              <a:rPr lang="fr-FR" dirty="0" err="1" smtClean="0">
-                <a:solidFill>
-                  <a:schemeClr val="bg1"/>
-                </a:solidFill>
-              </a:rPr>
-              <a:t>Node</a:t>
-            </a:r>
-            <a:r>
-              <a:rPr lang="fr-FR" dirty="0">
-                <a:solidFill>
-                  <a:schemeClr val="bg1"/>
-                </a:solidFill>
-              </a:rPr>
-              <a:t> </a:t>
-            </a:r>
-            <a:r>
-              <a:rPr lang="fr-FR" dirty="0" smtClean="0">
-                <a:solidFill>
-                  <a:schemeClr val="bg1"/>
-                </a:solidFill>
-              </a:rPr>
-              <a:t>JS</a:t>
-            </a:r>
-            <a:endParaRPr lang="fr-FR" dirty="0">
-              <a:solidFill>
-                <a:schemeClr val="bg1"/>
-              </a:solidFill>
-            </a:endParaRPr>
-          </a:p>
-        </p:txBody>
-      </p:sp>
-      <p:sp>
-        <p:nvSpPr>
-          <p:cNvPr id="2" name="Rectangle 1"/>
-          <p:cNvSpPr/>
-          <p:nvPr/>
-        </p:nvSpPr>
-        <p:spPr>
-          <a:xfrm>
-            <a:off x="4827046" y="5359724"/>
-            <a:ext cx="3852407" cy="192955"/>
-          </a:xfrm>
-          <a:prstGeom prst="rect">
-            <a:avLst/>
-          </a:prstGeom>
-          <a:solidFill>
-            <a:schemeClr val="accent2">
-              <a:lumMod val="60000"/>
-              <a:lumOff val="40000"/>
-            </a:schemeClr>
-          </a:solidFill>
-          <a:ln>
-            <a:noFill/>
-          </a:ln>
-        </p:spPr>
-        <p:style>
-          <a:lnRef idx="2">
-            <a:schemeClr val="accent1">
-              <a:shade val="50000"/>
-            </a:schemeClr>
-          </a:lnRef>
-          <a:fillRef idx="1">
-            <a:schemeClr val="accent1"/>
-          </a:fillRef>
-          <a:effectRef idx="0">
-            <a:schemeClr val="accent1"/>
-          </a:effectRef>
-          <a:fontRef idx="minor">
-            <a:schemeClr val="lt1"/>
-          </a:fontRef>
-        </p:style>
-        <p:txBody>
-          <a:bodyPr rtlCol="0" anchor="ctr"/>
-          <a:lstStyle/>
-          <a:p>
-            <a:pPr algn="ctr"/>
-            <a:r>
-              <a:rPr lang="fr-FR" dirty="0" smtClean="0"/>
-              <a:t>v</a:t>
-            </a:r>
-            <a:endParaRPr lang="fr-FR" dirty="0"/>
-          </a:p>
-        </p:txBody>
-      </p:sp>
-      <p:sp>
-        <p:nvSpPr>
-          <p:cNvPr id="34" name="Rectangle à coins arrondis 33"/>
-          <p:cNvSpPr/>
-          <p:nvPr/>
-        </p:nvSpPr>
-        <p:spPr>
-          <a:xfrm>
-            <a:off x="5697495" y="5290055"/>
-            <a:ext cx="1414741" cy="283897"/>
-          </a:xfrm>
-          <a:prstGeom prst="roundRect">
-            <a:avLst/>
-          </a:prstGeom>
-          <a:solidFill>
-            <a:schemeClr val="accent2">
-              <a:lumMod val="60000"/>
-              <a:lumOff val="40000"/>
-            </a:schemeClr>
-          </a:solidFill>
-          <a:ln>
-            <a:solidFill>
-              <a:schemeClr val="accent2">
-                <a:lumMod val="75000"/>
-              </a:schemeClr>
-            </a:solidFill>
-          </a:ln>
-        </p:spPr>
-        <p:style>
-          <a:lnRef idx="2">
-            <a:schemeClr val="accent1">
-              <a:shade val="50000"/>
-            </a:schemeClr>
-          </a:lnRef>
-          <a:fillRef idx="1">
-            <a:schemeClr val="accent1"/>
-          </a:fillRef>
-          <a:effectRef idx="0">
-            <a:schemeClr val="accent1"/>
-          </a:effectRef>
-          <a:fontRef idx="minor">
-            <a:schemeClr val="lt1"/>
-          </a:fontRef>
-        </p:style>
-        <p:txBody>
-          <a:bodyPr rtlCol="0" anchor="ctr"/>
-          <a:lstStyle/>
-          <a:p>
-            <a:pPr algn="ctr"/>
-            <a:r>
-              <a:rPr lang="fr-FR" sz="1200" dirty="0" smtClean="0"/>
-              <a:t>Data </a:t>
-            </a:r>
-            <a:r>
-              <a:rPr lang="fr-FR" sz="1200" dirty="0" err="1" smtClean="0"/>
-              <a:t>rendering</a:t>
-            </a:r>
-            <a:endParaRPr lang="fr-FR" sz="1200" dirty="0"/>
-          </a:p>
-        </p:txBody>
-      </p:sp>
-      <p:sp>
-        <p:nvSpPr>
-          <p:cNvPr id="18" name="ZoneTexte 17"/>
-          <p:cNvSpPr txBox="1"/>
-          <p:nvPr/>
-        </p:nvSpPr>
-        <p:spPr>
-          <a:xfrm>
-            <a:off x="3659332" y="5245810"/>
-            <a:ext cx="1175952" cy="369332"/>
-          </a:xfrm>
-          <a:prstGeom prst="rect">
-            <a:avLst/>
-          </a:prstGeom>
-          <a:solidFill>
-            <a:schemeClr val="accent5">
-              <a:lumMod val="75000"/>
-            </a:schemeClr>
-          </a:solidFill>
-        </p:spPr>
-        <p:txBody>
-          <a:bodyPr wrap="square" rtlCol="0">
-            <a:spAutoFit/>
-          </a:bodyPr>
-          <a:lstStyle/>
-          <a:p>
-            <a:pPr algn="ctr"/>
-            <a:r>
-              <a:rPr lang="fr-FR" dirty="0" smtClean="0">
-                <a:solidFill>
-                  <a:schemeClr val="bg1"/>
-                </a:solidFill>
-              </a:rPr>
-              <a:t>Vue.JS</a:t>
-            </a:r>
-            <a:endParaRPr lang="fr-FR" dirty="0">
-              <a:solidFill>
-                <a:schemeClr val="bg1"/>
-              </a:solidFill>
+              <a:latin typeface="Verdana" panose="020B0604030504040204" pitchFamily="34" charset="0"/>
+              <a:ea typeface="Verdana" panose="020B0604030504040204" pitchFamily="34" charset="0"/>
+              <a:cs typeface="Verdana" panose="020B0604030504040204" pitchFamily="34" charset="0"/>
             </a:endParaRPr>
           </a:p>
         </p:txBody>
@@ -4549,7 +3214,7 @@
     </p:spTree>
     <p:extLst>
       <p:ext uri="{BB962C8B-B14F-4D97-AF65-F5344CB8AC3E}">
-        <p14:creationId xmlns:p14="http://schemas.microsoft.com/office/powerpoint/2010/main" val="817000323"/>
+        <p14:creationId xmlns:p14="http://schemas.microsoft.com/office/powerpoint/2010/main" val="409586345"/>
       </p:ext>
     </p:extLst>
   </p:cSld>
@@ -4585,215 +3250,6 @@
       </p:grpSpPr>
       <p:sp>
         <p:nvSpPr>
-          <p:cNvPr id="4" name="Rectangle 3"/>
-          <p:cNvSpPr/>
-          <p:nvPr/>
-        </p:nvSpPr>
-        <p:spPr>
-          <a:xfrm>
-            <a:off x="1173824" y="1182404"/>
-            <a:ext cx="2396958" cy="4709984"/>
-          </a:xfrm>
-          <a:prstGeom prst="rect">
-            <a:avLst/>
-          </a:prstGeom>
-          <a:solidFill>
-            <a:schemeClr val="accent5">
-              <a:lumMod val="60000"/>
-              <a:lumOff val="40000"/>
-            </a:schemeClr>
-          </a:solidFill>
-        </p:spPr>
-        <p:style>
-          <a:lnRef idx="2">
-            <a:schemeClr val="accent1">
-              <a:shade val="50000"/>
-            </a:schemeClr>
-          </a:lnRef>
-          <a:fillRef idx="1">
-            <a:schemeClr val="accent1"/>
-          </a:fillRef>
-          <a:effectRef idx="0">
-            <a:schemeClr val="accent1"/>
-          </a:effectRef>
-          <a:fontRef idx="minor">
-            <a:schemeClr val="lt1"/>
-          </a:fontRef>
-        </p:style>
-        <p:txBody>
-          <a:bodyPr rtlCol="0" anchor="ctr"/>
-          <a:lstStyle/>
-          <a:p>
-            <a:pPr algn="ctr"/>
-            <a:endParaRPr lang="fr-FR"/>
-          </a:p>
-        </p:txBody>
-      </p:sp>
-      <p:sp>
-        <p:nvSpPr>
-          <p:cNvPr id="6" name="Rectangle 5"/>
-          <p:cNvSpPr/>
-          <p:nvPr/>
-        </p:nvSpPr>
-        <p:spPr>
-          <a:xfrm>
-            <a:off x="6240165" y="1178955"/>
-            <a:ext cx="4559640" cy="4709984"/>
-          </a:xfrm>
-          <a:prstGeom prst="rect">
-            <a:avLst/>
-          </a:prstGeom>
-          <a:solidFill>
-            <a:schemeClr val="accent6">
-              <a:lumMod val="20000"/>
-              <a:lumOff val="80000"/>
-            </a:schemeClr>
-          </a:solidFill>
-        </p:spPr>
-        <p:style>
-          <a:lnRef idx="2">
-            <a:schemeClr val="accent1">
-              <a:shade val="50000"/>
-            </a:schemeClr>
-          </a:lnRef>
-          <a:fillRef idx="1">
-            <a:schemeClr val="accent1"/>
-          </a:fillRef>
-          <a:effectRef idx="0">
-            <a:schemeClr val="accent1"/>
-          </a:effectRef>
-          <a:fontRef idx="minor">
-            <a:schemeClr val="lt1"/>
-          </a:fontRef>
-        </p:style>
-        <p:txBody>
-          <a:bodyPr rtlCol="0" anchor="ctr"/>
-          <a:lstStyle/>
-          <a:p>
-            <a:pPr algn="ctr"/>
-            <a:endParaRPr lang="fr-FR"/>
-          </a:p>
-        </p:txBody>
-      </p:sp>
-      <p:sp>
-        <p:nvSpPr>
-          <p:cNvPr id="35" name="Rectangle 34"/>
-          <p:cNvSpPr/>
-          <p:nvPr/>
-        </p:nvSpPr>
-        <p:spPr>
-          <a:xfrm rot="16200000">
-            <a:off x="5559426" y="3495931"/>
-            <a:ext cx="3852407" cy="192955"/>
-          </a:xfrm>
-          <a:prstGeom prst="rect">
-            <a:avLst/>
-          </a:prstGeom>
-          <a:solidFill>
-            <a:schemeClr val="accent2">
-              <a:lumMod val="60000"/>
-              <a:lumOff val="40000"/>
-            </a:schemeClr>
-          </a:solidFill>
-          <a:ln>
-            <a:noFill/>
-          </a:ln>
-        </p:spPr>
-        <p:style>
-          <a:lnRef idx="2">
-            <a:schemeClr val="accent1">
-              <a:shade val="50000"/>
-            </a:schemeClr>
-          </a:lnRef>
-          <a:fillRef idx="1">
-            <a:schemeClr val="accent1"/>
-          </a:fillRef>
-          <a:effectRef idx="0">
-            <a:schemeClr val="accent1"/>
-          </a:effectRef>
-          <a:fontRef idx="minor">
-            <a:schemeClr val="lt1"/>
-          </a:fontRef>
-        </p:style>
-        <p:txBody>
-          <a:bodyPr rtlCol="0" anchor="ctr"/>
-          <a:lstStyle/>
-          <a:p>
-            <a:pPr algn="ctr"/>
-            <a:endParaRPr lang="fr-FR" dirty="0"/>
-          </a:p>
-        </p:txBody>
-      </p:sp>
-      <p:sp>
-        <p:nvSpPr>
-          <p:cNvPr id="8" name="Organigramme : Disque magnétique 7"/>
-          <p:cNvSpPr/>
-          <p:nvPr/>
-        </p:nvSpPr>
-        <p:spPr>
-          <a:xfrm>
-            <a:off x="9632686" y="2560098"/>
-            <a:ext cx="985887" cy="1266567"/>
-          </a:xfrm>
-          <a:prstGeom prst="flowChartMagneticDisk">
-            <a:avLst/>
-          </a:prstGeom>
-        </p:spPr>
-        <p:style>
-          <a:lnRef idx="2">
-            <a:schemeClr val="accent1">
-              <a:shade val="50000"/>
-            </a:schemeClr>
-          </a:lnRef>
-          <a:fillRef idx="1">
-            <a:schemeClr val="accent1"/>
-          </a:fillRef>
-          <a:effectRef idx="0">
-            <a:schemeClr val="accent1"/>
-          </a:effectRef>
-          <a:fontRef idx="minor">
-            <a:schemeClr val="lt1"/>
-          </a:fontRef>
-        </p:style>
-        <p:txBody>
-          <a:bodyPr rtlCol="0" anchor="ctr"/>
-          <a:lstStyle/>
-          <a:p>
-            <a:pPr algn="ctr"/>
-            <a:r>
-              <a:rPr lang="fr-FR" sz="1600" dirty="0" smtClean="0"/>
-              <a:t>Server</a:t>
-            </a:r>
-            <a:endParaRPr lang="fr-FR" sz="1600" dirty="0"/>
-          </a:p>
-          <a:p>
-            <a:pPr algn="ctr"/>
-            <a:r>
-              <a:rPr lang="fr-FR" sz="1600" dirty="0" err="1" smtClean="0"/>
-              <a:t>Database</a:t>
-            </a:r>
-            <a:endParaRPr lang="fr-FR" sz="1600" dirty="0" smtClean="0"/>
-          </a:p>
-          <a:p>
-            <a:pPr algn="ctr"/>
-            <a:r>
-              <a:rPr lang="fr-FR" sz="1600" dirty="0" smtClean="0"/>
-              <a:t>(</a:t>
-            </a:r>
-            <a:r>
-              <a:rPr lang="fr-FR" sz="1600" dirty="0" err="1" smtClean="0"/>
-              <a:t>SQLite</a:t>
-            </a:r>
-            <a:r>
-              <a:rPr lang="fr-FR" sz="1600" dirty="0" smtClean="0"/>
-              <a:t>)</a:t>
-            </a:r>
-            <a:endParaRPr lang="fr-FR" sz="1600" dirty="0"/>
-          </a:p>
-        </p:txBody>
-      </p:sp>
-      <p:sp>
-        <p:nvSpPr>
           <p:cNvPr id="9" name="ZoneTexte 8"/>
           <p:cNvSpPr txBox="1"/>
           <p:nvPr/>
@@ -4821,46 +3277,118 @@
           <a:p>
             <a:pPr algn="ctr"/>
             <a:r>
-              <a:rPr lang="en-US" sz="2000" dirty="0"/>
-              <a:t>A</a:t>
-            </a:r>
-            <a:r>
               <a:rPr lang="en-US" sz="2000" dirty="0" smtClean="0"/>
-              <a:t>pplication Technological </a:t>
-            </a:r>
-            <a:r>
-              <a:rPr lang="en-US" sz="2000" dirty="0" smtClean="0"/>
-              <a:t>Plan (With Angular2)</a:t>
+              <a:t>How the project works</a:t>
             </a:r>
             <a:endParaRPr lang="fr-FR" sz="2000" dirty="0"/>
           </a:p>
         </p:txBody>
       </p:sp>
-      <p:sp>
-        <p:nvSpPr>
-          <p:cNvPr id="10" name="ZoneTexte 9"/>
+      <p:pic>
+        <p:nvPicPr>
+          <p:cNvPr id="3" name="Image 2"/>
+          <p:cNvPicPr>
+            <a:picLocks noChangeAspect="1"/>
+          </p:cNvPicPr>
+          <p:nvPr/>
+        </p:nvPicPr>
+        <p:blipFill>
+          <a:blip r:embed="rId2" cstate="print">
+            <a:extLst>
+              <a:ext uri="{28A0092B-C50C-407E-A947-70E740481C1C}">
+                <a14:useLocalDpi xmlns:a14="http://schemas.microsoft.com/office/drawing/2010/main" val="0"/>
+              </a:ext>
+            </a:extLst>
+          </a:blip>
+          <a:stretch>
+            <a:fillRect/>
+          </a:stretch>
+        </p:blipFill>
+        <p:spPr>
+          <a:xfrm>
+            <a:off x="1263479" y="1114667"/>
+            <a:ext cx="1459666" cy="1459666"/>
+          </a:xfrm>
+          <a:prstGeom prst="rect">
+            <a:avLst/>
+          </a:prstGeom>
+        </p:spPr>
+      </p:pic>
+      <p:pic>
+        <p:nvPicPr>
+          <p:cNvPr id="5" name="Image 4"/>
+          <p:cNvPicPr>
+            <a:picLocks noChangeAspect="1"/>
+          </p:cNvPicPr>
+          <p:nvPr/>
+        </p:nvPicPr>
+        <p:blipFill>
+          <a:blip r:embed="rId3">
+            <a:extLst>
+              <a:ext uri="{28A0092B-C50C-407E-A947-70E740481C1C}">
+                <a14:useLocalDpi xmlns:a14="http://schemas.microsoft.com/office/drawing/2010/main" val="0"/>
+              </a:ext>
+            </a:extLst>
+          </a:blip>
+          <a:stretch>
+            <a:fillRect/>
+          </a:stretch>
+        </p:blipFill>
+        <p:spPr>
+          <a:xfrm>
+            <a:off x="9131919" y="1990957"/>
+            <a:ext cx="2034446" cy="2034446"/>
+          </a:xfrm>
+          <a:prstGeom prst="rect">
+            <a:avLst/>
+          </a:prstGeom>
+        </p:spPr>
+      </p:pic>
+      <p:pic>
+        <p:nvPicPr>
+          <p:cNvPr id="11" name="Image 10"/>
+          <p:cNvPicPr>
+            <a:picLocks noChangeAspect="1"/>
+          </p:cNvPicPr>
+          <p:nvPr/>
+        </p:nvPicPr>
+        <p:blipFill>
+          <a:blip r:embed="rId4" cstate="print">
+            <a:extLst>
+              <a:ext uri="{28A0092B-C50C-407E-A947-70E740481C1C}">
+                <a14:useLocalDpi xmlns:a14="http://schemas.microsoft.com/office/drawing/2010/main" val="0"/>
+              </a:ext>
+            </a:extLst>
+          </a:blip>
+          <a:stretch>
+            <a:fillRect/>
+          </a:stretch>
+        </p:blipFill>
+        <p:spPr>
+          <a:xfrm>
+            <a:off x="4788274" y="2033575"/>
+            <a:ext cx="1968843" cy="1968843"/>
+          </a:xfrm>
+          <a:prstGeom prst="rect">
+            <a:avLst/>
+          </a:prstGeom>
+        </p:spPr>
+      </p:pic>
+      <p:sp>
+        <p:nvSpPr>
+          <p:cNvPr id="14" name="ZoneTexte 13"/>
           <p:cNvSpPr txBox="1"/>
           <p:nvPr/>
         </p:nvSpPr>
         <p:spPr>
           <a:xfrm>
-            <a:off x="1173824" y="809623"/>
-            <a:ext cx="2396960" cy="369332"/>
+            <a:off x="831777" y="2590809"/>
+            <a:ext cx="2323070" cy="338554"/>
           </a:xfrm>
           <a:prstGeom prst="rect">
             <a:avLst/>
           </a:prstGeom>
-          <a:solidFill>
-            <a:schemeClr val="accent5">
-              <a:lumMod val="40000"/>
-              <a:lumOff val="60000"/>
-            </a:schemeClr>
-          </a:solidFill>
-          <a:ln w="12700">
-            <a:solidFill>
-              <a:schemeClr val="tx2"/>
-            </a:solidFill>
-          </a:ln>
+          <a:noFill/>
         </p:spPr>
         <p:txBody>
           <a:bodyPr wrap="square" rtlCol="0">
@@ -4870,103 +3398,36 @@
           <a:p>
             <a:pPr algn="ctr"/>
             <a:r>
-              <a:rPr lang="fr-FR" dirty="0" smtClean="0"/>
-              <a:t>Client</a:t>
-            </a:r>
-          </a:p>
-        </p:txBody>
-      </p:sp>
-      <p:sp>
-        <p:nvSpPr>
-          <p:cNvPr id="13" name="Rectangle 12"/>
-          <p:cNvSpPr/>
-          <p:nvPr/>
-        </p:nvSpPr>
-        <p:spPr>
-          <a:xfrm>
-            <a:off x="1656961" y="2268430"/>
-            <a:ext cx="1482811" cy="790834"/>
+              <a:rPr lang="fr-FR" sz="1600" dirty="0" smtClean="0">
+                <a:latin typeface="Verdana" panose="020B0604030504040204" pitchFamily="34" charset="0"/>
+                <a:ea typeface="Verdana" panose="020B0604030504040204" pitchFamily="34" charset="0"/>
+                <a:cs typeface="Verdana" panose="020B0604030504040204" pitchFamily="34" charset="0"/>
+              </a:rPr>
+              <a:t>Client application</a:t>
+            </a:r>
+            <a:endParaRPr lang="fr-FR" sz="1600" dirty="0">
+              <a:latin typeface="Verdana" panose="020B0604030504040204" pitchFamily="34" charset="0"/>
+              <a:ea typeface="Verdana" panose="020B0604030504040204" pitchFamily="34" charset="0"/>
+              <a:cs typeface="Verdana" panose="020B0604030504040204" pitchFamily="34" charset="0"/>
+            </a:endParaRPr>
+          </a:p>
+        </p:txBody>
+      </p:sp>
+      <p:sp>
+        <p:nvSpPr>
+          <p:cNvPr id="39" name="ZoneTexte 38"/>
+          <p:cNvSpPr txBox="1"/>
+          <p:nvPr/>
+        </p:nvSpPr>
+        <p:spPr>
+          <a:xfrm>
+            <a:off x="8987607" y="4076567"/>
+            <a:ext cx="2323070" cy="338554"/>
           </a:xfrm>
           <a:prstGeom prst="rect">
             <a:avLst/>
           </a:prstGeom>
-        </p:spPr>
-        <p:style>
-          <a:lnRef idx="2">
-            <a:schemeClr val="accent1">
-              <a:shade val="50000"/>
-            </a:schemeClr>
-          </a:lnRef>
-          <a:fillRef idx="1">
-            <a:schemeClr val="accent1"/>
-          </a:fillRef>
-          <a:effectRef idx="0">
-            <a:schemeClr val="accent1"/>
-          </a:effectRef>
-          <a:fontRef idx="minor">
-            <a:schemeClr val="lt1"/>
-          </a:fontRef>
-        </p:style>
-        <p:txBody>
-          <a:bodyPr rtlCol="0" anchor="ctr"/>
-          <a:lstStyle/>
-          <a:p>
-            <a:pPr algn="ctr"/>
-            <a:r>
-              <a:rPr lang="fr-FR" dirty="0" smtClean="0"/>
-              <a:t>Client Page</a:t>
-            </a:r>
-          </a:p>
-          <a:p>
-            <a:pPr algn="ctr"/>
-            <a:r>
-              <a:rPr lang="fr-FR" sz="1200" dirty="0" smtClean="0"/>
-              <a:t>(</a:t>
-            </a:r>
-            <a:r>
-              <a:rPr lang="fr-FR" sz="1200" dirty="0" err="1" smtClean="0"/>
-              <a:t>Lists</a:t>
-            </a:r>
-            <a:r>
-              <a:rPr lang="fr-FR" sz="1200" dirty="0" smtClean="0"/>
-              <a:t>, </a:t>
-            </a:r>
-            <a:r>
-              <a:rPr lang="fr-FR" sz="1200" dirty="0" err="1" smtClean="0"/>
-              <a:t>Forms</a:t>
-            </a:r>
-            <a:r>
-              <a:rPr lang="fr-FR" sz="1200" dirty="0" smtClean="0"/>
-              <a:t>)</a:t>
-            </a:r>
-            <a:endParaRPr lang="fr-FR" dirty="0"/>
-          </a:p>
-        </p:txBody>
-      </p:sp>
-      <p:sp>
-        <p:nvSpPr>
-          <p:cNvPr id="16" name="ZoneTexte 15"/>
-          <p:cNvSpPr txBox="1"/>
-          <p:nvPr/>
-        </p:nvSpPr>
-        <p:spPr>
-          <a:xfrm>
-            <a:off x="6762952" y="2457918"/>
-            <a:ext cx="1493457" cy="369332"/>
-          </a:xfrm>
-          <a:prstGeom prst="rect">
-            <a:avLst/>
-          </a:prstGeom>
-          <a:solidFill>
-            <a:schemeClr val="accent5">
-              <a:lumMod val="75000"/>
-            </a:schemeClr>
-          </a:solidFill>
-          <a:ln>
-            <a:solidFill>
-              <a:schemeClr val="tx2"/>
-            </a:solidFill>
-          </a:ln>
+          <a:noFill/>
         </p:spPr>
         <p:txBody>
           <a:bodyPr wrap="square" rtlCol="0">
@@ -4976,40 +3437,36 @@
           <a:p>
             <a:pPr algn="ctr"/>
             <a:r>
-              <a:rPr lang="fr-FR" dirty="0" smtClean="0">
-                <a:solidFill>
-                  <a:schemeClr val="bg1"/>
-                </a:solidFill>
-              </a:rPr>
-              <a:t>Express</a:t>
-            </a:r>
-            <a:endParaRPr lang="fr-FR" dirty="0">
-              <a:solidFill>
-                <a:schemeClr val="bg1"/>
-              </a:solidFill>
+              <a:rPr lang="fr-FR" sz="1600" dirty="0" smtClean="0">
+                <a:latin typeface="Verdana" panose="020B0604030504040204" pitchFamily="34" charset="0"/>
+                <a:ea typeface="Verdana" panose="020B0604030504040204" pitchFamily="34" charset="0"/>
+                <a:cs typeface="Verdana" panose="020B0604030504040204" pitchFamily="34" charset="0"/>
+              </a:rPr>
+              <a:t>Server</a:t>
+            </a:r>
+            <a:endParaRPr lang="fr-FR" sz="1600" dirty="0">
+              <a:latin typeface="Verdana" panose="020B0604030504040204" pitchFamily="34" charset="0"/>
+              <a:ea typeface="Verdana" panose="020B0604030504040204" pitchFamily="34" charset="0"/>
+              <a:cs typeface="Verdana" panose="020B0604030504040204" pitchFamily="34" charset="0"/>
             </a:endParaRPr>
           </a:p>
         </p:txBody>
       </p:sp>
       <p:sp>
         <p:nvSpPr>
-          <p:cNvPr id="17" name="ZoneTexte 16"/>
+          <p:cNvPr id="42" name="ZoneTexte 41"/>
           <p:cNvSpPr txBox="1"/>
           <p:nvPr/>
         </p:nvSpPr>
         <p:spPr>
           <a:xfrm>
-            <a:off x="6771916" y="2980897"/>
-            <a:ext cx="1484491" cy="369332"/>
+            <a:off x="4611161" y="4076567"/>
+            <a:ext cx="2323070" cy="338554"/>
           </a:xfrm>
           <a:prstGeom prst="rect">
             <a:avLst/>
           </a:prstGeom>
-          <a:solidFill>
-            <a:schemeClr val="accent5">
-              <a:lumMod val="75000"/>
-            </a:schemeClr>
-          </a:solidFill>
+          <a:noFill/>
         </p:spPr>
         <p:txBody>
           <a:bodyPr wrap="square" rtlCol="0">
@@ -5019,53 +3476,74 @@
           <a:p>
             <a:pPr algn="ctr"/>
             <a:r>
-              <a:rPr lang="fr-FR" dirty="0" smtClean="0">
-                <a:solidFill>
-                  <a:schemeClr val="bg1"/>
-                </a:solidFill>
-              </a:rPr>
-              <a:t>REST/</a:t>
-            </a:r>
-            <a:r>
-              <a:rPr lang="fr-FR" dirty="0" err="1" smtClean="0">
-                <a:solidFill>
-                  <a:schemeClr val="bg1"/>
-                </a:solidFill>
-              </a:rPr>
-              <a:t>Json</a:t>
-            </a:r>
-            <a:endParaRPr lang="fr-FR" dirty="0">
-              <a:solidFill>
-                <a:schemeClr val="bg1"/>
-              </a:solidFill>
+              <a:rPr lang="fr-FR" sz="1600" dirty="0" err="1" smtClean="0">
+                <a:latin typeface="Verdana" panose="020B0604030504040204" pitchFamily="34" charset="0"/>
+                <a:ea typeface="Verdana" panose="020B0604030504040204" pitchFamily="34" charset="0"/>
+                <a:cs typeface="Verdana" panose="020B0604030504040204" pitchFamily="34" charset="0"/>
+              </a:rPr>
+              <a:t>NodeJS</a:t>
+            </a:r>
+            <a:r>
+              <a:rPr lang="fr-FR" sz="1600" dirty="0" smtClean="0">
+                <a:latin typeface="Verdana" panose="020B0604030504040204" pitchFamily="34" charset="0"/>
+                <a:ea typeface="Verdana" panose="020B0604030504040204" pitchFamily="34" charset="0"/>
+                <a:cs typeface="Verdana" panose="020B0604030504040204" pitchFamily="34" charset="0"/>
+              </a:rPr>
+              <a:t> REST API</a:t>
+            </a:r>
+            <a:endParaRPr lang="fr-FR" sz="1600" dirty="0">
+              <a:latin typeface="Verdana" panose="020B0604030504040204" pitchFamily="34" charset="0"/>
+              <a:ea typeface="Verdana" panose="020B0604030504040204" pitchFamily="34" charset="0"/>
+              <a:cs typeface="Verdana" panose="020B0604030504040204" pitchFamily="34" charset="0"/>
             </a:endParaRPr>
           </a:p>
         </p:txBody>
       </p:sp>
-      <p:sp>
-        <p:nvSpPr>
-          <p:cNvPr id="20" name="ZoneTexte 19"/>
+      <p:pic>
+        <p:nvPicPr>
+          <p:cNvPr id="19" name="Image 18"/>
+          <p:cNvPicPr>
+            <a:picLocks noChangeAspect="1"/>
+          </p:cNvPicPr>
+          <p:nvPr/>
+        </p:nvPicPr>
+        <p:blipFill>
+          <a:blip r:embed="rId5" cstate="print">
+            <a:extLst>
+              <a:ext uri="{28A0092B-C50C-407E-A947-70E740481C1C}">
+                <a14:useLocalDpi xmlns:a14="http://schemas.microsoft.com/office/drawing/2010/main" val="0"/>
+              </a:ext>
+            </a:extLst>
+          </a:blip>
+          <a:stretch>
+            <a:fillRect/>
+          </a:stretch>
+        </p:blipFill>
+        <p:spPr>
+          <a:xfrm>
+            <a:off x="1263479" y="3625048"/>
+            <a:ext cx="1526059" cy="1526059"/>
+          </a:xfrm>
+          <a:prstGeom prst="rect">
+            <a:avLst/>
+          </a:prstGeom>
+        </p:spPr>
+      </p:pic>
+      <p:sp>
+        <p:nvSpPr>
+          <p:cNvPr id="49" name="ZoneTexte 48"/>
           <p:cNvSpPr txBox="1"/>
           <p:nvPr/>
         </p:nvSpPr>
         <p:spPr>
           <a:xfrm>
-            <a:off x="1649239" y="3012612"/>
-            <a:ext cx="1490533" cy="307777"/>
+            <a:off x="864972" y="5052963"/>
+            <a:ext cx="2323070" cy="338554"/>
           </a:xfrm>
           <a:prstGeom prst="rect">
             <a:avLst/>
           </a:prstGeom>
-          <a:solidFill>
-            <a:schemeClr val="accent5">
-              <a:lumMod val="75000"/>
-            </a:schemeClr>
-          </a:solidFill>
-          <a:ln>
-            <a:solidFill>
-              <a:schemeClr val="tx2"/>
-            </a:solidFill>
-          </a:ln>
+          <a:noFill/>
         </p:spPr>
         <p:txBody>
           <a:bodyPr wrap="square" rtlCol="0">
@@ -5075,405 +3553,135 @@
           <a:p>
             <a:pPr algn="ctr"/>
             <a:r>
-              <a:rPr lang="fr-FR" sz="1400" dirty="0" smtClean="0">
-                <a:solidFill>
-                  <a:schemeClr val="bg1"/>
-                </a:solidFill>
-              </a:rPr>
-              <a:t>JS</a:t>
-            </a:r>
-            <a:endParaRPr lang="fr-FR" sz="1400" dirty="0">
-              <a:solidFill>
-                <a:schemeClr val="bg1"/>
-              </a:solidFill>
+              <a:rPr lang="fr-FR" sz="1600" dirty="0" smtClean="0">
+                <a:latin typeface="Verdana" panose="020B0604030504040204" pitchFamily="34" charset="0"/>
+                <a:ea typeface="Verdana" panose="020B0604030504040204" pitchFamily="34" charset="0"/>
+                <a:cs typeface="Verdana" panose="020B0604030504040204" pitchFamily="34" charset="0"/>
+              </a:rPr>
+              <a:t>Mobile support</a:t>
+            </a:r>
+            <a:endParaRPr lang="fr-FR" sz="1600" dirty="0">
+              <a:latin typeface="Verdana" panose="020B0604030504040204" pitchFamily="34" charset="0"/>
+              <a:ea typeface="Verdana" panose="020B0604030504040204" pitchFamily="34" charset="0"/>
+              <a:cs typeface="Verdana" panose="020B0604030504040204" pitchFamily="34" charset="0"/>
             </a:endParaRPr>
           </a:p>
         </p:txBody>
       </p:sp>
-      <p:sp>
-        <p:nvSpPr>
-          <p:cNvPr id="25" name="Flèche droite 24"/>
-          <p:cNvSpPr/>
-          <p:nvPr/>
-        </p:nvSpPr>
-        <p:spPr>
-          <a:xfrm rot="10800000">
-            <a:off x="3218722" y="3037447"/>
-            <a:ext cx="2875947" cy="283896"/>
-          </a:xfrm>
-          <a:prstGeom prst="rightArrow">
-            <a:avLst/>
-          </a:prstGeom>
-          <a:solidFill>
-            <a:schemeClr val="accent2">
-              <a:lumMod val="60000"/>
-              <a:lumOff val="40000"/>
-            </a:schemeClr>
-          </a:solidFill>
+      <p:cxnSp>
+        <p:nvCxnSpPr>
+          <p:cNvPr id="4" name="Connecteur droit avec flèche 3"/>
+          <p:cNvCxnSpPr/>
+          <p:nvPr/>
+        </p:nvCxnSpPr>
+        <p:spPr>
+          <a:xfrm>
+            <a:off x="3188043" y="1990957"/>
+            <a:ext cx="1423118" cy="900522"/>
+          </a:xfrm>
+          <a:prstGeom prst="straightConnector1">
+            <a:avLst/>
+          </a:prstGeom>
           <a:ln>
-            <a:noFill/>
+            <a:tailEnd type="triangle"/>
           </a:ln>
         </p:spPr>
         <p:style>
-          <a:lnRef idx="2">
-            <a:schemeClr val="accent1">
-              <a:shade val="50000"/>
-            </a:schemeClr>
+          <a:lnRef idx="3">
+            <a:schemeClr val="accent2"/>
           </a:lnRef>
-          <a:fillRef idx="1">
-            <a:schemeClr val="accent1"/>
+          <a:fillRef idx="0">
+            <a:schemeClr val="accent2"/>
           </a:fillRef>
-          <a:effectRef idx="0">
-            <a:schemeClr val="accent1"/>
+          <a:effectRef idx="2">
+            <a:schemeClr val="accent2"/>
           </a:effectRef>
           <a:fontRef idx="minor">
-            <a:schemeClr val="lt1"/>
+            <a:schemeClr val="tx1"/>
           </a:fontRef>
         </p:style>
-        <p:txBody>
-          <a:bodyPr rtlCol="0" anchor="ctr"/>
-          <a:lstStyle/>
-          <a:p>
-            <a:pPr algn="ctr"/>
-            <a:endParaRPr lang="fr-FR"/>
-          </a:p>
-        </p:txBody>
-      </p:sp>
-      <p:sp>
-        <p:nvSpPr>
-          <p:cNvPr id="26" name="Flèche droite 25"/>
-          <p:cNvSpPr/>
-          <p:nvPr/>
-        </p:nvSpPr>
-        <p:spPr>
-          <a:xfrm>
-            <a:off x="4801334" y="3038132"/>
-            <a:ext cx="1811702" cy="283896"/>
-          </a:xfrm>
-          <a:prstGeom prst="rightArrow">
-            <a:avLst/>
-          </a:prstGeom>
-          <a:solidFill>
-            <a:schemeClr val="accent2">
-              <a:lumMod val="60000"/>
-              <a:lumOff val="40000"/>
-            </a:schemeClr>
-          </a:solidFill>
+      </p:cxnSp>
+      <p:cxnSp>
+        <p:nvCxnSpPr>
+          <p:cNvPr id="15" name="Connecteur droit avec flèche 14"/>
+          <p:cNvCxnSpPr/>
+          <p:nvPr/>
+        </p:nvCxnSpPr>
+        <p:spPr>
+          <a:xfrm flipV="1">
+            <a:off x="3188042" y="3380278"/>
+            <a:ext cx="1423118" cy="1034843"/>
+          </a:xfrm>
+          <a:prstGeom prst="straightConnector1">
+            <a:avLst/>
+          </a:prstGeom>
           <a:ln>
-            <a:noFill/>
+            <a:tailEnd type="triangle"/>
           </a:ln>
         </p:spPr>
         <p:style>
-          <a:lnRef idx="2">
-            <a:schemeClr val="accent1">
-              <a:shade val="50000"/>
-            </a:schemeClr>
+          <a:lnRef idx="3">
+            <a:schemeClr val="accent2"/>
           </a:lnRef>
-          <a:fillRef idx="1">
-            <a:schemeClr val="accent1"/>
+          <a:fillRef idx="0">
+            <a:schemeClr val="accent2"/>
           </a:fillRef>
-          <a:effectRef idx="0">
-            <a:schemeClr val="accent1"/>
+          <a:effectRef idx="2">
+            <a:schemeClr val="accent2"/>
           </a:effectRef>
           <a:fontRef idx="minor">
-            <a:schemeClr val="lt1"/>
+            <a:schemeClr val="tx1"/>
           </a:fontRef>
         </p:style>
-        <p:txBody>
-          <a:bodyPr rtlCol="0" anchor="ctr"/>
-          <a:lstStyle/>
-          <a:p>
-            <a:pPr algn="ctr"/>
-            <a:endParaRPr lang="fr-FR"/>
-          </a:p>
-        </p:txBody>
-      </p:sp>
-      <p:sp>
-        <p:nvSpPr>
-          <p:cNvPr id="27" name="Flèche droite 26"/>
-          <p:cNvSpPr/>
-          <p:nvPr/>
-        </p:nvSpPr>
-        <p:spPr>
-          <a:xfrm rot="16200000">
-            <a:off x="1312635" y="4273157"/>
-            <a:ext cx="2172154" cy="324899"/>
-          </a:xfrm>
-          <a:prstGeom prst="rightArrow">
-            <a:avLst/>
-          </a:prstGeom>
-          <a:solidFill>
-            <a:schemeClr val="accent2">
-              <a:lumMod val="60000"/>
-              <a:lumOff val="40000"/>
-            </a:schemeClr>
-          </a:solidFill>
+      </p:cxnSp>
+      <p:cxnSp>
+        <p:nvCxnSpPr>
+          <p:cNvPr id="18" name="Connecteur droit avec flèche 17"/>
+          <p:cNvCxnSpPr/>
+          <p:nvPr/>
+        </p:nvCxnSpPr>
+        <p:spPr>
+          <a:xfrm flipV="1">
+            <a:off x="6936258" y="3008180"/>
+            <a:ext cx="2063854" cy="9816"/>
+          </a:xfrm>
+          <a:prstGeom prst="straightConnector1">
+            <a:avLst/>
+          </a:prstGeom>
           <a:ln>
-            <a:noFill/>
+            <a:tailEnd type="triangle"/>
           </a:ln>
         </p:spPr>
         <p:style>
-          <a:lnRef idx="2">
-            <a:schemeClr val="accent1">
-              <a:shade val="50000"/>
-            </a:schemeClr>
+          <a:lnRef idx="3">
+            <a:schemeClr val="accent2"/>
           </a:lnRef>
-          <a:fillRef idx="1">
-            <a:schemeClr val="accent1"/>
+          <a:fillRef idx="0">
+            <a:schemeClr val="accent2"/>
           </a:fillRef>
-          <a:effectRef idx="0">
-            <a:schemeClr val="accent1"/>
+          <a:effectRef idx="2">
+            <a:schemeClr val="accent2"/>
           </a:effectRef>
           <a:fontRef idx="minor">
-            <a:schemeClr val="lt1"/>
+            <a:schemeClr val="tx1"/>
           </a:fontRef>
         </p:style>
-        <p:txBody>
-          <a:bodyPr rtlCol="0" anchor="ctr"/>
-          <a:lstStyle/>
-          <a:p>
-            <a:pPr algn="ctr"/>
-            <a:endParaRPr lang="fr-FR"/>
-          </a:p>
-        </p:txBody>
-      </p:sp>
-      <p:sp>
-        <p:nvSpPr>
-          <p:cNvPr id="29" name="Flèche droite 28"/>
-          <p:cNvSpPr/>
-          <p:nvPr/>
-        </p:nvSpPr>
-        <p:spPr>
-          <a:xfrm rot="10800000">
-            <a:off x="8284307" y="3022713"/>
-            <a:ext cx="565527" cy="284578"/>
-          </a:xfrm>
-          <a:prstGeom prst="rightArrow">
-            <a:avLst/>
-          </a:prstGeom>
-          <a:solidFill>
-            <a:schemeClr val="accent2">
-              <a:lumMod val="60000"/>
-              <a:lumOff val="40000"/>
-            </a:schemeClr>
-          </a:solidFill>
-          <a:ln>
-            <a:noFill/>
-          </a:ln>
-        </p:spPr>
-        <p:style>
-          <a:lnRef idx="2">
-            <a:schemeClr val="accent1">
-              <a:shade val="50000"/>
-            </a:schemeClr>
-          </a:lnRef>
-          <a:fillRef idx="1">
-            <a:schemeClr val="accent1"/>
-          </a:fillRef>
-          <a:effectRef idx="0">
-            <a:schemeClr val="accent1"/>
-          </a:effectRef>
-          <a:fontRef idx="minor">
-            <a:schemeClr val="lt1"/>
-          </a:fontRef>
-        </p:style>
-        <p:txBody>
-          <a:bodyPr rtlCol="0" anchor="ctr"/>
-          <a:lstStyle/>
-          <a:p>
-            <a:pPr algn="ctr"/>
-            <a:endParaRPr lang="fr-FR"/>
-          </a:p>
-        </p:txBody>
-      </p:sp>
-      <p:sp>
-        <p:nvSpPr>
-          <p:cNvPr id="30" name="Flèche droite 29"/>
-          <p:cNvSpPr/>
-          <p:nvPr/>
-        </p:nvSpPr>
-        <p:spPr>
-          <a:xfrm>
-            <a:off x="8725036" y="3023331"/>
-            <a:ext cx="828699" cy="284578"/>
-          </a:xfrm>
-          <a:prstGeom prst="rightArrow">
-            <a:avLst/>
-          </a:prstGeom>
-          <a:solidFill>
-            <a:schemeClr val="accent2">
-              <a:lumMod val="60000"/>
-              <a:lumOff val="40000"/>
-            </a:schemeClr>
-          </a:solidFill>
-          <a:ln>
-            <a:noFill/>
-          </a:ln>
-        </p:spPr>
-        <p:style>
-          <a:lnRef idx="2">
-            <a:schemeClr val="accent1">
-              <a:shade val="50000"/>
-            </a:schemeClr>
-          </a:lnRef>
-          <a:fillRef idx="1">
-            <a:schemeClr val="accent1"/>
-          </a:fillRef>
-          <a:effectRef idx="0">
-            <a:schemeClr val="accent1"/>
-          </a:effectRef>
-          <a:fontRef idx="minor">
-            <a:schemeClr val="lt1"/>
-          </a:fontRef>
-        </p:style>
-        <p:txBody>
-          <a:bodyPr rtlCol="0" anchor="ctr"/>
-          <a:lstStyle/>
-          <a:p>
-            <a:pPr algn="ctr"/>
-            <a:endParaRPr lang="fr-FR"/>
-          </a:p>
-        </p:txBody>
-      </p:sp>
-      <p:sp>
-        <p:nvSpPr>
-          <p:cNvPr id="33" name="Rectangle à coins arrondis 32"/>
-          <p:cNvSpPr/>
-          <p:nvPr/>
-        </p:nvSpPr>
-        <p:spPr>
-          <a:xfrm>
-            <a:off x="4540296" y="3037446"/>
-            <a:ext cx="1414741" cy="283897"/>
-          </a:xfrm>
-          <a:prstGeom prst="roundRect">
-            <a:avLst/>
-          </a:prstGeom>
-          <a:solidFill>
-            <a:schemeClr val="accent2">
-              <a:lumMod val="60000"/>
-              <a:lumOff val="40000"/>
-            </a:schemeClr>
-          </a:solidFill>
-          <a:ln>
-            <a:solidFill>
-              <a:schemeClr val="accent2">
-                <a:lumMod val="75000"/>
-              </a:schemeClr>
-            </a:solidFill>
-          </a:ln>
-        </p:spPr>
-        <p:style>
-          <a:lnRef idx="2">
-            <a:schemeClr val="accent1">
-              <a:shade val="50000"/>
-            </a:schemeClr>
-          </a:lnRef>
-          <a:fillRef idx="1">
-            <a:schemeClr val="accent1"/>
-          </a:fillRef>
-          <a:effectRef idx="0">
-            <a:schemeClr val="accent1"/>
-          </a:effectRef>
-          <a:fontRef idx="minor">
-            <a:schemeClr val="lt1"/>
-          </a:fontRef>
-        </p:style>
-        <p:txBody>
-          <a:bodyPr rtlCol="0" anchor="ctr"/>
-          <a:lstStyle/>
-          <a:p>
-            <a:pPr algn="ctr"/>
-            <a:r>
-              <a:rPr lang="fr-FR" sz="1200" dirty="0" smtClean="0"/>
-              <a:t>Edit Data</a:t>
-            </a:r>
-            <a:endParaRPr lang="fr-FR" sz="1200" dirty="0"/>
-          </a:p>
-        </p:txBody>
-      </p:sp>
-      <p:sp>
-        <p:nvSpPr>
-          <p:cNvPr id="37" name="Rectangle à coins arrondis 36"/>
-          <p:cNvSpPr/>
-          <p:nvPr/>
-        </p:nvSpPr>
-        <p:spPr>
-          <a:xfrm>
-            <a:off x="8609468" y="3023393"/>
-            <a:ext cx="688063" cy="283897"/>
-          </a:xfrm>
-          <a:prstGeom prst="roundRect">
-            <a:avLst/>
-          </a:prstGeom>
-          <a:solidFill>
-            <a:schemeClr val="accent2">
-              <a:lumMod val="60000"/>
-              <a:lumOff val="40000"/>
-            </a:schemeClr>
-          </a:solidFill>
-          <a:ln>
-            <a:solidFill>
-              <a:schemeClr val="accent2">
-                <a:lumMod val="75000"/>
-              </a:schemeClr>
-            </a:solidFill>
-          </a:ln>
-        </p:spPr>
-        <p:style>
-          <a:lnRef idx="2">
-            <a:schemeClr val="accent1">
-              <a:shade val="50000"/>
-            </a:schemeClr>
-          </a:lnRef>
-          <a:fillRef idx="1">
-            <a:schemeClr val="accent1"/>
-          </a:fillRef>
-          <a:effectRef idx="0">
-            <a:schemeClr val="accent1"/>
-          </a:effectRef>
-          <a:fontRef idx="minor">
-            <a:schemeClr val="lt1"/>
-          </a:fontRef>
-        </p:style>
-        <p:txBody>
-          <a:bodyPr rtlCol="0" anchor="ctr"/>
-          <a:lstStyle/>
-          <a:p>
-            <a:pPr algn="ctr"/>
-            <a:r>
-              <a:rPr lang="fr-FR" sz="1200" dirty="0" smtClean="0"/>
-              <a:t>Update</a:t>
-            </a:r>
-            <a:endParaRPr lang="fr-FR" sz="1200" dirty="0"/>
-          </a:p>
-        </p:txBody>
-      </p:sp>
-      <p:sp>
-        <p:nvSpPr>
-          <p:cNvPr id="43" name="ZoneTexte 42"/>
+      </p:cxnSp>
+      <p:sp>
+        <p:nvSpPr>
+          <p:cNvPr id="25" name="ZoneTexte 24"/>
           <p:cNvSpPr txBox="1"/>
           <p:nvPr/>
         </p:nvSpPr>
         <p:spPr>
           <a:xfrm>
-            <a:off x="6240165" y="803719"/>
-            <a:ext cx="4559640" cy="369332"/>
+            <a:off x="-67964" y="5691565"/>
+            <a:ext cx="12327925" cy="738664"/>
           </a:xfrm>
           <a:prstGeom prst="rect">
             <a:avLst/>
           </a:prstGeom>
-          <a:solidFill>
-            <a:schemeClr val="accent6">
-              <a:lumMod val="40000"/>
-              <a:lumOff val="60000"/>
-            </a:schemeClr>
-          </a:solidFill>
-          <a:ln w="12700">
-            <a:solidFill>
-              <a:schemeClr val="tx2"/>
-            </a:solidFill>
-          </a:ln>
+          <a:noFill/>
         </p:spPr>
         <p:txBody>
           <a:bodyPr wrap="square" rtlCol="0">
@@ -5483,80 +3691,532 @@
           <a:p>
             <a:pPr algn="ctr"/>
             <a:r>
-              <a:rPr lang="fr-FR" dirty="0" smtClean="0"/>
-              <a:t>Server</a:t>
-            </a:r>
-          </a:p>
-        </p:txBody>
-      </p:sp>
-      <p:sp>
-        <p:nvSpPr>
-          <p:cNvPr id="47" name="Rectangle 46"/>
-          <p:cNvSpPr/>
-          <p:nvPr/>
-        </p:nvSpPr>
-        <p:spPr>
-          <a:xfrm>
-            <a:off x="6773598" y="1250055"/>
-            <a:ext cx="1482811" cy="790834"/>
+              <a:rPr lang="fr-FR" sz="1400" dirty="0" err="1">
+                <a:latin typeface="Verdana" panose="020B0604030504040204" pitchFamily="34" charset="0"/>
+                <a:ea typeface="Verdana" panose="020B0604030504040204" pitchFamily="34" charset="0"/>
+                <a:cs typeface="Verdana" panose="020B0604030504040204" pitchFamily="34" charset="0"/>
+              </a:rPr>
+              <a:t>Using</a:t>
+            </a:r>
+            <a:r>
+              <a:rPr lang="fr-FR" sz="1400" dirty="0">
+                <a:latin typeface="Verdana" panose="020B0604030504040204" pitchFamily="34" charset="0"/>
+                <a:ea typeface="Verdana" panose="020B0604030504040204" pitchFamily="34" charset="0"/>
+                <a:cs typeface="Verdana" panose="020B0604030504040204" pitchFamily="34" charset="0"/>
+              </a:rPr>
+              <a:t> a client or mobile application, or </a:t>
+            </a:r>
+            <a:r>
+              <a:rPr lang="fr-FR" sz="1400" dirty="0" err="1">
+                <a:latin typeface="Verdana" panose="020B0604030504040204" pitchFamily="34" charset="0"/>
+                <a:ea typeface="Verdana" panose="020B0604030504040204" pitchFamily="34" charset="0"/>
+                <a:cs typeface="Verdana" panose="020B0604030504040204" pitchFamily="34" charset="0"/>
+              </a:rPr>
+              <a:t>only</a:t>
+            </a:r>
+            <a:r>
+              <a:rPr lang="fr-FR" sz="1400" dirty="0">
+                <a:latin typeface="Verdana" panose="020B0604030504040204" pitchFamily="34" charset="0"/>
+                <a:ea typeface="Verdana" panose="020B0604030504040204" pitchFamily="34" charset="0"/>
+                <a:cs typeface="Verdana" panose="020B0604030504040204" pitchFamily="34" charset="0"/>
+              </a:rPr>
+              <a:t> the API </a:t>
+            </a:r>
+            <a:r>
+              <a:rPr lang="fr-FR" sz="1400" dirty="0" err="1">
+                <a:latin typeface="Verdana" panose="020B0604030504040204" pitchFamily="34" charset="0"/>
+                <a:ea typeface="Verdana" panose="020B0604030504040204" pitchFamily="34" charset="0"/>
+                <a:cs typeface="Verdana" panose="020B0604030504040204" pitchFamily="34" charset="0"/>
+              </a:rPr>
+              <a:t>with</a:t>
+            </a:r>
+            <a:r>
+              <a:rPr lang="fr-FR" sz="1400" dirty="0">
+                <a:latin typeface="Verdana" panose="020B0604030504040204" pitchFamily="34" charset="0"/>
+                <a:ea typeface="Verdana" panose="020B0604030504040204" pitchFamily="34" charset="0"/>
+                <a:cs typeface="Verdana" panose="020B0604030504040204" pitchFamily="34" charset="0"/>
+              </a:rPr>
+              <a:t> </a:t>
+            </a:r>
+            <a:r>
+              <a:rPr lang="fr-FR" sz="1400" dirty="0" err="1">
+                <a:latin typeface="Verdana" panose="020B0604030504040204" pitchFamily="34" charset="0"/>
+                <a:ea typeface="Verdana" panose="020B0604030504040204" pitchFamily="34" charset="0"/>
+                <a:cs typeface="Verdana" panose="020B0604030504040204" pitchFamily="34" charset="0"/>
+              </a:rPr>
+              <a:t>tools</a:t>
+            </a:r>
+            <a:r>
+              <a:rPr lang="fr-FR" sz="1400" dirty="0">
+                <a:latin typeface="Verdana" panose="020B0604030504040204" pitchFamily="34" charset="0"/>
+                <a:ea typeface="Verdana" panose="020B0604030504040204" pitchFamily="34" charset="0"/>
+                <a:cs typeface="Verdana" panose="020B0604030504040204" pitchFamily="34" charset="0"/>
+              </a:rPr>
+              <a:t> </a:t>
+            </a:r>
+            <a:r>
+              <a:rPr lang="fr-FR" sz="1400" dirty="0" err="1">
+                <a:latin typeface="Verdana" panose="020B0604030504040204" pitchFamily="34" charset="0"/>
+                <a:ea typeface="Verdana" panose="020B0604030504040204" pitchFamily="34" charset="0"/>
+                <a:cs typeface="Verdana" panose="020B0604030504040204" pitchFamily="34" charset="0"/>
+              </a:rPr>
+              <a:t>like</a:t>
+            </a:r>
+            <a:r>
+              <a:rPr lang="fr-FR" sz="1400" dirty="0">
+                <a:latin typeface="Verdana" panose="020B0604030504040204" pitchFamily="34" charset="0"/>
+                <a:ea typeface="Verdana" panose="020B0604030504040204" pitchFamily="34" charset="0"/>
+                <a:cs typeface="Verdana" panose="020B0604030504040204" pitchFamily="34" charset="0"/>
+              </a:rPr>
+              <a:t> </a:t>
+            </a:r>
+            <a:r>
+              <a:rPr lang="fr-FR" sz="1400" dirty="0" err="1">
+                <a:latin typeface="Verdana" panose="020B0604030504040204" pitchFamily="34" charset="0"/>
+                <a:ea typeface="Verdana" panose="020B0604030504040204" pitchFamily="34" charset="0"/>
+                <a:cs typeface="Verdana" panose="020B0604030504040204" pitchFamily="34" charset="0"/>
+              </a:rPr>
+              <a:t>Postman</a:t>
+            </a:r>
+            <a:r>
+              <a:rPr lang="fr-FR" sz="1400" dirty="0">
+                <a:latin typeface="Verdana" panose="020B0604030504040204" pitchFamily="34" charset="0"/>
+                <a:ea typeface="Verdana" panose="020B0604030504040204" pitchFamily="34" charset="0"/>
+                <a:cs typeface="Verdana" panose="020B0604030504040204" pitchFamily="34" charset="0"/>
+              </a:rPr>
+              <a:t>, a user </a:t>
+            </a:r>
+            <a:r>
+              <a:rPr lang="fr-FR" sz="1400" dirty="0" err="1">
+                <a:latin typeface="Verdana" panose="020B0604030504040204" pitchFamily="34" charset="0"/>
+                <a:ea typeface="Verdana" panose="020B0604030504040204" pitchFamily="34" charset="0"/>
+                <a:cs typeface="Verdana" panose="020B0604030504040204" pitchFamily="34" charset="0"/>
+              </a:rPr>
+              <a:t>can</a:t>
+            </a:r>
+            <a:r>
+              <a:rPr lang="fr-FR" sz="1400" dirty="0">
+                <a:latin typeface="Verdana" panose="020B0604030504040204" pitchFamily="34" charset="0"/>
+                <a:ea typeface="Verdana" panose="020B0604030504040204" pitchFamily="34" charset="0"/>
+                <a:cs typeface="Verdana" panose="020B0604030504040204" pitchFamily="34" charset="0"/>
+              </a:rPr>
+              <a:t> </a:t>
+            </a:r>
+            <a:r>
+              <a:rPr lang="fr-FR" sz="1400" dirty="0" err="1">
+                <a:latin typeface="Verdana" panose="020B0604030504040204" pitchFamily="34" charset="0"/>
+                <a:ea typeface="Verdana" panose="020B0604030504040204" pitchFamily="34" charset="0"/>
+                <a:cs typeface="Verdana" panose="020B0604030504040204" pitchFamily="34" charset="0"/>
+              </a:rPr>
+              <a:t>connect</a:t>
+            </a:r>
+            <a:r>
+              <a:rPr lang="fr-FR" sz="1400" dirty="0">
+                <a:latin typeface="Verdana" panose="020B0604030504040204" pitchFamily="34" charset="0"/>
+                <a:ea typeface="Verdana" panose="020B0604030504040204" pitchFamily="34" charset="0"/>
+                <a:cs typeface="Verdana" panose="020B0604030504040204" pitchFamily="34" charset="0"/>
+              </a:rPr>
+              <a:t> and </a:t>
+            </a:r>
+            <a:r>
+              <a:rPr lang="fr-FR" sz="1400" dirty="0" err="1">
+                <a:latin typeface="Verdana" panose="020B0604030504040204" pitchFamily="34" charset="0"/>
+                <a:ea typeface="Verdana" panose="020B0604030504040204" pitchFamily="34" charset="0"/>
+                <a:cs typeface="Verdana" panose="020B0604030504040204" pitchFamily="34" charset="0"/>
+              </a:rPr>
+              <a:t>modify</a:t>
+            </a:r>
+            <a:r>
+              <a:rPr lang="fr-FR" sz="1400" dirty="0">
+                <a:latin typeface="Verdana" panose="020B0604030504040204" pitchFamily="34" charset="0"/>
+                <a:ea typeface="Verdana" panose="020B0604030504040204" pitchFamily="34" charset="0"/>
+                <a:cs typeface="Verdana" panose="020B0604030504040204" pitchFamily="34" charset="0"/>
+              </a:rPr>
+              <a:t> data in a </a:t>
+            </a:r>
+            <a:r>
+              <a:rPr lang="fr-FR" sz="1400" dirty="0" err="1">
+                <a:latin typeface="Verdana" panose="020B0604030504040204" pitchFamily="34" charset="0"/>
+                <a:ea typeface="Verdana" panose="020B0604030504040204" pitchFamily="34" charset="0"/>
+                <a:cs typeface="Verdana" panose="020B0604030504040204" pitchFamily="34" charset="0"/>
+              </a:rPr>
+              <a:t>remote</a:t>
+            </a:r>
+            <a:r>
+              <a:rPr lang="fr-FR" sz="1400" dirty="0">
+                <a:latin typeface="Verdana" panose="020B0604030504040204" pitchFamily="34" charset="0"/>
+                <a:ea typeface="Verdana" panose="020B0604030504040204" pitchFamily="34" charset="0"/>
+                <a:cs typeface="Verdana" panose="020B0604030504040204" pitchFamily="34" charset="0"/>
+              </a:rPr>
+              <a:t> </a:t>
+            </a:r>
+            <a:r>
+              <a:rPr lang="fr-FR" sz="1400" dirty="0" err="1">
+                <a:latin typeface="Verdana" panose="020B0604030504040204" pitchFamily="34" charset="0"/>
+                <a:ea typeface="Verdana" panose="020B0604030504040204" pitchFamily="34" charset="0"/>
+                <a:cs typeface="Verdana" panose="020B0604030504040204" pitchFamily="34" charset="0"/>
+              </a:rPr>
+              <a:t>database</a:t>
+            </a:r>
+            <a:r>
+              <a:rPr lang="fr-FR" sz="1400" dirty="0">
+                <a:latin typeface="Verdana" panose="020B0604030504040204" pitchFamily="34" charset="0"/>
+                <a:ea typeface="Verdana" panose="020B0604030504040204" pitchFamily="34" charset="0"/>
+                <a:cs typeface="Verdana" panose="020B0604030504040204" pitchFamily="34" charset="0"/>
+              </a:rPr>
+              <a:t>.</a:t>
+            </a:r>
+          </a:p>
+          <a:p>
+            <a:pPr algn="ctr"/>
+            <a:r>
+              <a:rPr lang="fr-FR" sz="1400" dirty="0" err="1">
+                <a:latin typeface="Verdana" panose="020B0604030504040204" pitchFamily="34" charset="0"/>
+                <a:ea typeface="Verdana" panose="020B0604030504040204" pitchFamily="34" charset="0"/>
+                <a:cs typeface="Verdana" panose="020B0604030504040204" pitchFamily="34" charset="0"/>
+              </a:rPr>
+              <a:t>Using</a:t>
+            </a:r>
+            <a:r>
+              <a:rPr lang="fr-FR" sz="1400" dirty="0">
+                <a:latin typeface="Verdana" panose="020B0604030504040204" pitchFamily="34" charset="0"/>
+                <a:ea typeface="Verdana" panose="020B0604030504040204" pitchFamily="34" charset="0"/>
+                <a:cs typeface="Verdana" panose="020B0604030504040204" pitchFamily="34" charset="0"/>
+              </a:rPr>
+              <a:t> </a:t>
+            </a:r>
+            <a:r>
+              <a:rPr lang="fr-FR" sz="1400" dirty="0" err="1">
+                <a:latin typeface="Verdana" panose="020B0604030504040204" pitchFamily="34" charset="0"/>
+                <a:ea typeface="Verdana" panose="020B0604030504040204" pitchFamily="34" charset="0"/>
+                <a:cs typeface="Verdana" panose="020B0604030504040204" pitchFamily="34" charset="0"/>
+              </a:rPr>
+              <a:t>IndexedDB</a:t>
+            </a:r>
+            <a:r>
+              <a:rPr lang="fr-FR" sz="1400" dirty="0">
+                <a:latin typeface="Verdana" panose="020B0604030504040204" pitchFamily="34" charset="0"/>
+                <a:ea typeface="Verdana" panose="020B0604030504040204" pitchFamily="34" charset="0"/>
+                <a:cs typeface="Verdana" panose="020B0604030504040204" pitchFamily="34" charset="0"/>
+              </a:rPr>
+              <a:t>, </a:t>
+            </a:r>
+            <a:r>
+              <a:rPr lang="fr-FR" sz="1400" dirty="0" err="1">
+                <a:latin typeface="Verdana" panose="020B0604030504040204" pitchFamily="34" charset="0"/>
+                <a:ea typeface="Verdana" panose="020B0604030504040204" pitchFamily="34" charset="0"/>
+                <a:cs typeface="Verdana" panose="020B0604030504040204" pitchFamily="34" charset="0"/>
+              </a:rPr>
+              <a:t>which</a:t>
+            </a:r>
+            <a:r>
+              <a:rPr lang="fr-FR" sz="1400" dirty="0">
+                <a:latin typeface="Verdana" panose="020B0604030504040204" pitchFamily="34" charset="0"/>
+                <a:ea typeface="Verdana" panose="020B0604030504040204" pitchFamily="34" charset="0"/>
+                <a:cs typeface="Verdana" panose="020B0604030504040204" pitchFamily="34" charset="0"/>
+              </a:rPr>
+              <a:t> </a:t>
+            </a:r>
+            <a:r>
+              <a:rPr lang="fr-FR" sz="1400" dirty="0" err="1">
+                <a:latin typeface="Verdana" panose="020B0604030504040204" pitchFamily="34" charset="0"/>
+                <a:ea typeface="Verdana" panose="020B0604030504040204" pitchFamily="34" charset="0"/>
+                <a:cs typeface="Verdana" panose="020B0604030504040204" pitchFamily="34" charset="0"/>
+              </a:rPr>
+              <a:t>is</a:t>
+            </a:r>
+            <a:r>
+              <a:rPr lang="fr-FR" sz="1400" dirty="0">
+                <a:latin typeface="Verdana" panose="020B0604030504040204" pitchFamily="34" charset="0"/>
+                <a:ea typeface="Verdana" panose="020B0604030504040204" pitchFamily="34" charset="0"/>
+                <a:cs typeface="Verdana" panose="020B0604030504040204" pitchFamily="34" charset="0"/>
+              </a:rPr>
+              <a:t> a local </a:t>
+            </a:r>
+            <a:r>
+              <a:rPr lang="fr-FR" sz="1400" dirty="0" err="1">
+                <a:latin typeface="Verdana" panose="020B0604030504040204" pitchFamily="34" charset="0"/>
+                <a:ea typeface="Verdana" panose="020B0604030504040204" pitchFamily="34" charset="0"/>
+                <a:cs typeface="Verdana" panose="020B0604030504040204" pitchFamily="34" charset="0"/>
+              </a:rPr>
+              <a:t>Database</a:t>
+            </a:r>
+            <a:r>
+              <a:rPr lang="fr-FR" sz="1400" dirty="0">
+                <a:latin typeface="Verdana" panose="020B0604030504040204" pitchFamily="34" charset="0"/>
+                <a:ea typeface="Verdana" panose="020B0604030504040204" pitchFamily="34" charset="0"/>
+                <a:cs typeface="Verdana" panose="020B0604030504040204" pitchFamily="34" charset="0"/>
+              </a:rPr>
+              <a:t> </a:t>
+            </a:r>
+            <a:r>
+              <a:rPr lang="fr-FR" sz="1400" dirty="0" err="1">
+                <a:latin typeface="Verdana" panose="020B0604030504040204" pitchFamily="34" charset="0"/>
+                <a:ea typeface="Verdana" panose="020B0604030504040204" pitchFamily="34" charset="0"/>
+                <a:cs typeface="Verdana" panose="020B0604030504040204" pitchFamily="34" charset="0"/>
+              </a:rPr>
+              <a:t>within</a:t>
+            </a:r>
+            <a:r>
+              <a:rPr lang="fr-FR" sz="1400" dirty="0">
+                <a:latin typeface="Verdana" panose="020B0604030504040204" pitchFamily="34" charset="0"/>
+                <a:ea typeface="Verdana" panose="020B0604030504040204" pitchFamily="34" charset="0"/>
+                <a:cs typeface="Verdana" panose="020B0604030504040204" pitchFamily="34" charset="0"/>
+              </a:rPr>
+              <a:t> the </a:t>
+            </a:r>
+            <a:r>
+              <a:rPr lang="fr-FR" sz="1400" dirty="0" err="1">
+                <a:latin typeface="Verdana" panose="020B0604030504040204" pitchFamily="34" charset="0"/>
+                <a:ea typeface="Verdana" panose="020B0604030504040204" pitchFamily="34" charset="0"/>
+                <a:cs typeface="Verdana" panose="020B0604030504040204" pitchFamily="34" charset="0"/>
+              </a:rPr>
+              <a:t>client’s</a:t>
+            </a:r>
+            <a:r>
+              <a:rPr lang="fr-FR" sz="1400" dirty="0">
+                <a:latin typeface="Verdana" panose="020B0604030504040204" pitchFamily="34" charset="0"/>
+                <a:ea typeface="Verdana" panose="020B0604030504040204" pitchFamily="34" charset="0"/>
+                <a:cs typeface="Verdana" panose="020B0604030504040204" pitchFamily="34" charset="0"/>
+              </a:rPr>
+              <a:t> web browser, the client application </a:t>
+            </a:r>
+            <a:r>
+              <a:rPr lang="fr-FR" sz="1400" dirty="0" err="1">
+                <a:latin typeface="Verdana" panose="020B0604030504040204" pitchFamily="34" charset="0"/>
+                <a:ea typeface="Verdana" panose="020B0604030504040204" pitchFamily="34" charset="0"/>
+                <a:cs typeface="Verdana" panose="020B0604030504040204" pitchFamily="34" charset="0"/>
+              </a:rPr>
+              <a:t>can</a:t>
+            </a:r>
+            <a:r>
+              <a:rPr lang="fr-FR" sz="1400" dirty="0">
+                <a:latin typeface="Verdana" panose="020B0604030504040204" pitchFamily="34" charset="0"/>
+                <a:ea typeface="Verdana" panose="020B0604030504040204" pitchFamily="34" charset="0"/>
+                <a:cs typeface="Verdana" panose="020B0604030504040204" pitchFamily="34" charset="0"/>
+              </a:rPr>
+              <a:t> </a:t>
+            </a:r>
+            <a:r>
+              <a:rPr lang="fr-FR" sz="1400" dirty="0" err="1">
+                <a:latin typeface="Verdana" panose="020B0604030504040204" pitchFamily="34" charset="0"/>
+                <a:ea typeface="Verdana" panose="020B0604030504040204" pitchFamily="34" charset="0"/>
+                <a:cs typeface="Verdana" panose="020B0604030504040204" pitchFamily="34" charset="0"/>
+              </a:rPr>
+              <a:t>persist</a:t>
+            </a:r>
+            <a:r>
+              <a:rPr lang="fr-FR" sz="1400" dirty="0">
+                <a:latin typeface="Verdana" panose="020B0604030504040204" pitchFamily="34" charset="0"/>
+                <a:ea typeface="Verdana" panose="020B0604030504040204" pitchFamily="34" charset="0"/>
+                <a:cs typeface="Verdana" panose="020B0604030504040204" pitchFamily="34" charset="0"/>
+              </a:rPr>
+              <a:t> changes </a:t>
+            </a:r>
+            <a:r>
+              <a:rPr lang="fr-FR" sz="1400" dirty="0" err="1">
+                <a:latin typeface="Verdana" panose="020B0604030504040204" pitchFamily="34" charset="0"/>
+                <a:ea typeface="Verdana" panose="020B0604030504040204" pitchFamily="34" charset="0"/>
+                <a:cs typeface="Verdana" panose="020B0604030504040204" pitchFamily="34" charset="0"/>
+              </a:rPr>
+              <a:t>even</a:t>
+            </a:r>
+            <a:r>
+              <a:rPr lang="fr-FR" sz="1400" dirty="0">
+                <a:latin typeface="Verdana" panose="020B0604030504040204" pitchFamily="34" charset="0"/>
+                <a:ea typeface="Verdana" panose="020B0604030504040204" pitchFamily="34" charset="0"/>
+                <a:cs typeface="Verdana" panose="020B0604030504040204" pitchFamily="34" charset="0"/>
+              </a:rPr>
+              <a:t> if the </a:t>
+            </a:r>
+            <a:r>
+              <a:rPr lang="fr-FR" sz="1400" dirty="0" err="1">
+                <a:latin typeface="Verdana" panose="020B0604030504040204" pitchFamily="34" charset="0"/>
+                <a:ea typeface="Verdana" panose="020B0604030504040204" pitchFamily="34" charset="0"/>
+                <a:cs typeface="Verdana" panose="020B0604030504040204" pitchFamily="34" charset="0"/>
+              </a:rPr>
+              <a:t>remote</a:t>
+            </a:r>
+            <a:r>
+              <a:rPr lang="fr-FR" sz="1400" dirty="0">
+                <a:latin typeface="Verdana" panose="020B0604030504040204" pitchFamily="34" charset="0"/>
+                <a:ea typeface="Verdana" panose="020B0604030504040204" pitchFamily="34" charset="0"/>
+                <a:cs typeface="Verdana" panose="020B0604030504040204" pitchFamily="34" charset="0"/>
+              </a:rPr>
+              <a:t> </a:t>
+            </a:r>
+            <a:r>
+              <a:rPr lang="fr-FR" sz="1400" dirty="0" err="1">
+                <a:latin typeface="Verdana" panose="020B0604030504040204" pitchFamily="34" charset="0"/>
+                <a:ea typeface="Verdana" panose="020B0604030504040204" pitchFamily="34" charset="0"/>
+                <a:cs typeface="Verdana" panose="020B0604030504040204" pitchFamily="34" charset="0"/>
+              </a:rPr>
+              <a:t>server’s</a:t>
+            </a:r>
+            <a:r>
+              <a:rPr lang="fr-FR" sz="1400" dirty="0">
+                <a:latin typeface="Verdana" panose="020B0604030504040204" pitchFamily="34" charset="0"/>
+                <a:ea typeface="Verdana" panose="020B0604030504040204" pitchFamily="34" charset="0"/>
+                <a:cs typeface="Verdana" panose="020B0604030504040204" pitchFamily="34" charset="0"/>
+              </a:rPr>
+              <a:t> </a:t>
+            </a:r>
+            <a:r>
+              <a:rPr lang="fr-FR" sz="1400" dirty="0" err="1">
+                <a:latin typeface="Verdana" panose="020B0604030504040204" pitchFamily="34" charset="0"/>
+                <a:ea typeface="Verdana" panose="020B0604030504040204" pitchFamily="34" charset="0"/>
+                <a:cs typeface="Verdana" panose="020B0604030504040204" pitchFamily="34" charset="0"/>
+              </a:rPr>
+              <a:t>database</a:t>
+            </a:r>
+            <a:r>
+              <a:rPr lang="fr-FR" sz="1400" dirty="0">
+                <a:latin typeface="Verdana" panose="020B0604030504040204" pitchFamily="34" charset="0"/>
+                <a:ea typeface="Verdana" panose="020B0604030504040204" pitchFamily="34" charset="0"/>
+                <a:cs typeface="Verdana" panose="020B0604030504040204" pitchFamily="34" charset="0"/>
+              </a:rPr>
+              <a:t> </a:t>
+            </a:r>
+            <a:r>
+              <a:rPr lang="fr-FR" sz="1400" dirty="0" err="1">
+                <a:latin typeface="Verdana" panose="020B0604030504040204" pitchFamily="34" charset="0"/>
+                <a:ea typeface="Verdana" panose="020B0604030504040204" pitchFamily="34" charset="0"/>
+                <a:cs typeface="Verdana" panose="020B0604030504040204" pitchFamily="34" charset="0"/>
+              </a:rPr>
+              <a:t>can’t</a:t>
+            </a:r>
+            <a:r>
+              <a:rPr lang="fr-FR" sz="1400" dirty="0">
+                <a:latin typeface="Verdana" panose="020B0604030504040204" pitchFamily="34" charset="0"/>
+                <a:ea typeface="Verdana" panose="020B0604030504040204" pitchFamily="34" charset="0"/>
+                <a:cs typeface="Verdana" panose="020B0604030504040204" pitchFamily="34" charset="0"/>
+              </a:rPr>
+              <a:t> </a:t>
+            </a:r>
+            <a:r>
+              <a:rPr lang="fr-FR" sz="1400" dirty="0" err="1">
+                <a:latin typeface="Verdana" panose="020B0604030504040204" pitchFamily="34" charset="0"/>
+                <a:ea typeface="Verdana" panose="020B0604030504040204" pitchFamily="34" charset="0"/>
+                <a:cs typeface="Verdana" panose="020B0604030504040204" pitchFamily="34" charset="0"/>
+              </a:rPr>
+              <a:t>be</a:t>
+            </a:r>
+            <a:r>
+              <a:rPr lang="fr-FR" sz="1400" dirty="0">
+                <a:latin typeface="Verdana" panose="020B0604030504040204" pitchFamily="34" charset="0"/>
+                <a:ea typeface="Verdana" panose="020B0604030504040204" pitchFamily="34" charset="0"/>
+                <a:cs typeface="Verdana" panose="020B0604030504040204" pitchFamily="34" charset="0"/>
+              </a:rPr>
+              <a:t> </a:t>
+            </a:r>
+            <a:r>
+              <a:rPr lang="fr-FR" sz="1400" dirty="0" err="1">
+                <a:latin typeface="Verdana" panose="020B0604030504040204" pitchFamily="34" charset="0"/>
+                <a:ea typeface="Verdana" panose="020B0604030504040204" pitchFamily="34" charset="0"/>
+                <a:cs typeface="Verdana" panose="020B0604030504040204" pitchFamily="34" charset="0"/>
+              </a:rPr>
+              <a:t>reached</a:t>
+            </a:r>
+            <a:r>
+              <a:rPr lang="fr-FR" sz="1400" dirty="0">
+                <a:latin typeface="Verdana" panose="020B0604030504040204" pitchFamily="34" charset="0"/>
+                <a:ea typeface="Verdana" panose="020B0604030504040204" pitchFamily="34" charset="0"/>
+                <a:cs typeface="Verdana" panose="020B0604030504040204" pitchFamily="34" charset="0"/>
+              </a:rPr>
+              <a:t>. </a:t>
+            </a:r>
+            <a:r>
+              <a:rPr lang="fr-FR" sz="1400" dirty="0" err="1">
+                <a:latin typeface="Verdana" panose="020B0604030504040204" pitchFamily="34" charset="0"/>
+                <a:ea typeface="Verdana" panose="020B0604030504040204" pitchFamily="34" charset="0"/>
+                <a:cs typeface="Verdana" panose="020B0604030504040204" pitchFamily="34" charset="0"/>
+              </a:rPr>
+              <a:t>Upon</a:t>
+            </a:r>
+            <a:r>
+              <a:rPr lang="fr-FR" sz="1400" dirty="0">
+                <a:latin typeface="Verdana" panose="020B0604030504040204" pitchFamily="34" charset="0"/>
+                <a:ea typeface="Verdana" panose="020B0604030504040204" pitchFamily="34" charset="0"/>
+                <a:cs typeface="Verdana" panose="020B0604030504040204" pitchFamily="34" charset="0"/>
+              </a:rPr>
+              <a:t> </a:t>
+            </a:r>
+            <a:r>
+              <a:rPr lang="fr-FR" sz="1400" dirty="0" err="1">
+                <a:latin typeface="Verdana" panose="020B0604030504040204" pitchFamily="34" charset="0"/>
+                <a:ea typeface="Verdana" panose="020B0604030504040204" pitchFamily="34" charset="0"/>
+                <a:cs typeface="Verdana" panose="020B0604030504040204" pitchFamily="34" charset="0"/>
+              </a:rPr>
+              <a:t>reconnection</a:t>
+            </a:r>
+            <a:r>
+              <a:rPr lang="fr-FR" sz="1400" dirty="0">
+                <a:latin typeface="Verdana" panose="020B0604030504040204" pitchFamily="34" charset="0"/>
+                <a:ea typeface="Verdana" panose="020B0604030504040204" pitchFamily="34" charset="0"/>
+                <a:cs typeface="Verdana" panose="020B0604030504040204" pitchFamily="34" charset="0"/>
+              </a:rPr>
+              <a:t>, the client application synchronises </a:t>
+            </a:r>
+            <a:r>
+              <a:rPr lang="fr-FR" sz="1400" dirty="0" err="1">
+                <a:latin typeface="Verdana" panose="020B0604030504040204" pitchFamily="34" charset="0"/>
+                <a:ea typeface="Verdana" panose="020B0604030504040204" pitchFamily="34" charset="0"/>
+                <a:cs typeface="Verdana" panose="020B0604030504040204" pitchFamily="34" charset="0"/>
+              </a:rPr>
+              <a:t>both</a:t>
+            </a:r>
+            <a:r>
+              <a:rPr lang="fr-FR" sz="1400" dirty="0">
+                <a:latin typeface="Verdana" panose="020B0604030504040204" pitchFamily="34" charset="0"/>
+                <a:ea typeface="Verdana" panose="020B0604030504040204" pitchFamily="34" charset="0"/>
+                <a:cs typeface="Verdana" panose="020B0604030504040204" pitchFamily="34" charset="0"/>
+              </a:rPr>
+              <a:t> </a:t>
+            </a:r>
+            <a:r>
+              <a:rPr lang="fr-FR" sz="1400" dirty="0" err="1">
+                <a:latin typeface="Verdana" panose="020B0604030504040204" pitchFamily="34" charset="0"/>
+                <a:ea typeface="Verdana" panose="020B0604030504040204" pitchFamily="34" charset="0"/>
+                <a:cs typeface="Verdana" panose="020B0604030504040204" pitchFamily="34" charset="0"/>
+              </a:rPr>
+              <a:t>databases</a:t>
+            </a:r>
+            <a:r>
+              <a:rPr lang="fr-FR" sz="1400" dirty="0">
+                <a:latin typeface="Verdana" panose="020B0604030504040204" pitchFamily="34" charset="0"/>
+                <a:ea typeface="Verdana" panose="020B0604030504040204" pitchFamily="34" charset="0"/>
+                <a:cs typeface="Verdana" panose="020B0604030504040204" pitchFamily="34" charset="0"/>
+              </a:rPr>
+              <a:t>.</a:t>
+            </a:r>
+            <a:endParaRPr lang="fr-FR" sz="1400" dirty="0">
+              <a:latin typeface="Verdana" panose="020B0604030504040204" pitchFamily="34" charset="0"/>
+              <a:ea typeface="Verdana" panose="020B0604030504040204" pitchFamily="34" charset="0"/>
+              <a:cs typeface="Verdana" panose="020B0604030504040204" pitchFamily="34" charset="0"/>
+            </a:endParaRPr>
+          </a:p>
+        </p:txBody>
+      </p:sp>
+      <p:sp>
+        <p:nvSpPr>
+          <p:cNvPr id="29" name="ZoneTexte 28"/>
+          <p:cNvSpPr txBox="1"/>
+          <p:nvPr/>
+        </p:nvSpPr>
+        <p:spPr>
+          <a:xfrm>
+            <a:off x="1" y="6556746"/>
+            <a:ext cx="12191999" cy="307777"/>
           </a:xfrm>
           <a:prstGeom prst="rect">
             <a:avLst/>
           </a:prstGeom>
-        </p:spPr>
-        <p:style>
-          <a:lnRef idx="2">
+          <a:solidFill>
             <a:schemeClr val="accent1">
-              <a:shade val="50000"/>
-            </a:schemeClr>
-          </a:lnRef>
-          <a:fillRef idx="1">
-            <a:schemeClr val="accent1"/>
-          </a:fillRef>
-          <a:effectRef idx="0">
-            <a:schemeClr val="accent1"/>
-          </a:effectRef>
-          <a:fontRef idx="minor">
-            <a:schemeClr val="lt1"/>
-          </a:fontRef>
-        </p:style>
-        <p:txBody>
-          <a:bodyPr rtlCol="0" anchor="ctr"/>
-          <a:lstStyle/>
-          <a:p>
-            <a:pPr algn="ctr"/>
-            <a:r>
-              <a:rPr lang="fr-FR" dirty="0" smtClean="0"/>
-              <a:t>Server App</a:t>
-            </a:r>
-            <a:endParaRPr lang="fr-FR" dirty="0"/>
-          </a:p>
-        </p:txBody>
-      </p:sp>
-      <p:sp>
-        <p:nvSpPr>
-          <p:cNvPr id="15" name="ZoneTexte 14"/>
-          <p:cNvSpPr txBox="1"/>
-          <p:nvPr/>
-        </p:nvSpPr>
-        <p:spPr>
-          <a:xfrm>
-            <a:off x="6762952" y="1927394"/>
-            <a:ext cx="1493458" cy="369332"/>
-          </a:xfrm>
-          <a:prstGeom prst="rect">
-            <a:avLst/>
-          </a:prstGeom>
-          <a:solidFill>
-            <a:schemeClr val="accent5">
-              <a:lumMod val="75000"/>
+              <a:lumMod val="20000"/>
+              <a:lumOff val="80000"/>
             </a:schemeClr>
           </a:solidFill>
-          <a:ln w="6350">
-            <a:solidFill>
-              <a:schemeClr val="tx2"/>
-            </a:solidFill>
-          </a:ln>
         </p:spPr>
         <p:txBody>
           <a:bodyPr wrap="square" rtlCol="0">
@@ -5564,170 +4224,78 @@
           </a:bodyPr>
           <a:lstStyle/>
           <a:p>
-            <a:pPr algn="ctr"/>
-            <a:r>
-              <a:rPr lang="fr-FR" dirty="0" err="1" smtClean="0">
-                <a:solidFill>
-                  <a:schemeClr val="bg1"/>
-                </a:solidFill>
-              </a:rPr>
-              <a:t>Node</a:t>
-            </a:r>
-            <a:r>
-              <a:rPr lang="fr-FR" dirty="0">
-                <a:solidFill>
-                  <a:schemeClr val="bg1"/>
-                </a:solidFill>
-              </a:rPr>
-              <a:t> </a:t>
-            </a:r>
-            <a:r>
-              <a:rPr lang="fr-FR" dirty="0" smtClean="0">
-                <a:solidFill>
-                  <a:schemeClr val="bg1"/>
-                </a:solidFill>
-              </a:rPr>
-              <a:t>JS</a:t>
-            </a:r>
-            <a:endParaRPr lang="fr-FR" dirty="0">
-              <a:solidFill>
-                <a:schemeClr val="bg1"/>
-              </a:solidFill>
+            <a:pPr algn="r"/>
+            <a:r>
+              <a:rPr lang="en-US" sz="1400" dirty="0" smtClean="0">
+                <a:latin typeface="Verdana" panose="020B0604030504040204" pitchFamily="34" charset="0"/>
+                <a:ea typeface="Verdana" panose="020B0604030504040204" pitchFamily="34" charset="0"/>
+                <a:cs typeface="Verdana" panose="020B0604030504040204" pitchFamily="34" charset="0"/>
+              </a:rPr>
+              <a:t>2/5</a:t>
+            </a:r>
+            <a:endParaRPr lang="fr-FR" sz="1400" dirty="0">
+              <a:latin typeface="Verdana" panose="020B0604030504040204" pitchFamily="34" charset="0"/>
+              <a:ea typeface="Verdana" panose="020B0604030504040204" pitchFamily="34" charset="0"/>
+              <a:cs typeface="Verdana" panose="020B0604030504040204" pitchFamily="34" charset="0"/>
             </a:endParaRPr>
           </a:p>
         </p:txBody>
       </p:sp>
-      <p:sp>
-        <p:nvSpPr>
-          <p:cNvPr id="2" name="Rectangle 1"/>
-          <p:cNvSpPr/>
-          <p:nvPr/>
-        </p:nvSpPr>
-        <p:spPr>
-          <a:xfrm>
-            <a:off x="2834197" y="5341019"/>
-            <a:ext cx="4667245" cy="180665"/>
+    </p:spTree>
+    <p:extLst>
+      <p:ext uri="{BB962C8B-B14F-4D97-AF65-F5344CB8AC3E}">
+        <p14:creationId xmlns:p14="http://schemas.microsoft.com/office/powerpoint/2010/main" val="4205029933"/>
+      </p:ext>
+    </p:extLst>
+  </p:cSld>
+  <p:clrMapOvr>
+    <a:masterClrMapping/>
+  </p:clrMapOvr>
+  <p:timing>
+    <p:tnLst>
+      <p:par>
+        <p:cTn id="1" dur="indefinite" restart="never" nodeType="tmRoot"/>
+      </p:par>
+    </p:tnLst>
+  </p:timing>
+</p:sld>
+</file>
+
+<file path=ppt/slides/slide3.xml><?xml version="1.0" encoding="utf-8"?>
+<p:sld xmlns:a="http://schemas.openxmlformats.org/drawingml/2006/main" xmlns:r="http://schemas.openxmlformats.org/officeDocument/2006/relationships" xmlns:p="http://schemas.openxmlformats.org/presentationml/2006/main">
+  <p:cSld>
+    <p:spTree>
+      <p:nvGrpSpPr>
+        <p:cNvPr id="1" name=""/>
+        <p:cNvGrpSpPr/>
+        <p:nvPr/>
+      </p:nvGrpSpPr>
+      <p:grpSpPr>
+        <a:xfrm>
+          <a:off x="0" y="0"/>
+          <a:ext cx="0" cy="0"/>
+          <a:chOff x="0" y="0"/>
+          <a:chExt cx="0" cy="0"/>
+        </a:xfrm>
+      </p:grpSpPr>
+      <p:sp>
+        <p:nvSpPr>
+          <p:cNvPr id="9" name="ZoneTexte 8"/>
+          <p:cNvSpPr txBox="1"/>
+          <p:nvPr/>
+        </p:nvSpPr>
+        <p:spPr>
+          <a:xfrm>
+            <a:off x="0" y="123568"/>
+            <a:ext cx="12191999" cy="400110"/>
           </a:xfrm>
           <a:prstGeom prst="rect">
             <a:avLst/>
           </a:prstGeom>
           <a:solidFill>
-            <a:schemeClr val="accent2">
-              <a:lumMod val="60000"/>
-              <a:lumOff val="40000"/>
-            </a:schemeClr>
-          </a:solidFill>
-          <a:ln>
-            <a:noFill/>
-          </a:ln>
-        </p:spPr>
-        <p:style>
-          <a:lnRef idx="2">
             <a:schemeClr val="accent1">
-              <a:shade val="50000"/>
-            </a:schemeClr>
-          </a:lnRef>
-          <a:fillRef idx="1">
-            <a:schemeClr val="accent1"/>
-          </a:fillRef>
-          <a:effectRef idx="0">
-            <a:schemeClr val="accent1"/>
-          </a:effectRef>
-          <a:fontRef idx="minor">
-            <a:schemeClr val="lt1"/>
-          </a:fontRef>
-        </p:style>
-        <p:txBody>
-          <a:bodyPr rtlCol="0" anchor="ctr"/>
-          <a:lstStyle/>
-          <a:p>
-            <a:pPr algn="ctr"/>
-            <a:r>
-              <a:rPr lang="fr-FR" dirty="0" smtClean="0"/>
-              <a:t>v</a:t>
-            </a:r>
-            <a:endParaRPr lang="fr-FR" dirty="0"/>
-          </a:p>
-        </p:txBody>
-      </p:sp>
-      <p:sp>
-        <p:nvSpPr>
-          <p:cNvPr id="34" name="Rectangle à coins arrondis 33"/>
-          <p:cNvSpPr/>
-          <p:nvPr/>
-        </p:nvSpPr>
-        <p:spPr>
-          <a:xfrm>
-            <a:off x="4519484" y="5280702"/>
-            <a:ext cx="1414741" cy="283897"/>
-          </a:xfrm>
-          <a:prstGeom prst="roundRect">
-            <a:avLst/>
-          </a:prstGeom>
-          <a:solidFill>
-            <a:schemeClr val="accent2">
-              <a:lumMod val="60000"/>
-              <a:lumOff val="40000"/>
-            </a:schemeClr>
-          </a:solidFill>
-          <a:ln>
-            <a:solidFill>
-              <a:schemeClr val="accent2">
-                <a:lumMod val="75000"/>
-              </a:schemeClr>
-            </a:solidFill>
-          </a:ln>
-        </p:spPr>
-        <p:style>
-          <a:lnRef idx="2">
-            <a:schemeClr val="accent1">
-              <a:shade val="50000"/>
-            </a:schemeClr>
-          </a:lnRef>
-          <a:fillRef idx="1">
-            <a:schemeClr val="accent1"/>
-          </a:fillRef>
-          <a:effectRef idx="0">
-            <a:schemeClr val="accent1"/>
-          </a:effectRef>
-          <a:fontRef idx="minor">
-            <a:schemeClr val="lt1"/>
-          </a:fontRef>
-        </p:style>
-        <p:txBody>
-          <a:bodyPr rtlCol="0" anchor="ctr"/>
-          <a:lstStyle/>
-          <a:p>
-            <a:pPr algn="ctr"/>
-            <a:r>
-              <a:rPr lang="fr-FR" sz="1200" dirty="0" smtClean="0"/>
-              <a:t>Data </a:t>
-            </a:r>
-            <a:r>
-              <a:rPr lang="fr-FR" sz="1200" dirty="0" err="1" smtClean="0"/>
-              <a:t>rendering</a:t>
-            </a:r>
-            <a:endParaRPr lang="fr-FR" sz="1200" dirty="0"/>
-          </a:p>
-        </p:txBody>
-      </p:sp>
-      <p:sp>
-        <p:nvSpPr>
-          <p:cNvPr id="18" name="ZoneTexte 17"/>
-          <p:cNvSpPr txBox="1"/>
-          <p:nvPr/>
-        </p:nvSpPr>
-        <p:spPr>
-          <a:xfrm>
-            <a:off x="1806529" y="5239906"/>
-            <a:ext cx="1175952" cy="369332"/>
-          </a:xfrm>
-          <a:prstGeom prst="rect">
-            <a:avLst/>
-          </a:prstGeom>
-          <a:solidFill>
-            <a:schemeClr val="accent5">
-              <a:lumMod val="75000"/>
+              <a:lumMod val="20000"/>
+              <a:lumOff val="80000"/>
             </a:schemeClr>
           </a:solidFill>
         </p:spPr>
@@ -5739,25 +4307,2884 @@
           <a:p>
             <a:pPr algn="ctr"/>
             <a:r>
-              <a:rPr lang="fr-FR" dirty="0" smtClean="0">
-                <a:solidFill>
-                  <a:schemeClr val="bg1"/>
-                </a:solidFill>
-              </a:rPr>
-              <a:t>Angular2</a:t>
-            </a:r>
-            <a:endParaRPr lang="fr-FR" dirty="0">
-              <a:solidFill>
-                <a:schemeClr val="bg1"/>
-              </a:solidFill>
+              <a:rPr lang="en-US" sz="2000" dirty="0" smtClean="0"/>
+              <a:t>The client application</a:t>
+            </a:r>
+            <a:endParaRPr lang="fr-FR" sz="2000" dirty="0"/>
+          </a:p>
+        </p:txBody>
+      </p:sp>
+      <p:pic>
+        <p:nvPicPr>
+          <p:cNvPr id="3" name="Image 2"/>
+          <p:cNvPicPr>
+            <a:picLocks noChangeAspect="1"/>
+          </p:cNvPicPr>
+          <p:nvPr/>
+        </p:nvPicPr>
+        <p:blipFill>
+          <a:blip r:embed="rId2" cstate="print">
+            <a:extLst>
+              <a:ext uri="{28A0092B-C50C-407E-A947-70E740481C1C}">
+                <a14:useLocalDpi xmlns:a14="http://schemas.microsoft.com/office/drawing/2010/main" val="0"/>
+              </a:ext>
+            </a:extLst>
+          </a:blip>
+          <a:stretch>
+            <a:fillRect/>
+          </a:stretch>
+        </p:blipFill>
+        <p:spPr>
+          <a:xfrm>
+            <a:off x="1418463" y="1050875"/>
+            <a:ext cx="1800241" cy="1800241"/>
+          </a:xfrm>
+          <a:prstGeom prst="rect">
+            <a:avLst/>
+          </a:prstGeom>
+        </p:spPr>
+      </p:pic>
+      <p:sp>
+        <p:nvSpPr>
+          <p:cNvPr id="14" name="ZoneTexte 13"/>
+          <p:cNvSpPr txBox="1"/>
+          <p:nvPr/>
+        </p:nvSpPr>
+        <p:spPr>
+          <a:xfrm>
+            <a:off x="1123653" y="2788667"/>
+            <a:ext cx="2323070" cy="338554"/>
+          </a:xfrm>
+          <a:prstGeom prst="rect">
+            <a:avLst/>
+          </a:prstGeom>
+          <a:noFill/>
+        </p:spPr>
+        <p:txBody>
+          <a:bodyPr wrap="square" rtlCol="0">
+            <a:spAutoFit/>
+          </a:bodyPr>
+          <a:lstStyle/>
+          <a:p>
+            <a:pPr algn="ctr"/>
+            <a:r>
+              <a:rPr lang="fr-FR" sz="1600" dirty="0" smtClean="0">
+                <a:latin typeface="Verdana" panose="020B0604030504040204" pitchFamily="34" charset="0"/>
+                <a:ea typeface="Verdana" panose="020B0604030504040204" pitchFamily="34" charset="0"/>
+                <a:cs typeface="Verdana" panose="020B0604030504040204" pitchFamily="34" charset="0"/>
+              </a:rPr>
+              <a:t>Client application</a:t>
+            </a:r>
+            <a:endParaRPr lang="fr-FR" sz="1600" dirty="0">
+              <a:latin typeface="Verdana" panose="020B0604030504040204" pitchFamily="34" charset="0"/>
+              <a:ea typeface="Verdana" panose="020B0604030504040204" pitchFamily="34" charset="0"/>
+              <a:cs typeface="Verdana" panose="020B0604030504040204" pitchFamily="34" charset="0"/>
             </a:endParaRPr>
           </a:p>
         </p:txBody>
       </p:sp>
+      <p:cxnSp>
+        <p:nvCxnSpPr>
+          <p:cNvPr id="4" name="Connecteur droit avec flèche 3"/>
+          <p:cNvCxnSpPr/>
+          <p:nvPr/>
+        </p:nvCxnSpPr>
+        <p:spPr>
+          <a:xfrm>
+            <a:off x="2285188" y="3256030"/>
+            <a:ext cx="0" cy="482081"/>
+          </a:xfrm>
+          <a:prstGeom prst="straightConnector1">
+            <a:avLst/>
+          </a:prstGeom>
+          <a:ln>
+            <a:tailEnd type="triangle"/>
+          </a:ln>
+        </p:spPr>
+        <p:style>
+          <a:lnRef idx="3">
+            <a:schemeClr val="accent2"/>
+          </a:lnRef>
+          <a:fillRef idx="0">
+            <a:schemeClr val="accent2"/>
+          </a:fillRef>
+          <a:effectRef idx="2">
+            <a:schemeClr val="accent2"/>
+          </a:effectRef>
+          <a:fontRef idx="minor">
+            <a:schemeClr val="tx1"/>
+          </a:fontRef>
+        </p:style>
+      </p:cxnSp>
+      <p:pic>
+        <p:nvPicPr>
+          <p:cNvPr id="10" name="Image 9"/>
+          <p:cNvPicPr>
+            <a:picLocks noChangeAspect="1"/>
+          </p:cNvPicPr>
+          <p:nvPr/>
+        </p:nvPicPr>
+        <p:blipFill>
+          <a:blip r:embed="rId3">
+            <a:extLst>
+              <a:ext uri="{28A0092B-C50C-407E-A947-70E740481C1C}">
+                <a14:useLocalDpi xmlns:a14="http://schemas.microsoft.com/office/drawing/2010/main" val="0"/>
+              </a:ext>
+            </a:extLst>
+          </a:blip>
+          <a:stretch>
+            <a:fillRect/>
+          </a:stretch>
+        </p:blipFill>
+        <p:spPr>
+          <a:xfrm>
+            <a:off x="1731621" y="4951839"/>
+            <a:ext cx="1114882" cy="1114882"/>
+          </a:xfrm>
+          <a:prstGeom prst="rect">
+            <a:avLst/>
+          </a:prstGeom>
+        </p:spPr>
+      </p:pic>
+      <p:sp>
+        <p:nvSpPr>
+          <p:cNvPr id="21" name="ZoneTexte 20"/>
+          <p:cNvSpPr txBox="1"/>
+          <p:nvPr/>
+        </p:nvSpPr>
+        <p:spPr>
+          <a:xfrm>
+            <a:off x="1098939" y="6066721"/>
+            <a:ext cx="2323070" cy="338554"/>
+          </a:xfrm>
+          <a:prstGeom prst="rect">
+            <a:avLst/>
+          </a:prstGeom>
+          <a:noFill/>
+        </p:spPr>
+        <p:txBody>
+          <a:bodyPr wrap="square" rtlCol="0">
+            <a:spAutoFit/>
+          </a:bodyPr>
+          <a:lstStyle/>
+          <a:p>
+            <a:pPr algn="ctr"/>
+            <a:r>
+              <a:rPr lang="fr-FR" sz="1600" dirty="0" err="1" smtClean="0">
+                <a:latin typeface="Verdana" panose="020B0604030504040204" pitchFamily="34" charset="0"/>
+                <a:ea typeface="Verdana" panose="020B0604030504040204" pitchFamily="34" charset="0"/>
+                <a:cs typeface="Verdana" panose="020B0604030504040204" pitchFamily="34" charset="0"/>
+              </a:rPr>
+              <a:t>IndexedDB</a:t>
+            </a:r>
+            <a:endParaRPr lang="fr-FR" sz="1600" dirty="0">
+              <a:latin typeface="Verdana" panose="020B0604030504040204" pitchFamily="34" charset="0"/>
+              <a:ea typeface="Verdana" panose="020B0604030504040204" pitchFamily="34" charset="0"/>
+              <a:cs typeface="Verdana" panose="020B0604030504040204" pitchFamily="34" charset="0"/>
+            </a:endParaRPr>
+          </a:p>
+        </p:txBody>
+      </p:sp>
+      <p:cxnSp>
+        <p:nvCxnSpPr>
+          <p:cNvPr id="23" name="Connecteur droit avec flèche 22"/>
+          <p:cNvCxnSpPr/>
+          <p:nvPr/>
+        </p:nvCxnSpPr>
+        <p:spPr>
+          <a:xfrm>
+            <a:off x="3682068" y="2882542"/>
+            <a:ext cx="1252396" cy="0"/>
+          </a:xfrm>
+          <a:prstGeom prst="straightConnector1">
+            <a:avLst/>
+          </a:prstGeom>
+          <a:ln>
+            <a:tailEnd type="triangle"/>
+          </a:ln>
+        </p:spPr>
+        <p:style>
+          <a:lnRef idx="3">
+            <a:schemeClr val="accent2"/>
+          </a:lnRef>
+          <a:fillRef idx="0">
+            <a:schemeClr val="accent2"/>
+          </a:fillRef>
+          <a:effectRef idx="2">
+            <a:schemeClr val="accent2"/>
+          </a:effectRef>
+          <a:fontRef idx="minor">
+            <a:schemeClr val="tx1"/>
+          </a:fontRef>
+        </p:style>
+      </p:cxnSp>
+      <p:pic>
+        <p:nvPicPr>
+          <p:cNvPr id="13" name="Image 12"/>
+          <p:cNvPicPr>
+            <a:picLocks noChangeAspect="1"/>
+          </p:cNvPicPr>
+          <p:nvPr/>
+        </p:nvPicPr>
+        <p:blipFill>
+          <a:blip r:embed="rId4"/>
+          <a:stretch>
+            <a:fillRect/>
+          </a:stretch>
+        </p:blipFill>
+        <p:spPr>
+          <a:xfrm>
+            <a:off x="1418420" y="3832341"/>
+            <a:ext cx="1733536" cy="477540"/>
+          </a:xfrm>
+          <a:prstGeom prst="rect">
+            <a:avLst/>
+          </a:prstGeom>
+        </p:spPr>
+      </p:pic>
+      <p:pic>
+        <p:nvPicPr>
+          <p:cNvPr id="26" name="Image 25"/>
+          <p:cNvPicPr>
+            <a:picLocks noChangeAspect="1"/>
+          </p:cNvPicPr>
+          <p:nvPr/>
+        </p:nvPicPr>
+        <p:blipFill>
+          <a:blip r:embed="rId5">
+            <a:extLst>
+              <a:ext uri="{28A0092B-C50C-407E-A947-70E740481C1C}">
+                <a14:useLocalDpi xmlns:a14="http://schemas.microsoft.com/office/drawing/2010/main" val="0"/>
+              </a:ext>
+            </a:extLst>
+          </a:blip>
+          <a:stretch>
+            <a:fillRect/>
+          </a:stretch>
+        </p:blipFill>
+        <p:spPr>
+          <a:xfrm>
+            <a:off x="8990409" y="1001747"/>
+            <a:ext cx="1982388" cy="1982388"/>
+          </a:xfrm>
+          <a:prstGeom prst="rect">
+            <a:avLst/>
+          </a:prstGeom>
+        </p:spPr>
+      </p:pic>
+      <p:sp>
+        <p:nvSpPr>
+          <p:cNvPr id="27" name="ZoneTexte 26"/>
+          <p:cNvSpPr txBox="1"/>
+          <p:nvPr/>
+        </p:nvSpPr>
+        <p:spPr>
+          <a:xfrm>
+            <a:off x="8592191" y="2984135"/>
+            <a:ext cx="2323070" cy="338554"/>
+          </a:xfrm>
+          <a:prstGeom prst="rect">
+            <a:avLst/>
+          </a:prstGeom>
+          <a:noFill/>
+        </p:spPr>
+        <p:txBody>
+          <a:bodyPr wrap="square" rtlCol="0">
+            <a:spAutoFit/>
+          </a:bodyPr>
+          <a:lstStyle/>
+          <a:p>
+            <a:pPr algn="ctr"/>
+            <a:r>
+              <a:rPr lang="fr-FR" sz="1600" dirty="0" smtClean="0">
+                <a:latin typeface="Verdana" panose="020B0604030504040204" pitchFamily="34" charset="0"/>
+                <a:ea typeface="Verdana" panose="020B0604030504040204" pitchFamily="34" charset="0"/>
+                <a:cs typeface="Verdana" panose="020B0604030504040204" pitchFamily="34" charset="0"/>
+              </a:rPr>
+              <a:t>Server</a:t>
+            </a:r>
+            <a:endParaRPr lang="fr-FR" sz="1600" dirty="0">
+              <a:latin typeface="Verdana" panose="020B0604030504040204" pitchFamily="34" charset="0"/>
+              <a:ea typeface="Verdana" panose="020B0604030504040204" pitchFamily="34" charset="0"/>
+              <a:cs typeface="Verdana" panose="020B0604030504040204" pitchFamily="34" charset="0"/>
+            </a:endParaRPr>
+          </a:p>
+        </p:txBody>
+      </p:sp>
+      <p:pic>
+        <p:nvPicPr>
+          <p:cNvPr id="34" name="Image 33"/>
+          <p:cNvPicPr>
+            <a:picLocks noChangeAspect="1"/>
+          </p:cNvPicPr>
+          <p:nvPr/>
+        </p:nvPicPr>
+        <p:blipFill>
+          <a:blip r:embed="rId6" cstate="print">
+            <a:extLst>
+              <a:ext uri="{28A0092B-C50C-407E-A947-70E740481C1C}">
+                <a14:useLocalDpi xmlns:a14="http://schemas.microsoft.com/office/drawing/2010/main" val="0"/>
+              </a:ext>
+            </a:extLst>
+          </a:blip>
+          <a:stretch>
+            <a:fillRect/>
+          </a:stretch>
+        </p:blipFill>
+        <p:spPr>
+          <a:xfrm>
+            <a:off x="5397912" y="2123661"/>
+            <a:ext cx="1394753" cy="1394753"/>
+          </a:xfrm>
+          <a:prstGeom prst="rect">
+            <a:avLst/>
+          </a:prstGeom>
+          <a:effectLst>
+            <a:outerShdw blurRad="50800" dist="38100" dir="8100000" algn="tr" rotWithShape="0">
+              <a:prstClr val="black">
+                <a:alpha val="40000"/>
+              </a:prstClr>
+            </a:outerShdw>
+          </a:effectLst>
+        </p:spPr>
+      </p:pic>
+      <p:sp>
+        <p:nvSpPr>
+          <p:cNvPr id="35" name="ZoneTexte 34"/>
+          <p:cNvSpPr txBox="1"/>
+          <p:nvPr/>
+        </p:nvSpPr>
+        <p:spPr>
+          <a:xfrm>
+            <a:off x="4975405" y="3576922"/>
+            <a:ext cx="2323070" cy="338554"/>
+          </a:xfrm>
+          <a:prstGeom prst="rect">
+            <a:avLst/>
+          </a:prstGeom>
+          <a:noFill/>
+        </p:spPr>
+        <p:txBody>
+          <a:bodyPr wrap="square" rtlCol="0">
+            <a:spAutoFit/>
+          </a:bodyPr>
+          <a:lstStyle/>
+          <a:p>
+            <a:pPr algn="ctr"/>
+            <a:r>
+              <a:rPr lang="fr-FR" sz="1600" dirty="0" err="1" smtClean="0">
+                <a:latin typeface="Verdana" panose="020B0604030504040204" pitchFamily="34" charset="0"/>
+                <a:ea typeface="Verdana" panose="020B0604030504040204" pitchFamily="34" charset="0"/>
+                <a:cs typeface="Verdana" panose="020B0604030504040204" pitchFamily="34" charset="0"/>
+              </a:rPr>
+              <a:t>NodeJS</a:t>
+            </a:r>
+            <a:r>
+              <a:rPr lang="fr-FR" sz="1600" dirty="0" smtClean="0">
+                <a:latin typeface="Verdana" panose="020B0604030504040204" pitchFamily="34" charset="0"/>
+                <a:ea typeface="Verdana" panose="020B0604030504040204" pitchFamily="34" charset="0"/>
+                <a:cs typeface="Verdana" panose="020B0604030504040204" pitchFamily="34" charset="0"/>
+              </a:rPr>
+              <a:t> REST API</a:t>
+            </a:r>
+            <a:endParaRPr lang="fr-FR" sz="1600" dirty="0">
+              <a:latin typeface="Verdana" panose="020B0604030504040204" pitchFamily="34" charset="0"/>
+              <a:ea typeface="Verdana" panose="020B0604030504040204" pitchFamily="34" charset="0"/>
+              <a:cs typeface="Verdana" panose="020B0604030504040204" pitchFamily="34" charset="0"/>
+            </a:endParaRPr>
+          </a:p>
+        </p:txBody>
+      </p:sp>
+      <p:cxnSp>
+        <p:nvCxnSpPr>
+          <p:cNvPr id="36" name="Connecteur droit avec flèche 35"/>
+          <p:cNvCxnSpPr/>
+          <p:nvPr/>
+        </p:nvCxnSpPr>
+        <p:spPr>
+          <a:xfrm>
+            <a:off x="7438521" y="2882542"/>
+            <a:ext cx="1252396" cy="0"/>
+          </a:xfrm>
+          <a:prstGeom prst="straightConnector1">
+            <a:avLst/>
+          </a:prstGeom>
+          <a:ln>
+            <a:tailEnd type="triangle"/>
+          </a:ln>
+        </p:spPr>
+        <p:style>
+          <a:lnRef idx="3">
+            <a:schemeClr val="accent2"/>
+          </a:lnRef>
+          <a:fillRef idx="0">
+            <a:schemeClr val="accent2"/>
+          </a:fillRef>
+          <a:effectRef idx="2">
+            <a:schemeClr val="accent2"/>
+          </a:effectRef>
+          <a:fontRef idx="minor">
+            <a:schemeClr val="tx1"/>
+          </a:fontRef>
+        </p:style>
+      </p:cxnSp>
+      <p:pic>
+        <p:nvPicPr>
+          <p:cNvPr id="30" name="Image 29"/>
+          <p:cNvPicPr>
+            <a:picLocks noChangeAspect="1"/>
+          </p:cNvPicPr>
+          <p:nvPr/>
+        </p:nvPicPr>
+        <p:blipFill>
+          <a:blip r:embed="rId7" cstate="print">
+            <a:extLst>
+              <a:ext uri="{28A0092B-C50C-407E-A947-70E740481C1C}">
+                <a14:useLocalDpi xmlns:a14="http://schemas.microsoft.com/office/drawing/2010/main" val="0"/>
+              </a:ext>
+            </a:extLst>
+          </a:blip>
+          <a:stretch>
+            <a:fillRect/>
+          </a:stretch>
+        </p:blipFill>
+        <p:spPr>
+          <a:xfrm>
+            <a:off x="5013502" y="572611"/>
+            <a:ext cx="2113241" cy="1291425"/>
+          </a:xfrm>
+          <a:prstGeom prst="rect">
+            <a:avLst/>
+          </a:prstGeom>
+        </p:spPr>
+      </p:pic>
+      <p:cxnSp>
+        <p:nvCxnSpPr>
+          <p:cNvPr id="38" name="Connecteur droit avec flèche 37"/>
+          <p:cNvCxnSpPr/>
+          <p:nvPr/>
+        </p:nvCxnSpPr>
+        <p:spPr>
+          <a:xfrm flipH="1">
+            <a:off x="7392670" y="1237122"/>
+            <a:ext cx="1199521" cy="0"/>
+          </a:xfrm>
+          <a:prstGeom prst="straightConnector1">
+            <a:avLst/>
+          </a:prstGeom>
+          <a:ln>
+            <a:tailEnd type="triangle"/>
+          </a:ln>
+        </p:spPr>
+        <p:style>
+          <a:lnRef idx="3">
+            <a:schemeClr val="accent2"/>
+          </a:lnRef>
+          <a:fillRef idx="0">
+            <a:schemeClr val="accent2"/>
+          </a:fillRef>
+          <a:effectRef idx="2">
+            <a:schemeClr val="accent2"/>
+          </a:effectRef>
+          <a:fontRef idx="minor">
+            <a:schemeClr val="tx1"/>
+          </a:fontRef>
+        </p:style>
+      </p:cxnSp>
+      <p:cxnSp>
+        <p:nvCxnSpPr>
+          <p:cNvPr id="43" name="Connecteur droit avec flèche 42"/>
+          <p:cNvCxnSpPr/>
+          <p:nvPr/>
+        </p:nvCxnSpPr>
+        <p:spPr>
+          <a:xfrm flipH="1">
+            <a:off x="3682068" y="1237122"/>
+            <a:ext cx="1199521" cy="0"/>
+          </a:xfrm>
+          <a:prstGeom prst="straightConnector1">
+            <a:avLst/>
+          </a:prstGeom>
+          <a:ln>
+            <a:tailEnd type="triangle"/>
+          </a:ln>
+        </p:spPr>
+        <p:style>
+          <a:lnRef idx="3">
+            <a:schemeClr val="accent2"/>
+          </a:lnRef>
+          <a:fillRef idx="0">
+            <a:schemeClr val="accent2"/>
+          </a:fillRef>
+          <a:effectRef idx="2">
+            <a:schemeClr val="accent2"/>
+          </a:effectRef>
+          <a:fontRef idx="minor">
+            <a:schemeClr val="tx1"/>
+          </a:fontRef>
+        </p:style>
+      </p:cxnSp>
+      <p:sp>
+        <p:nvSpPr>
+          <p:cNvPr id="44" name="ZoneTexte 43"/>
+          <p:cNvSpPr txBox="1"/>
+          <p:nvPr/>
+        </p:nvSpPr>
+        <p:spPr>
+          <a:xfrm>
+            <a:off x="3446723" y="4582898"/>
+            <a:ext cx="8247965" cy="1169551"/>
+          </a:xfrm>
+          <a:prstGeom prst="rect">
+            <a:avLst/>
+          </a:prstGeom>
+          <a:noFill/>
+        </p:spPr>
+        <p:txBody>
+          <a:bodyPr wrap="square" rtlCol="0">
+            <a:spAutoFit/>
+          </a:bodyPr>
+          <a:lstStyle/>
+          <a:p>
+            <a:pPr algn="ctr"/>
+            <a:r>
+              <a:rPr lang="fr-FR" sz="1400" dirty="0" smtClean="0">
+                <a:latin typeface="Verdana" panose="020B0604030504040204" pitchFamily="34" charset="0"/>
+                <a:ea typeface="Verdana" panose="020B0604030504040204" pitchFamily="34" charset="0"/>
+                <a:cs typeface="Verdana" panose="020B0604030504040204" pitchFamily="34" charset="0"/>
+              </a:rPr>
+              <a:t>The client application </a:t>
+            </a:r>
+            <a:r>
+              <a:rPr lang="fr-FR" sz="1400" dirty="0" err="1" smtClean="0">
+                <a:latin typeface="Verdana" panose="020B0604030504040204" pitchFamily="34" charset="0"/>
+                <a:ea typeface="Verdana" panose="020B0604030504040204" pitchFamily="34" charset="0"/>
+                <a:cs typeface="Verdana" panose="020B0604030504040204" pitchFamily="34" charset="0"/>
+              </a:rPr>
+              <a:t>edits</a:t>
+            </a:r>
+            <a:r>
+              <a:rPr lang="fr-FR" sz="1400" dirty="0" smtClean="0">
+                <a:latin typeface="Verdana" panose="020B0604030504040204" pitchFamily="34" charset="0"/>
+                <a:ea typeface="Verdana" panose="020B0604030504040204" pitchFamily="34" charset="0"/>
+                <a:cs typeface="Verdana" panose="020B0604030504040204" pitchFamily="34" charset="0"/>
+              </a:rPr>
+              <a:t> a local </a:t>
+            </a:r>
+            <a:r>
+              <a:rPr lang="fr-FR" sz="1400" dirty="0" err="1" smtClean="0">
+                <a:latin typeface="Verdana" panose="020B0604030504040204" pitchFamily="34" charset="0"/>
+                <a:ea typeface="Verdana" panose="020B0604030504040204" pitchFamily="34" charset="0"/>
+                <a:cs typeface="Verdana" panose="020B0604030504040204" pitchFamily="34" charset="0"/>
+              </a:rPr>
+              <a:t>database</a:t>
+            </a:r>
+            <a:r>
+              <a:rPr lang="fr-FR" sz="1400" dirty="0" smtClean="0">
+                <a:latin typeface="Verdana" panose="020B0604030504040204" pitchFamily="34" charset="0"/>
+                <a:ea typeface="Verdana" panose="020B0604030504040204" pitchFamily="34" charset="0"/>
+                <a:cs typeface="Verdana" panose="020B0604030504040204" pitchFamily="34" charset="0"/>
+              </a:rPr>
+              <a:t> (</a:t>
+            </a:r>
+            <a:r>
+              <a:rPr lang="fr-FR" sz="1400" dirty="0" err="1" smtClean="0">
+                <a:latin typeface="Verdana" panose="020B0604030504040204" pitchFamily="34" charset="0"/>
+                <a:ea typeface="Verdana" panose="020B0604030504040204" pitchFamily="34" charset="0"/>
+                <a:cs typeface="Verdana" panose="020B0604030504040204" pitchFamily="34" charset="0"/>
+              </a:rPr>
+              <a:t>IndexedDB</a:t>
+            </a:r>
+            <a:r>
+              <a:rPr lang="fr-FR" sz="1400" dirty="0" smtClean="0">
+                <a:latin typeface="Verdana" panose="020B0604030504040204" pitchFamily="34" charset="0"/>
+                <a:ea typeface="Verdana" panose="020B0604030504040204" pitchFamily="34" charset="0"/>
+                <a:cs typeface="Verdana" panose="020B0604030504040204" pitchFamily="34" charset="0"/>
+              </a:rPr>
+              <a:t>) </a:t>
+            </a:r>
+            <a:r>
+              <a:rPr lang="fr-FR" sz="1400" dirty="0" err="1" smtClean="0">
+                <a:latin typeface="Verdana" panose="020B0604030504040204" pitchFamily="34" charset="0"/>
+                <a:ea typeface="Verdana" panose="020B0604030504040204" pitchFamily="34" charset="0"/>
+                <a:cs typeface="Verdana" panose="020B0604030504040204" pitchFamily="34" charset="0"/>
+              </a:rPr>
+              <a:t>with</a:t>
+            </a:r>
+            <a:r>
+              <a:rPr lang="fr-FR" sz="1400" dirty="0" smtClean="0">
+                <a:latin typeface="Verdana" panose="020B0604030504040204" pitchFamily="34" charset="0"/>
+                <a:ea typeface="Verdana" panose="020B0604030504040204" pitchFamily="34" charset="0"/>
+                <a:cs typeface="Verdana" panose="020B0604030504040204" pitchFamily="34" charset="0"/>
+              </a:rPr>
+              <a:t> the Dexie.js </a:t>
+            </a:r>
+            <a:r>
+              <a:rPr lang="fr-FR" sz="1400" dirty="0" err="1" smtClean="0">
+                <a:latin typeface="Verdana" panose="020B0604030504040204" pitchFamily="34" charset="0"/>
+                <a:ea typeface="Verdana" panose="020B0604030504040204" pitchFamily="34" charset="0"/>
+                <a:cs typeface="Verdana" panose="020B0604030504040204" pitchFamily="34" charset="0"/>
+              </a:rPr>
+              <a:t>wrapper</a:t>
+            </a:r>
+            <a:r>
+              <a:rPr lang="fr-FR" sz="1400" dirty="0" smtClean="0">
+                <a:latin typeface="Verdana" panose="020B0604030504040204" pitchFamily="34" charset="0"/>
+                <a:ea typeface="Verdana" panose="020B0604030504040204" pitchFamily="34" charset="0"/>
+                <a:cs typeface="Verdana" panose="020B0604030504040204" pitchFamily="34" charset="0"/>
+              </a:rPr>
+              <a:t> </a:t>
+            </a:r>
+            <a:r>
+              <a:rPr lang="fr-FR" sz="1400" dirty="0" err="1" smtClean="0">
+                <a:latin typeface="Verdana" panose="020B0604030504040204" pitchFamily="34" charset="0"/>
+                <a:ea typeface="Verdana" panose="020B0604030504040204" pitchFamily="34" charset="0"/>
+                <a:cs typeface="Verdana" panose="020B0604030504040204" pitchFamily="34" charset="0"/>
+              </a:rPr>
+              <a:t>then</a:t>
+            </a:r>
+            <a:r>
+              <a:rPr lang="fr-FR" sz="1400" dirty="0" smtClean="0">
+                <a:latin typeface="Verdana" panose="020B0604030504040204" pitchFamily="34" charset="0"/>
+                <a:ea typeface="Verdana" panose="020B0604030504040204" pitchFamily="34" charset="0"/>
+                <a:cs typeface="Verdana" panose="020B0604030504040204" pitchFamily="34" charset="0"/>
+              </a:rPr>
+              <a:t> </a:t>
+            </a:r>
+            <a:r>
+              <a:rPr lang="fr-FR" sz="1400" dirty="0" err="1" smtClean="0">
+                <a:latin typeface="Verdana" panose="020B0604030504040204" pitchFamily="34" charset="0"/>
+                <a:ea typeface="Verdana" panose="020B0604030504040204" pitchFamily="34" charset="0"/>
+                <a:cs typeface="Verdana" panose="020B0604030504040204" pitchFamily="34" charset="0"/>
+              </a:rPr>
+              <a:t>attemps</a:t>
+            </a:r>
+            <a:r>
+              <a:rPr lang="fr-FR" sz="1400" dirty="0" smtClean="0">
+                <a:latin typeface="Verdana" panose="020B0604030504040204" pitchFamily="34" charset="0"/>
+                <a:ea typeface="Verdana" panose="020B0604030504040204" pitchFamily="34" charset="0"/>
+                <a:cs typeface="Verdana" panose="020B0604030504040204" pitchFamily="34" charset="0"/>
+              </a:rPr>
+              <a:t> to synchronise </a:t>
+            </a:r>
+            <a:r>
+              <a:rPr lang="fr-FR" sz="1400" dirty="0" err="1" smtClean="0">
+                <a:latin typeface="Verdana" panose="020B0604030504040204" pitchFamily="34" charset="0"/>
+                <a:ea typeface="Verdana" panose="020B0604030504040204" pitchFamily="34" charset="0"/>
+                <a:cs typeface="Verdana" panose="020B0604030504040204" pitchFamily="34" charset="0"/>
+              </a:rPr>
+              <a:t>it</a:t>
+            </a:r>
+            <a:r>
+              <a:rPr lang="fr-FR" sz="1400" dirty="0" smtClean="0">
+                <a:latin typeface="Verdana" panose="020B0604030504040204" pitchFamily="34" charset="0"/>
+                <a:ea typeface="Verdana" panose="020B0604030504040204" pitchFamily="34" charset="0"/>
+                <a:cs typeface="Verdana" panose="020B0604030504040204" pitchFamily="34" charset="0"/>
+              </a:rPr>
+              <a:t> to the </a:t>
+            </a:r>
+            <a:r>
+              <a:rPr lang="fr-FR" sz="1400" dirty="0" err="1" smtClean="0">
+                <a:latin typeface="Verdana" panose="020B0604030504040204" pitchFamily="34" charset="0"/>
+                <a:ea typeface="Verdana" panose="020B0604030504040204" pitchFamily="34" charset="0"/>
+                <a:cs typeface="Verdana" panose="020B0604030504040204" pitchFamily="34" charset="0"/>
+              </a:rPr>
+              <a:t>server’s</a:t>
+            </a:r>
+            <a:r>
+              <a:rPr lang="fr-FR" sz="1400" dirty="0" smtClean="0">
+                <a:latin typeface="Verdana" panose="020B0604030504040204" pitchFamily="34" charset="0"/>
+                <a:ea typeface="Verdana" panose="020B0604030504040204" pitchFamily="34" charset="0"/>
+                <a:cs typeface="Verdana" panose="020B0604030504040204" pitchFamily="34" charset="0"/>
+              </a:rPr>
+              <a:t> </a:t>
+            </a:r>
+            <a:r>
+              <a:rPr lang="fr-FR" sz="1400" dirty="0" err="1" smtClean="0">
+                <a:latin typeface="Verdana" panose="020B0604030504040204" pitchFamily="34" charset="0"/>
+                <a:ea typeface="Verdana" panose="020B0604030504040204" pitchFamily="34" charset="0"/>
+                <a:cs typeface="Verdana" panose="020B0604030504040204" pitchFamily="34" charset="0"/>
+              </a:rPr>
+              <a:t>database</a:t>
+            </a:r>
+            <a:r>
+              <a:rPr lang="fr-FR" sz="1400" dirty="0" smtClean="0">
+                <a:latin typeface="Verdana" panose="020B0604030504040204" pitchFamily="34" charset="0"/>
+                <a:ea typeface="Verdana" panose="020B0604030504040204" pitchFamily="34" charset="0"/>
+                <a:cs typeface="Verdana" panose="020B0604030504040204" pitchFamily="34" charset="0"/>
+              </a:rPr>
+              <a:t> </a:t>
+            </a:r>
+            <a:r>
+              <a:rPr lang="fr-FR" sz="1400" dirty="0" err="1" smtClean="0">
+                <a:latin typeface="Verdana" panose="020B0604030504040204" pitchFamily="34" charset="0"/>
+                <a:ea typeface="Verdana" panose="020B0604030504040204" pitchFamily="34" charset="0"/>
+                <a:cs typeface="Verdana" panose="020B0604030504040204" pitchFamily="34" charset="0"/>
+              </a:rPr>
+              <a:t>through</a:t>
+            </a:r>
+            <a:r>
+              <a:rPr lang="fr-FR" sz="1400" dirty="0" smtClean="0">
+                <a:latin typeface="Verdana" panose="020B0604030504040204" pitchFamily="34" charset="0"/>
+                <a:ea typeface="Verdana" panose="020B0604030504040204" pitchFamily="34" charset="0"/>
+                <a:cs typeface="Verdana" panose="020B0604030504040204" pitchFamily="34" charset="0"/>
+              </a:rPr>
+              <a:t> a </a:t>
+            </a:r>
+            <a:r>
+              <a:rPr lang="fr-FR" sz="1400" dirty="0" err="1" smtClean="0">
+                <a:latin typeface="Verdana" panose="020B0604030504040204" pitchFamily="34" charset="0"/>
+                <a:ea typeface="Verdana" panose="020B0604030504040204" pitchFamily="34" charset="0"/>
+                <a:cs typeface="Verdana" panose="020B0604030504040204" pitchFamily="34" charset="0"/>
+              </a:rPr>
+              <a:t>NodeJS</a:t>
+            </a:r>
+            <a:r>
+              <a:rPr lang="fr-FR" sz="1400" dirty="0" smtClean="0">
+                <a:latin typeface="Verdana" panose="020B0604030504040204" pitchFamily="34" charset="0"/>
+                <a:ea typeface="Verdana" panose="020B0604030504040204" pitchFamily="34" charset="0"/>
+                <a:cs typeface="Verdana" panose="020B0604030504040204" pitchFamily="34" charset="0"/>
+              </a:rPr>
+              <a:t> REST API.</a:t>
+            </a:r>
+          </a:p>
+          <a:p>
+            <a:pPr algn="ctr"/>
+            <a:endParaRPr lang="fr-FR" sz="1400" dirty="0">
+              <a:latin typeface="Verdana" panose="020B0604030504040204" pitchFamily="34" charset="0"/>
+              <a:ea typeface="Verdana" panose="020B0604030504040204" pitchFamily="34" charset="0"/>
+              <a:cs typeface="Verdana" panose="020B0604030504040204" pitchFamily="34" charset="0"/>
+            </a:endParaRPr>
+          </a:p>
+          <a:p>
+            <a:pPr algn="ctr"/>
+            <a:r>
+              <a:rPr lang="fr-FR" sz="1400" dirty="0" err="1" smtClean="0">
+                <a:latin typeface="Verdana" panose="020B0604030504040204" pitchFamily="34" charset="0"/>
+                <a:ea typeface="Verdana" panose="020B0604030504040204" pitchFamily="34" charset="0"/>
+                <a:cs typeface="Verdana" panose="020B0604030504040204" pitchFamily="34" charset="0"/>
+              </a:rPr>
+              <a:t>After</a:t>
+            </a:r>
+            <a:r>
+              <a:rPr lang="fr-FR" sz="1400" dirty="0" smtClean="0">
+                <a:latin typeface="Verdana" panose="020B0604030504040204" pitchFamily="34" charset="0"/>
+                <a:ea typeface="Verdana" panose="020B0604030504040204" pitchFamily="34" charset="0"/>
+                <a:cs typeface="Verdana" panose="020B0604030504040204" pitchFamily="34" charset="0"/>
+              </a:rPr>
+              <a:t> </a:t>
+            </a:r>
+            <a:r>
+              <a:rPr lang="fr-FR" sz="1400" dirty="0" err="1" smtClean="0">
+                <a:latin typeface="Verdana" panose="020B0604030504040204" pitchFamily="34" charset="0"/>
+                <a:ea typeface="Verdana" panose="020B0604030504040204" pitchFamily="34" charset="0"/>
+                <a:cs typeface="Verdana" panose="020B0604030504040204" pitchFamily="34" charset="0"/>
+              </a:rPr>
+              <a:t>having</a:t>
+            </a:r>
+            <a:r>
+              <a:rPr lang="fr-FR" sz="1400" dirty="0" smtClean="0">
+                <a:latin typeface="Verdana" panose="020B0604030504040204" pitchFamily="34" charset="0"/>
+                <a:ea typeface="Verdana" panose="020B0604030504040204" pitchFamily="34" charset="0"/>
+                <a:cs typeface="Verdana" panose="020B0604030504040204" pitchFamily="34" charset="0"/>
+              </a:rPr>
+              <a:t> </a:t>
+            </a:r>
+            <a:r>
+              <a:rPr lang="fr-FR" sz="1400" dirty="0" err="1" smtClean="0">
+                <a:latin typeface="Verdana" panose="020B0604030504040204" pitchFamily="34" charset="0"/>
+                <a:ea typeface="Verdana" panose="020B0604030504040204" pitchFamily="34" charset="0"/>
+                <a:cs typeface="Verdana" panose="020B0604030504040204" pitchFamily="34" charset="0"/>
+              </a:rPr>
+              <a:t>received</a:t>
+            </a:r>
+            <a:r>
+              <a:rPr lang="fr-FR" sz="1400" dirty="0" smtClean="0">
+                <a:latin typeface="Verdana" panose="020B0604030504040204" pitchFamily="34" charset="0"/>
+                <a:ea typeface="Verdana" panose="020B0604030504040204" pitchFamily="34" charset="0"/>
+                <a:cs typeface="Verdana" panose="020B0604030504040204" pitchFamily="34" charset="0"/>
+              </a:rPr>
+              <a:t> the </a:t>
+            </a:r>
+            <a:r>
+              <a:rPr lang="fr-FR" sz="1400" dirty="0" err="1" smtClean="0">
+                <a:latin typeface="Verdana" panose="020B0604030504040204" pitchFamily="34" charset="0"/>
+                <a:ea typeface="Verdana" panose="020B0604030504040204" pitchFamily="34" charset="0"/>
+                <a:cs typeface="Verdana" panose="020B0604030504040204" pitchFamily="34" charset="0"/>
+              </a:rPr>
+              <a:t>server’s</a:t>
+            </a:r>
+            <a:r>
+              <a:rPr lang="fr-FR" sz="1400" dirty="0" smtClean="0">
+                <a:latin typeface="Verdana" panose="020B0604030504040204" pitchFamily="34" charset="0"/>
+                <a:ea typeface="Verdana" panose="020B0604030504040204" pitchFamily="34" charset="0"/>
+                <a:cs typeface="Verdana" panose="020B0604030504040204" pitchFamily="34" charset="0"/>
+              </a:rPr>
+              <a:t> </a:t>
+            </a:r>
+            <a:r>
+              <a:rPr lang="fr-FR" sz="1400" dirty="0" err="1" smtClean="0">
+                <a:latin typeface="Verdana" panose="020B0604030504040204" pitchFamily="34" charset="0"/>
+                <a:ea typeface="Verdana" panose="020B0604030504040204" pitchFamily="34" charset="0"/>
+                <a:cs typeface="Verdana" panose="020B0604030504040204" pitchFamily="34" charset="0"/>
+              </a:rPr>
+              <a:t>database</a:t>
+            </a:r>
+            <a:r>
+              <a:rPr lang="fr-FR" sz="1400" dirty="0" smtClean="0">
+                <a:latin typeface="Verdana" panose="020B0604030504040204" pitchFamily="34" charset="0"/>
+                <a:ea typeface="Verdana" panose="020B0604030504040204" pitchFamily="34" charset="0"/>
+                <a:cs typeface="Verdana" panose="020B0604030504040204" pitchFamily="34" charset="0"/>
+              </a:rPr>
+              <a:t> </a:t>
+            </a:r>
+            <a:r>
+              <a:rPr lang="fr-FR" sz="1400" dirty="0" err="1" smtClean="0">
+                <a:latin typeface="Verdana" panose="020B0604030504040204" pitchFamily="34" charset="0"/>
+                <a:ea typeface="Verdana" panose="020B0604030504040204" pitchFamily="34" charset="0"/>
+                <a:cs typeface="Verdana" panose="020B0604030504040204" pitchFamily="34" charset="0"/>
+              </a:rPr>
+              <a:t>through</a:t>
+            </a:r>
+            <a:r>
+              <a:rPr lang="fr-FR" sz="1400" dirty="0" smtClean="0">
+                <a:latin typeface="Verdana" panose="020B0604030504040204" pitchFamily="34" charset="0"/>
+                <a:ea typeface="Verdana" panose="020B0604030504040204" pitchFamily="34" charset="0"/>
+                <a:cs typeface="Verdana" panose="020B0604030504040204" pitchFamily="34" charset="0"/>
+              </a:rPr>
+              <a:t> the API, </a:t>
+            </a:r>
+            <a:r>
+              <a:rPr lang="fr-FR" sz="1400" dirty="0" err="1" smtClean="0">
+                <a:latin typeface="Verdana" panose="020B0604030504040204" pitchFamily="34" charset="0"/>
+                <a:ea typeface="Verdana" panose="020B0604030504040204" pitchFamily="34" charset="0"/>
+                <a:cs typeface="Verdana" panose="020B0604030504040204" pitchFamily="34" charset="0"/>
+              </a:rPr>
+              <a:t>its</a:t>
+            </a:r>
+            <a:r>
+              <a:rPr lang="fr-FR" sz="1400" dirty="0" smtClean="0">
+                <a:latin typeface="Verdana" panose="020B0604030504040204" pitchFamily="34" charset="0"/>
+                <a:ea typeface="Verdana" panose="020B0604030504040204" pitchFamily="34" charset="0"/>
+                <a:cs typeface="Verdana" panose="020B0604030504040204" pitchFamily="34" charset="0"/>
+              </a:rPr>
+              <a:t> data </a:t>
+            </a:r>
+            <a:r>
+              <a:rPr lang="fr-FR" sz="1400" dirty="0" err="1" smtClean="0">
+                <a:latin typeface="Verdana" panose="020B0604030504040204" pitchFamily="34" charset="0"/>
+                <a:ea typeface="Verdana" panose="020B0604030504040204" pitchFamily="34" charset="0"/>
+                <a:cs typeface="Verdana" panose="020B0604030504040204" pitchFamily="34" charset="0"/>
+              </a:rPr>
+              <a:t>is</a:t>
+            </a:r>
+            <a:r>
+              <a:rPr lang="fr-FR" sz="1400" dirty="0" smtClean="0">
+                <a:latin typeface="Verdana" panose="020B0604030504040204" pitchFamily="34" charset="0"/>
+                <a:ea typeface="Verdana" panose="020B0604030504040204" pitchFamily="34" charset="0"/>
+                <a:cs typeface="Verdana" panose="020B0604030504040204" pitchFamily="34" charset="0"/>
+              </a:rPr>
+              <a:t> </a:t>
+            </a:r>
+            <a:r>
+              <a:rPr lang="fr-FR" sz="1400" dirty="0" err="1" smtClean="0">
+                <a:latin typeface="Verdana" panose="020B0604030504040204" pitchFamily="34" charset="0"/>
+                <a:ea typeface="Verdana" panose="020B0604030504040204" pitchFamily="34" charset="0"/>
+                <a:cs typeface="Verdana" panose="020B0604030504040204" pitchFamily="34" charset="0"/>
+              </a:rPr>
+              <a:t>displayed</a:t>
+            </a:r>
+            <a:r>
+              <a:rPr lang="fr-FR" sz="1400" dirty="0" smtClean="0">
+                <a:latin typeface="Verdana" panose="020B0604030504040204" pitchFamily="34" charset="0"/>
+                <a:ea typeface="Verdana" panose="020B0604030504040204" pitchFamily="34" charset="0"/>
+                <a:cs typeface="Verdana" panose="020B0604030504040204" pitchFamily="34" charset="0"/>
+              </a:rPr>
+              <a:t> on the Client application </a:t>
+            </a:r>
+            <a:r>
+              <a:rPr lang="fr-FR" sz="1400" dirty="0" err="1" smtClean="0">
+                <a:latin typeface="Verdana" panose="020B0604030504040204" pitchFamily="34" charset="0"/>
+                <a:ea typeface="Verdana" panose="020B0604030504040204" pitchFamily="34" charset="0"/>
+                <a:cs typeface="Verdana" panose="020B0604030504040204" pitchFamily="34" charset="0"/>
+              </a:rPr>
+              <a:t>with</a:t>
+            </a:r>
+            <a:r>
+              <a:rPr lang="fr-FR" sz="1400" dirty="0" smtClean="0">
+                <a:latin typeface="Verdana" panose="020B0604030504040204" pitchFamily="34" charset="0"/>
+                <a:ea typeface="Verdana" panose="020B0604030504040204" pitchFamily="34" charset="0"/>
+                <a:cs typeface="Verdana" panose="020B0604030504040204" pitchFamily="34" charset="0"/>
+              </a:rPr>
+              <a:t> Vue.js.</a:t>
+            </a:r>
+            <a:endParaRPr lang="fr-FR" sz="1400" dirty="0">
+              <a:latin typeface="Verdana" panose="020B0604030504040204" pitchFamily="34" charset="0"/>
+              <a:ea typeface="Verdana" panose="020B0604030504040204" pitchFamily="34" charset="0"/>
+              <a:cs typeface="Verdana" panose="020B0604030504040204" pitchFamily="34" charset="0"/>
+            </a:endParaRPr>
+          </a:p>
+        </p:txBody>
+      </p:sp>
+      <p:sp>
+        <p:nvSpPr>
+          <p:cNvPr id="45" name="ZoneTexte 44"/>
+          <p:cNvSpPr txBox="1"/>
+          <p:nvPr/>
+        </p:nvSpPr>
+        <p:spPr>
+          <a:xfrm>
+            <a:off x="1" y="6556746"/>
+            <a:ext cx="12191999" cy="307777"/>
+          </a:xfrm>
+          <a:prstGeom prst="rect">
+            <a:avLst/>
+          </a:prstGeom>
+          <a:solidFill>
+            <a:schemeClr val="accent1">
+              <a:lumMod val="20000"/>
+              <a:lumOff val="80000"/>
+            </a:schemeClr>
+          </a:solidFill>
+        </p:spPr>
+        <p:txBody>
+          <a:bodyPr wrap="square" rtlCol="0">
+            <a:spAutoFit/>
+          </a:bodyPr>
+          <a:lstStyle/>
+          <a:p>
+            <a:pPr algn="r"/>
+            <a:r>
+              <a:rPr lang="en-US" sz="1400" dirty="0" smtClean="0">
+                <a:latin typeface="Verdana" panose="020B0604030504040204" pitchFamily="34" charset="0"/>
+                <a:ea typeface="Verdana" panose="020B0604030504040204" pitchFamily="34" charset="0"/>
+                <a:cs typeface="Verdana" panose="020B0604030504040204" pitchFamily="34" charset="0"/>
+              </a:rPr>
+              <a:t>3/5</a:t>
+            </a:r>
+            <a:endParaRPr lang="fr-FR" sz="1400" dirty="0">
+              <a:latin typeface="Verdana" panose="020B0604030504040204" pitchFamily="34" charset="0"/>
+              <a:ea typeface="Verdana" panose="020B0604030504040204" pitchFamily="34" charset="0"/>
+              <a:cs typeface="Verdana" panose="020B0604030504040204" pitchFamily="34" charset="0"/>
+            </a:endParaRPr>
+          </a:p>
+        </p:txBody>
+      </p:sp>
+      <p:cxnSp>
+        <p:nvCxnSpPr>
+          <p:cNvPr id="47" name="Connecteur droit avec flèche 46"/>
+          <p:cNvCxnSpPr/>
+          <p:nvPr/>
+        </p:nvCxnSpPr>
+        <p:spPr>
+          <a:xfrm>
+            <a:off x="2281068" y="4388736"/>
+            <a:ext cx="0" cy="482081"/>
+          </a:xfrm>
+          <a:prstGeom prst="straightConnector1">
+            <a:avLst/>
+          </a:prstGeom>
+          <a:ln>
+            <a:tailEnd type="triangle"/>
+          </a:ln>
+        </p:spPr>
+        <p:style>
+          <a:lnRef idx="3">
+            <a:schemeClr val="accent2"/>
+          </a:lnRef>
+          <a:fillRef idx="0">
+            <a:schemeClr val="accent2"/>
+          </a:fillRef>
+          <a:effectRef idx="2">
+            <a:schemeClr val="accent2"/>
+          </a:effectRef>
+          <a:fontRef idx="minor">
+            <a:schemeClr val="tx1"/>
+          </a:fontRef>
+        </p:style>
+      </p:cxnSp>
     </p:spTree>
     <p:extLst>
       <p:ext uri="{BB962C8B-B14F-4D97-AF65-F5344CB8AC3E}">
-        <p14:creationId xmlns:p14="http://schemas.microsoft.com/office/powerpoint/2010/main" val="3749808524"/>
+        <p14:creationId xmlns:p14="http://schemas.microsoft.com/office/powerpoint/2010/main" val="3693339847"/>
+      </p:ext>
+    </p:extLst>
+  </p:cSld>
+  <p:clrMapOvr>
+    <a:masterClrMapping/>
+  </p:clrMapOvr>
+  <p:timing>
+    <p:tnLst>
+      <p:par>
+        <p:cTn id="1" dur="indefinite" restart="never" nodeType="tmRoot"/>
+      </p:par>
+    </p:tnLst>
+  </p:timing>
+</p:sld>
+</file>
+
+<file path=ppt/slides/slide4.xml><?xml version="1.0" encoding="utf-8"?>
+<p:sld xmlns:a="http://schemas.openxmlformats.org/drawingml/2006/main" xmlns:r="http://schemas.openxmlformats.org/officeDocument/2006/relationships" xmlns:p="http://schemas.openxmlformats.org/presentationml/2006/main">
+  <p:cSld>
+    <p:spTree>
+      <p:nvGrpSpPr>
+        <p:cNvPr id="1" name=""/>
+        <p:cNvGrpSpPr/>
+        <p:nvPr/>
+      </p:nvGrpSpPr>
+      <p:grpSpPr>
+        <a:xfrm>
+          <a:off x="0" y="0"/>
+          <a:ext cx="0" cy="0"/>
+          <a:chOff x="0" y="0"/>
+          <a:chExt cx="0" cy="0"/>
+        </a:xfrm>
+      </p:grpSpPr>
+      <p:sp>
+        <p:nvSpPr>
+          <p:cNvPr id="9" name="ZoneTexte 8"/>
+          <p:cNvSpPr txBox="1"/>
+          <p:nvPr/>
+        </p:nvSpPr>
+        <p:spPr>
+          <a:xfrm>
+            <a:off x="0" y="123568"/>
+            <a:ext cx="12191999" cy="400110"/>
+          </a:xfrm>
+          <a:prstGeom prst="rect">
+            <a:avLst/>
+          </a:prstGeom>
+          <a:solidFill>
+            <a:schemeClr val="accent1">
+              <a:lumMod val="20000"/>
+              <a:lumOff val="80000"/>
+            </a:schemeClr>
+          </a:solidFill>
+        </p:spPr>
+        <p:txBody>
+          <a:bodyPr wrap="square" rtlCol="0">
+            <a:spAutoFit/>
+          </a:bodyPr>
+          <a:lstStyle/>
+          <a:p>
+            <a:pPr algn="ctr"/>
+            <a:r>
+              <a:rPr lang="en-US" sz="2000" dirty="0" smtClean="0"/>
+              <a:t>The server application</a:t>
+            </a:r>
+            <a:endParaRPr lang="fr-FR" sz="2000" dirty="0"/>
+          </a:p>
+        </p:txBody>
+      </p:sp>
+      <p:pic>
+        <p:nvPicPr>
+          <p:cNvPr id="3" name="Image 2"/>
+          <p:cNvPicPr>
+            <a:picLocks noChangeAspect="1"/>
+          </p:cNvPicPr>
+          <p:nvPr/>
+        </p:nvPicPr>
+        <p:blipFill>
+          <a:blip r:embed="rId2" cstate="print">
+            <a:extLst>
+              <a:ext uri="{28A0092B-C50C-407E-A947-70E740481C1C}">
+                <a14:useLocalDpi xmlns:a14="http://schemas.microsoft.com/office/drawing/2010/main" val="0"/>
+              </a:ext>
+            </a:extLst>
+          </a:blip>
+          <a:stretch>
+            <a:fillRect/>
+          </a:stretch>
+        </p:blipFill>
+        <p:spPr>
+          <a:xfrm>
+            <a:off x="8959509" y="883631"/>
+            <a:ext cx="2448175" cy="2448175"/>
+          </a:xfrm>
+          <a:prstGeom prst="rect">
+            <a:avLst/>
+          </a:prstGeom>
+        </p:spPr>
+      </p:pic>
+      <p:pic>
+        <p:nvPicPr>
+          <p:cNvPr id="5" name="Image 4"/>
+          <p:cNvPicPr>
+            <a:picLocks noChangeAspect="1"/>
+          </p:cNvPicPr>
+          <p:nvPr/>
+        </p:nvPicPr>
+        <p:blipFill>
+          <a:blip r:embed="rId3">
+            <a:extLst>
+              <a:ext uri="{28A0092B-C50C-407E-A947-70E740481C1C}">
+                <a14:useLocalDpi xmlns:a14="http://schemas.microsoft.com/office/drawing/2010/main" val="0"/>
+              </a:ext>
+            </a:extLst>
+          </a:blip>
+          <a:stretch>
+            <a:fillRect/>
+          </a:stretch>
+        </p:blipFill>
+        <p:spPr>
+          <a:xfrm>
+            <a:off x="699349" y="937291"/>
+            <a:ext cx="2367971" cy="2367971"/>
+          </a:xfrm>
+          <a:prstGeom prst="rect">
+            <a:avLst/>
+          </a:prstGeom>
+        </p:spPr>
+      </p:pic>
+      <p:pic>
+        <p:nvPicPr>
+          <p:cNvPr id="11" name="Image 10"/>
+          <p:cNvPicPr>
+            <a:picLocks noChangeAspect="1"/>
+          </p:cNvPicPr>
+          <p:nvPr/>
+        </p:nvPicPr>
+        <p:blipFill>
+          <a:blip r:embed="rId4" cstate="print">
+            <a:extLst>
+              <a:ext uri="{28A0092B-C50C-407E-A947-70E740481C1C}">
+                <a14:useLocalDpi xmlns:a14="http://schemas.microsoft.com/office/drawing/2010/main" val="0"/>
+              </a:ext>
+            </a:extLst>
+          </a:blip>
+          <a:stretch>
+            <a:fillRect/>
+          </a:stretch>
+        </p:blipFill>
+        <p:spPr>
+          <a:xfrm>
+            <a:off x="5227175" y="736216"/>
+            <a:ext cx="1233709" cy="1233709"/>
+          </a:xfrm>
+          <a:prstGeom prst="rect">
+            <a:avLst/>
+          </a:prstGeom>
+          <a:effectLst>
+            <a:outerShdw blurRad="50800" dist="38100" dir="8100000" algn="tr" rotWithShape="0">
+              <a:prstClr val="black">
+                <a:alpha val="40000"/>
+              </a:prstClr>
+            </a:outerShdw>
+          </a:effectLst>
+        </p:spPr>
+      </p:pic>
+      <p:sp>
+        <p:nvSpPr>
+          <p:cNvPr id="14" name="ZoneTexte 13"/>
+          <p:cNvSpPr txBox="1"/>
+          <p:nvPr/>
+        </p:nvSpPr>
+        <p:spPr>
+          <a:xfrm>
+            <a:off x="8959509" y="3381217"/>
+            <a:ext cx="2323070" cy="338554"/>
+          </a:xfrm>
+          <a:prstGeom prst="rect">
+            <a:avLst/>
+          </a:prstGeom>
+          <a:noFill/>
+        </p:spPr>
+        <p:txBody>
+          <a:bodyPr wrap="square" rtlCol="0">
+            <a:spAutoFit/>
+          </a:bodyPr>
+          <a:lstStyle/>
+          <a:p>
+            <a:pPr algn="ctr"/>
+            <a:r>
+              <a:rPr lang="fr-FR" sz="1600" dirty="0" smtClean="0">
+                <a:latin typeface="Verdana" panose="020B0604030504040204" pitchFamily="34" charset="0"/>
+                <a:ea typeface="Verdana" panose="020B0604030504040204" pitchFamily="34" charset="0"/>
+                <a:cs typeface="Verdana" panose="020B0604030504040204" pitchFamily="34" charset="0"/>
+              </a:rPr>
+              <a:t>Client application</a:t>
+            </a:r>
+            <a:endParaRPr lang="fr-FR" sz="1600" dirty="0">
+              <a:latin typeface="Verdana" panose="020B0604030504040204" pitchFamily="34" charset="0"/>
+              <a:ea typeface="Verdana" panose="020B0604030504040204" pitchFamily="34" charset="0"/>
+              <a:cs typeface="Verdana" panose="020B0604030504040204" pitchFamily="34" charset="0"/>
+            </a:endParaRPr>
+          </a:p>
+        </p:txBody>
+      </p:sp>
+      <p:sp>
+        <p:nvSpPr>
+          <p:cNvPr id="39" name="ZoneTexte 38"/>
+          <p:cNvSpPr txBox="1"/>
+          <p:nvPr/>
+        </p:nvSpPr>
+        <p:spPr>
+          <a:xfrm>
+            <a:off x="699349" y="3380321"/>
+            <a:ext cx="2323070" cy="338554"/>
+          </a:xfrm>
+          <a:prstGeom prst="rect">
+            <a:avLst/>
+          </a:prstGeom>
+          <a:noFill/>
+        </p:spPr>
+        <p:txBody>
+          <a:bodyPr wrap="square" rtlCol="0">
+            <a:spAutoFit/>
+          </a:bodyPr>
+          <a:lstStyle/>
+          <a:p>
+            <a:pPr algn="ctr"/>
+            <a:r>
+              <a:rPr lang="fr-FR" sz="1600" dirty="0" smtClean="0">
+                <a:latin typeface="Verdana" panose="020B0604030504040204" pitchFamily="34" charset="0"/>
+                <a:ea typeface="Verdana" panose="020B0604030504040204" pitchFamily="34" charset="0"/>
+                <a:cs typeface="Verdana" panose="020B0604030504040204" pitchFamily="34" charset="0"/>
+              </a:rPr>
+              <a:t>Server</a:t>
+            </a:r>
+            <a:endParaRPr lang="fr-FR" sz="1600" dirty="0">
+              <a:latin typeface="Verdana" panose="020B0604030504040204" pitchFamily="34" charset="0"/>
+              <a:ea typeface="Verdana" panose="020B0604030504040204" pitchFamily="34" charset="0"/>
+              <a:cs typeface="Verdana" panose="020B0604030504040204" pitchFamily="34" charset="0"/>
+            </a:endParaRPr>
+          </a:p>
+        </p:txBody>
+      </p:sp>
+      <p:sp>
+        <p:nvSpPr>
+          <p:cNvPr id="42" name="ZoneTexte 41"/>
+          <p:cNvSpPr txBox="1"/>
+          <p:nvPr/>
+        </p:nvSpPr>
+        <p:spPr>
+          <a:xfrm>
+            <a:off x="4682495" y="1969925"/>
+            <a:ext cx="2323070" cy="338554"/>
+          </a:xfrm>
+          <a:prstGeom prst="rect">
+            <a:avLst/>
+          </a:prstGeom>
+          <a:noFill/>
+        </p:spPr>
+        <p:txBody>
+          <a:bodyPr wrap="square" rtlCol="0">
+            <a:spAutoFit/>
+          </a:bodyPr>
+          <a:lstStyle/>
+          <a:p>
+            <a:pPr algn="ctr"/>
+            <a:r>
+              <a:rPr lang="fr-FR" sz="1600" dirty="0" err="1" smtClean="0">
+                <a:latin typeface="Verdana" panose="020B0604030504040204" pitchFamily="34" charset="0"/>
+                <a:ea typeface="Verdana" panose="020B0604030504040204" pitchFamily="34" charset="0"/>
+                <a:cs typeface="Verdana" panose="020B0604030504040204" pitchFamily="34" charset="0"/>
+              </a:rPr>
+              <a:t>NodeJS</a:t>
+            </a:r>
+            <a:r>
+              <a:rPr lang="fr-FR" sz="1600" dirty="0" smtClean="0">
+                <a:latin typeface="Verdana" panose="020B0604030504040204" pitchFamily="34" charset="0"/>
+                <a:ea typeface="Verdana" panose="020B0604030504040204" pitchFamily="34" charset="0"/>
+                <a:cs typeface="Verdana" panose="020B0604030504040204" pitchFamily="34" charset="0"/>
+              </a:rPr>
+              <a:t> REST API</a:t>
+            </a:r>
+            <a:endParaRPr lang="fr-FR" sz="1600" dirty="0">
+              <a:latin typeface="Verdana" panose="020B0604030504040204" pitchFamily="34" charset="0"/>
+              <a:ea typeface="Verdana" panose="020B0604030504040204" pitchFamily="34" charset="0"/>
+              <a:cs typeface="Verdana" panose="020B0604030504040204" pitchFamily="34" charset="0"/>
+            </a:endParaRPr>
+          </a:p>
+        </p:txBody>
+      </p:sp>
+      <p:cxnSp>
+        <p:nvCxnSpPr>
+          <p:cNvPr id="4" name="Connecteur droit avec flèche 3"/>
+          <p:cNvCxnSpPr/>
+          <p:nvPr/>
+        </p:nvCxnSpPr>
+        <p:spPr>
+          <a:xfrm>
+            <a:off x="3067320" y="1375549"/>
+            <a:ext cx="1615174" cy="0"/>
+          </a:xfrm>
+          <a:prstGeom prst="straightConnector1">
+            <a:avLst/>
+          </a:prstGeom>
+          <a:ln>
+            <a:tailEnd type="triangle"/>
+          </a:ln>
+        </p:spPr>
+        <p:style>
+          <a:lnRef idx="3">
+            <a:schemeClr val="accent2"/>
+          </a:lnRef>
+          <a:fillRef idx="0">
+            <a:schemeClr val="accent2"/>
+          </a:fillRef>
+          <a:effectRef idx="2">
+            <a:schemeClr val="accent2"/>
+          </a:effectRef>
+          <a:fontRef idx="minor">
+            <a:schemeClr val="tx1"/>
+          </a:fontRef>
+        </p:style>
+      </p:cxnSp>
+      <p:sp>
+        <p:nvSpPr>
+          <p:cNvPr id="25" name="ZoneTexte 24"/>
+          <p:cNvSpPr txBox="1"/>
+          <p:nvPr/>
+        </p:nvSpPr>
+        <p:spPr>
+          <a:xfrm>
+            <a:off x="3173270" y="4517673"/>
+            <a:ext cx="8662444" cy="1169551"/>
+          </a:xfrm>
+          <a:prstGeom prst="rect">
+            <a:avLst/>
+          </a:prstGeom>
+          <a:noFill/>
+        </p:spPr>
+        <p:txBody>
+          <a:bodyPr wrap="square" rtlCol="0">
+            <a:spAutoFit/>
+          </a:bodyPr>
+          <a:lstStyle/>
+          <a:p>
+            <a:pPr algn="ctr"/>
+            <a:r>
+              <a:rPr lang="fr-FR" sz="1400" dirty="0" err="1" smtClean="0">
+                <a:latin typeface="Verdana" panose="020B0604030504040204" pitchFamily="34" charset="0"/>
+                <a:ea typeface="Verdana" panose="020B0604030504040204" pitchFamily="34" charset="0"/>
+                <a:cs typeface="Verdana" panose="020B0604030504040204" pitchFamily="34" charset="0"/>
+              </a:rPr>
+              <a:t>Receiving</a:t>
+            </a:r>
+            <a:r>
+              <a:rPr lang="fr-FR" sz="1400" dirty="0" smtClean="0">
+                <a:latin typeface="Verdana" panose="020B0604030504040204" pitchFamily="34" charset="0"/>
+                <a:ea typeface="Verdana" panose="020B0604030504040204" pitchFamily="34" charset="0"/>
+                <a:cs typeface="Verdana" panose="020B0604030504040204" pitchFamily="34" charset="0"/>
+              </a:rPr>
+              <a:t> data </a:t>
+            </a:r>
+            <a:r>
+              <a:rPr lang="fr-FR" sz="1400" dirty="0" err="1" smtClean="0">
+                <a:latin typeface="Verdana" panose="020B0604030504040204" pitchFamily="34" charset="0"/>
+                <a:ea typeface="Verdana" panose="020B0604030504040204" pitchFamily="34" charset="0"/>
+                <a:cs typeface="Verdana" panose="020B0604030504040204" pitchFamily="34" charset="0"/>
+              </a:rPr>
+              <a:t>from</a:t>
+            </a:r>
+            <a:r>
+              <a:rPr lang="fr-FR" sz="1400" dirty="0" smtClean="0">
+                <a:latin typeface="Verdana" panose="020B0604030504040204" pitchFamily="34" charset="0"/>
+                <a:ea typeface="Verdana" panose="020B0604030504040204" pitchFamily="34" charset="0"/>
+                <a:cs typeface="Verdana" panose="020B0604030504040204" pitchFamily="34" charset="0"/>
+              </a:rPr>
+              <a:t> the client application </a:t>
+            </a:r>
+            <a:r>
+              <a:rPr lang="fr-FR" sz="1400" dirty="0" err="1" smtClean="0">
+                <a:latin typeface="Verdana" panose="020B0604030504040204" pitchFamily="34" charset="0"/>
+                <a:ea typeface="Verdana" panose="020B0604030504040204" pitchFamily="34" charset="0"/>
+                <a:cs typeface="Verdana" panose="020B0604030504040204" pitchFamily="34" charset="0"/>
+              </a:rPr>
+              <a:t>through</a:t>
+            </a:r>
+            <a:r>
+              <a:rPr lang="fr-FR" sz="1400" dirty="0" smtClean="0">
+                <a:latin typeface="Verdana" panose="020B0604030504040204" pitchFamily="34" charset="0"/>
+                <a:ea typeface="Verdana" panose="020B0604030504040204" pitchFamily="34" charset="0"/>
+                <a:cs typeface="Verdana" panose="020B0604030504040204" pitchFamily="34" charset="0"/>
+              </a:rPr>
+              <a:t> </a:t>
+            </a:r>
+            <a:r>
+              <a:rPr lang="fr-FR" sz="1400" dirty="0" err="1" smtClean="0">
+                <a:latin typeface="Verdana" panose="020B0604030504040204" pitchFamily="34" charset="0"/>
+                <a:ea typeface="Verdana" panose="020B0604030504040204" pitchFamily="34" charset="0"/>
+                <a:cs typeface="Verdana" panose="020B0604030504040204" pitchFamily="34" charset="0"/>
+              </a:rPr>
+              <a:t>its</a:t>
+            </a:r>
+            <a:r>
+              <a:rPr lang="fr-FR" sz="1400" dirty="0" smtClean="0">
+                <a:latin typeface="Verdana" panose="020B0604030504040204" pitchFamily="34" charset="0"/>
+                <a:ea typeface="Verdana" panose="020B0604030504040204" pitchFamily="34" charset="0"/>
+                <a:cs typeface="Verdana" panose="020B0604030504040204" pitchFamily="34" charset="0"/>
+              </a:rPr>
+              <a:t> </a:t>
+            </a:r>
+            <a:r>
+              <a:rPr lang="fr-FR" sz="1400" dirty="0" err="1" smtClean="0">
+                <a:latin typeface="Verdana" panose="020B0604030504040204" pitchFamily="34" charset="0"/>
+                <a:ea typeface="Verdana" panose="020B0604030504040204" pitchFamily="34" charset="0"/>
+                <a:cs typeface="Verdana" panose="020B0604030504040204" pitchFamily="34" charset="0"/>
+              </a:rPr>
+              <a:t>NodeJS</a:t>
+            </a:r>
+            <a:r>
+              <a:rPr lang="fr-FR" sz="1400" dirty="0" smtClean="0">
+                <a:latin typeface="Verdana" panose="020B0604030504040204" pitchFamily="34" charset="0"/>
+                <a:ea typeface="Verdana" panose="020B0604030504040204" pitchFamily="34" charset="0"/>
+                <a:cs typeface="Verdana" panose="020B0604030504040204" pitchFamily="34" charset="0"/>
+              </a:rPr>
+              <a:t> REST API, the server application </a:t>
+            </a:r>
+            <a:r>
+              <a:rPr lang="fr-FR" sz="1400" dirty="0" err="1" smtClean="0">
+                <a:latin typeface="Verdana" panose="020B0604030504040204" pitchFamily="34" charset="0"/>
+                <a:ea typeface="Verdana" panose="020B0604030504040204" pitchFamily="34" charset="0"/>
+                <a:cs typeface="Verdana" panose="020B0604030504040204" pitchFamily="34" charset="0"/>
+              </a:rPr>
+              <a:t>can</a:t>
+            </a:r>
+            <a:r>
+              <a:rPr lang="fr-FR" sz="1400" dirty="0" smtClean="0">
+                <a:latin typeface="Verdana" panose="020B0604030504040204" pitchFamily="34" charset="0"/>
+                <a:ea typeface="Verdana" panose="020B0604030504040204" pitchFamily="34" charset="0"/>
+                <a:cs typeface="Verdana" panose="020B0604030504040204" pitchFamily="34" charset="0"/>
+              </a:rPr>
+              <a:t> update </a:t>
+            </a:r>
+            <a:r>
+              <a:rPr lang="fr-FR" sz="1400" dirty="0" err="1" smtClean="0">
+                <a:latin typeface="Verdana" panose="020B0604030504040204" pitchFamily="34" charset="0"/>
+                <a:ea typeface="Verdana" panose="020B0604030504040204" pitchFamily="34" charset="0"/>
+                <a:cs typeface="Verdana" panose="020B0604030504040204" pitchFamily="34" charset="0"/>
+              </a:rPr>
+              <a:t>its</a:t>
+            </a:r>
+            <a:r>
+              <a:rPr lang="fr-FR" sz="1400" dirty="0" smtClean="0">
+                <a:latin typeface="Verdana" panose="020B0604030504040204" pitchFamily="34" charset="0"/>
+                <a:ea typeface="Verdana" panose="020B0604030504040204" pitchFamily="34" charset="0"/>
+                <a:cs typeface="Verdana" panose="020B0604030504040204" pitchFamily="34" charset="0"/>
+              </a:rPr>
+              <a:t> </a:t>
+            </a:r>
+            <a:r>
+              <a:rPr lang="fr-FR" sz="1400" dirty="0" err="1" smtClean="0">
+                <a:latin typeface="Verdana" panose="020B0604030504040204" pitchFamily="34" charset="0"/>
+                <a:ea typeface="Verdana" panose="020B0604030504040204" pitchFamily="34" charset="0"/>
+                <a:cs typeface="Verdana" panose="020B0604030504040204" pitchFamily="34" charset="0"/>
+              </a:rPr>
+              <a:t>SQLite</a:t>
+            </a:r>
+            <a:r>
+              <a:rPr lang="fr-FR" sz="1400" dirty="0" smtClean="0">
+                <a:latin typeface="Verdana" panose="020B0604030504040204" pitchFamily="34" charset="0"/>
+                <a:ea typeface="Verdana" panose="020B0604030504040204" pitchFamily="34" charset="0"/>
+                <a:cs typeface="Verdana" panose="020B0604030504040204" pitchFamily="34" charset="0"/>
+              </a:rPr>
+              <a:t> </a:t>
+            </a:r>
+            <a:r>
+              <a:rPr lang="fr-FR" sz="1400" dirty="0" err="1" smtClean="0">
+                <a:latin typeface="Verdana" panose="020B0604030504040204" pitchFamily="34" charset="0"/>
+                <a:ea typeface="Verdana" panose="020B0604030504040204" pitchFamily="34" charset="0"/>
+                <a:cs typeface="Verdana" panose="020B0604030504040204" pitchFamily="34" charset="0"/>
+              </a:rPr>
+              <a:t>database</a:t>
+            </a:r>
+            <a:r>
+              <a:rPr lang="fr-FR" sz="1400" dirty="0">
+                <a:latin typeface="Verdana" panose="020B0604030504040204" pitchFamily="34" charset="0"/>
+                <a:ea typeface="Verdana" panose="020B0604030504040204" pitchFamily="34" charset="0"/>
+                <a:cs typeface="Verdana" panose="020B0604030504040204" pitchFamily="34" charset="0"/>
+              </a:rPr>
+              <a:t> </a:t>
+            </a:r>
+            <a:r>
+              <a:rPr lang="fr-FR" sz="1400" dirty="0" smtClean="0">
+                <a:latin typeface="Verdana" panose="020B0604030504040204" pitchFamily="34" charset="0"/>
+                <a:ea typeface="Verdana" panose="020B0604030504040204" pitchFamily="34" charset="0"/>
+                <a:cs typeface="Verdana" panose="020B0604030504040204" pitchFamily="34" charset="0"/>
+              </a:rPr>
+              <a:t>and transmit a </a:t>
+            </a:r>
+            <a:r>
+              <a:rPr lang="fr-FR" sz="1400" dirty="0" err="1" smtClean="0">
+                <a:latin typeface="Verdana" panose="020B0604030504040204" pitchFamily="34" charset="0"/>
+                <a:ea typeface="Verdana" panose="020B0604030504040204" pitchFamily="34" charset="0"/>
+                <a:cs typeface="Verdana" panose="020B0604030504040204" pitchFamily="34" charset="0"/>
+              </a:rPr>
+              <a:t>response</a:t>
+            </a:r>
+            <a:r>
+              <a:rPr lang="fr-FR" sz="1400" dirty="0" smtClean="0">
+                <a:latin typeface="Verdana" panose="020B0604030504040204" pitchFamily="34" charset="0"/>
+                <a:ea typeface="Verdana" panose="020B0604030504040204" pitchFamily="34" charset="0"/>
+                <a:cs typeface="Verdana" panose="020B0604030504040204" pitchFamily="34" charset="0"/>
+              </a:rPr>
+              <a:t> (in JSON) to the client application.</a:t>
+            </a:r>
+          </a:p>
+          <a:p>
+            <a:pPr algn="ctr"/>
+            <a:endParaRPr lang="fr-FR" sz="1400" dirty="0">
+              <a:latin typeface="Verdana" panose="020B0604030504040204" pitchFamily="34" charset="0"/>
+              <a:ea typeface="Verdana" panose="020B0604030504040204" pitchFamily="34" charset="0"/>
+              <a:cs typeface="Verdana" panose="020B0604030504040204" pitchFamily="34" charset="0"/>
+            </a:endParaRPr>
+          </a:p>
+          <a:p>
+            <a:pPr algn="ctr"/>
+            <a:r>
+              <a:rPr lang="fr-FR" sz="1400" dirty="0" smtClean="0">
+                <a:latin typeface="Verdana" panose="020B0604030504040204" pitchFamily="34" charset="0"/>
+                <a:ea typeface="Verdana" panose="020B0604030504040204" pitchFamily="34" charset="0"/>
+                <a:cs typeface="Verdana" panose="020B0604030504040204" pitchFamily="34" charset="0"/>
+              </a:rPr>
+              <a:t>To display </a:t>
+            </a:r>
+            <a:r>
+              <a:rPr lang="fr-FR" sz="1400" dirty="0" err="1" smtClean="0">
+                <a:latin typeface="Verdana" panose="020B0604030504040204" pitchFamily="34" charset="0"/>
+                <a:ea typeface="Verdana" panose="020B0604030504040204" pitchFamily="34" charset="0"/>
+                <a:cs typeface="Verdana" panose="020B0604030504040204" pitchFamily="34" charset="0"/>
+              </a:rPr>
+              <a:t>templates</a:t>
+            </a:r>
+            <a:r>
+              <a:rPr lang="fr-FR" sz="1400" dirty="0" smtClean="0">
+                <a:latin typeface="Verdana" panose="020B0604030504040204" pitchFamily="34" charset="0"/>
+                <a:ea typeface="Verdana" panose="020B0604030504040204" pitchFamily="34" charset="0"/>
+                <a:cs typeface="Verdana" panose="020B0604030504040204" pitchFamily="34" charset="0"/>
+              </a:rPr>
+              <a:t> and to </a:t>
+            </a:r>
+            <a:r>
+              <a:rPr lang="fr-FR" sz="1400" dirty="0" err="1" smtClean="0">
+                <a:latin typeface="Verdana" panose="020B0604030504040204" pitchFamily="34" charset="0"/>
+                <a:ea typeface="Verdana" panose="020B0604030504040204" pitchFamily="34" charset="0"/>
+                <a:cs typeface="Verdana" panose="020B0604030504040204" pitchFamily="34" charset="0"/>
+              </a:rPr>
+              <a:t>make</a:t>
+            </a:r>
+            <a:r>
+              <a:rPr lang="fr-FR" sz="1400" dirty="0" smtClean="0">
+                <a:latin typeface="Verdana" panose="020B0604030504040204" pitchFamily="34" charset="0"/>
+                <a:ea typeface="Verdana" panose="020B0604030504040204" pitchFamily="34" charset="0"/>
+                <a:cs typeface="Verdana" panose="020B0604030504040204" pitchFamily="34" charset="0"/>
+              </a:rPr>
+              <a:t> the </a:t>
+            </a:r>
+            <a:r>
+              <a:rPr lang="fr-FR" sz="1400" dirty="0" err="1" smtClean="0">
+                <a:latin typeface="Verdana" panose="020B0604030504040204" pitchFamily="34" charset="0"/>
+                <a:ea typeface="Verdana" panose="020B0604030504040204" pitchFamily="34" charset="0"/>
+                <a:cs typeface="Verdana" panose="020B0604030504040204" pitchFamily="34" charset="0"/>
+              </a:rPr>
+              <a:t>different</a:t>
+            </a:r>
+            <a:r>
+              <a:rPr lang="fr-FR" sz="1400" dirty="0" smtClean="0">
+                <a:latin typeface="Verdana" panose="020B0604030504040204" pitchFamily="34" charset="0"/>
+                <a:ea typeface="Verdana" panose="020B0604030504040204" pitchFamily="34" charset="0"/>
+                <a:cs typeface="Verdana" panose="020B0604030504040204" pitchFamily="34" charset="0"/>
+              </a:rPr>
+              <a:t> API routes </a:t>
+            </a:r>
+            <a:r>
+              <a:rPr lang="fr-FR" sz="1400" dirty="0" err="1" smtClean="0">
+                <a:latin typeface="Verdana" panose="020B0604030504040204" pitchFamily="34" charset="0"/>
+                <a:ea typeface="Verdana" panose="020B0604030504040204" pitchFamily="34" charset="0"/>
+                <a:cs typeface="Verdana" panose="020B0604030504040204" pitchFamily="34" charset="0"/>
+              </a:rPr>
+              <a:t>work</a:t>
+            </a:r>
+            <a:r>
+              <a:rPr lang="fr-FR" sz="1400" dirty="0" smtClean="0">
+                <a:latin typeface="Verdana" panose="020B0604030504040204" pitchFamily="34" charset="0"/>
+                <a:ea typeface="Verdana" panose="020B0604030504040204" pitchFamily="34" charset="0"/>
+                <a:cs typeface="Verdana" panose="020B0604030504040204" pitchFamily="34" charset="0"/>
+              </a:rPr>
+              <a:t>, the server application uses the Express </a:t>
+            </a:r>
+            <a:r>
+              <a:rPr lang="fr-FR" sz="1400" dirty="0" err="1" smtClean="0">
+                <a:latin typeface="Verdana" panose="020B0604030504040204" pitchFamily="34" charset="0"/>
+                <a:ea typeface="Verdana" panose="020B0604030504040204" pitchFamily="34" charset="0"/>
+                <a:cs typeface="Verdana" panose="020B0604030504040204" pitchFamily="34" charset="0"/>
+              </a:rPr>
+              <a:t>NodeJS</a:t>
+            </a:r>
+            <a:r>
+              <a:rPr lang="fr-FR" sz="1400" dirty="0" smtClean="0">
+                <a:latin typeface="Verdana" panose="020B0604030504040204" pitchFamily="34" charset="0"/>
+                <a:ea typeface="Verdana" panose="020B0604030504040204" pitchFamily="34" charset="0"/>
+                <a:cs typeface="Verdana" panose="020B0604030504040204" pitchFamily="34" charset="0"/>
+              </a:rPr>
+              <a:t> </a:t>
+            </a:r>
+            <a:r>
+              <a:rPr lang="fr-FR" sz="1400" dirty="0" err="1" smtClean="0">
+                <a:latin typeface="Verdana" panose="020B0604030504040204" pitchFamily="34" charset="0"/>
+                <a:ea typeface="Verdana" panose="020B0604030504040204" pitchFamily="34" charset="0"/>
+                <a:cs typeface="Verdana" panose="020B0604030504040204" pitchFamily="34" charset="0"/>
+              </a:rPr>
+              <a:t>framework</a:t>
+            </a:r>
+            <a:r>
+              <a:rPr lang="fr-FR" sz="1400" dirty="0" smtClean="0">
+                <a:latin typeface="Verdana" panose="020B0604030504040204" pitchFamily="34" charset="0"/>
+                <a:ea typeface="Verdana" panose="020B0604030504040204" pitchFamily="34" charset="0"/>
+                <a:cs typeface="Verdana" panose="020B0604030504040204" pitchFamily="34" charset="0"/>
+              </a:rPr>
+              <a:t>.</a:t>
+            </a:r>
+            <a:endParaRPr lang="fr-FR" sz="1400" dirty="0">
+              <a:latin typeface="Verdana" panose="020B0604030504040204" pitchFamily="34" charset="0"/>
+              <a:ea typeface="Verdana" panose="020B0604030504040204" pitchFamily="34" charset="0"/>
+              <a:cs typeface="Verdana" panose="020B0604030504040204" pitchFamily="34" charset="0"/>
+            </a:endParaRPr>
+          </a:p>
+        </p:txBody>
+      </p:sp>
+      <p:pic>
+        <p:nvPicPr>
+          <p:cNvPr id="7" name="Image 6"/>
+          <p:cNvPicPr>
+            <a:picLocks noChangeAspect="1"/>
+          </p:cNvPicPr>
+          <p:nvPr/>
+        </p:nvPicPr>
+        <p:blipFill>
+          <a:blip r:embed="rId5">
+            <a:extLst>
+              <a:ext uri="{28A0092B-C50C-407E-A947-70E740481C1C}">
+                <a14:useLocalDpi xmlns:a14="http://schemas.microsoft.com/office/drawing/2010/main" val="0"/>
+              </a:ext>
+            </a:extLst>
+          </a:blip>
+          <a:stretch>
+            <a:fillRect/>
+          </a:stretch>
+        </p:blipFill>
+        <p:spPr>
+          <a:xfrm>
+            <a:off x="4875256" y="2512975"/>
+            <a:ext cx="1946356" cy="590185"/>
+          </a:xfrm>
+          <a:prstGeom prst="rect">
+            <a:avLst/>
+          </a:prstGeom>
+        </p:spPr>
+      </p:pic>
+      <p:sp>
+        <p:nvSpPr>
+          <p:cNvPr id="20" name="ZoneTexte 19"/>
+          <p:cNvSpPr txBox="1"/>
+          <p:nvPr/>
+        </p:nvSpPr>
+        <p:spPr>
+          <a:xfrm>
+            <a:off x="4738788" y="3039418"/>
+            <a:ext cx="2210481" cy="584775"/>
+          </a:xfrm>
+          <a:prstGeom prst="rect">
+            <a:avLst/>
+          </a:prstGeom>
+          <a:noFill/>
+        </p:spPr>
+        <p:txBody>
+          <a:bodyPr wrap="square" rtlCol="0">
+            <a:spAutoFit/>
+          </a:bodyPr>
+          <a:lstStyle/>
+          <a:p>
+            <a:pPr algn="ctr"/>
+            <a:r>
+              <a:rPr lang="fr-FR" sz="1600" dirty="0" smtClean="0">
+                <a:latin typeface="Verdana" panose="020B0604030504040204" pitchFamily="34" charset="0"/>
+                <a:ea typeface="Verdana" panose="020B0604030504040204" pitchFamily="34" charset="0"/>
+                <a:cs typeface="Verdana" panose="020B0604030504040204" pitchFamily="34" charset="0"/>
+              </a:rPr>
+              <a:t>Web </a:t>
+            </a:r>
+            <a:r>
+              <a:rPr lang="fr-FR" sz="1600" dirty="0" err="1" smtClean="0">
+                <a:latin typeface="Verdana" panose="020B0604030504040204" pitchFamily="34" charset="0"/>
+                <a:ea typeface="Verdana" panose="020B0604030504040204" pitchFamily="34" charset="0"/>
+                <a:cs typeface="Verdana" panose="020B0604030504040204" pitchFamily="34" charset="0"/>
+              </a:rPr>
+              <a:t>framework</a:t>
+            </a:r>
+            <a:r>
+              <a:rPr lang="fr-FR" sz="1600" dirty="0" smtClean="0">
+                <a:latin typeface="Verdana" panose="020B0604030504040204" pitchFamily="34" charset="0"/>
+                <a:ea typeface="Verdana" panose="020B0604030504040204" pitchFamily="34" charset="0"/>
+                <a:cs typeface="Verdana" panose="020B0604030504040204" pitchFamily="34" charset="0"/>
+              </a:rPr>
+              <a:t> for </a:t>
+            </a:r>
+            <a:r>
+              <a:rPr lang="fr-FR" sz="1600" dirty="0" err="1" smtClean="0">
+                <a:latin typeface="Verdana" panose="020B0604030504040204" pitchFamily="34" charset="0"/>
+                <a:ea typeface="Verdana" panose="020B0604030504040204" pitchFamily="34" charset="0"/>
+                <a:cs typeface="Verdana" panose="020B0604030504040204" pitchFamily="34" charset="0"/>
+              </a:rPr>
+              <a:t>NodeJS</a:t>
+            </a:r>
+            <a:endParaRPr lang="fr-FR" sz="1600" dirty="0">
+              <a:latin typeface="Verdana" panose="020B0604030504040204" pitchFamily="34" charset="0"/>
+              <a:ea typeface="Verdana" panose="020B0604030504040204" pitchFamily="34" charset="0"/>
+              <a:cs typeface="Verdana" panose="020B0604030504040204" pitchFamily="34" charset="0"/>
+            </a:endParaRPr>
+          </a:p>
+        </p:txBody>
+      </p:sp>
+      <p:pic>
+        <p:nvPicPr>
+          <p:cNvPr id="21" name="Image 20"/>
+          <p:cNvPicPr>
+            <a:picLocks noChangeAspect="1"/>
+          </p:cNvPicPr>
+          <p:nvPr/>
+        </p:nvPicPr>
+        <p:blipFill>
+          <a:blip r:embed="rId6">
+            <a:extLst>
+              <a:ext uri="{28A0092B-C50C-407E-A947-70E740481C1C}">
+                <a14:useLocalDpi xmlns:a14="http://schemas.microsoft.com/office/drawing/2010/main" val="0"/>
+              </a:ext>
+            </a:extLst>
+          </a:blip>
+          <a:stretch>
+            <a:fillRect/>
+          </a:stretch>
+        </p:blipFill>
+        <p:spPr>
+          <a:xfrm>
+            <a:off x="1303443" y="4605435"/>
+            <a:ext cx="1114882" cy="1114882"/>
+          </a:xfrm>
+          <a:prstGeom prst="rect">
+            <a:avLst/>
+          </a:prstGeom>
+        </p:spPr>
+      </p:pic>
+      <p:sp>
+        <p:nvSpPr>
+          <p:cNvPr id="22" name="ZoneTexte 21"/>
+          <p:cNvSpPr txBox="1"/>
+          <p:nvPr/>
+        </p:nvSpPr>
+        <p:spPr>
+          <a:xfrm>
+            <a:off x="670761" y="5720317"/>
+            <a:ext cx="2323070" cy="338554"/>
+          </a:xfrm>
+          <a:prstGeom prst="rect">
+            <a:avLst/>
+          </a:prstGeom>
+          <a:noFill/>
+        </p:spPr>
+        <p:txBody>
+          <a:bodyPr wrap="square" rtlCol="0">
+            <a:spAutoFit/>
+          </a:bodyPr>
+          <a:lstStyle/>
+          <a:p>
+            <a:pPr algn="ctr"/>
+            <a:r>
+              <a:rPr lang="fr-FR" sz="1600" dirty="0" err="1" smtClean="0">
+                <a:latin typeface="Verdana" panose="020B0604030504040204" pitchFamily="34" charset="0"/>
+                <a:ea typeface="Verdana" panose="020B0604030504040204" pitchFamily="34" charset="0"/>
+                <a:cs typeface="Verdana" panose="020B0604030504040204" pitchFamily="34" charset="0"/>
+              </a:rPr>
+              <a:t>SQLite</a:t>
+            </a:r>
+            <a:endParaRPr lang="fr-FR" sz="1600" dirty="0">
+              <a:latin typeface="Verdana" panose="020B0604030504040204" pitchFamily="34" charset="0"/>
+              <a:ea typeface="Verdana" panose="020B0604030504040204" pitchFamily="34" charset="0"/>
+              <a:cs typeface="Verdana" panose="020B0604030504040204" pitchFamily="34" charset="0"/>
+            </a:endParaRPr>
+          </a:p>
+        </p:txBody>
+      </p:sp>
+      <p:cxnSp>
+        <p:nvCxnSpPr>
+          <p:cNvPr id="23" name="Connecteur droit avec flèche 22"/>
+          <p:cNvCxnSpPr/>
+          <p:nvPr/>
+        </p:nvCxnSpPr>
+        <p:spPr>
+          <a:xfrm>
+            <a:off x="1832296" y="3790865"/>
+            <a:ext cx="0" cy="629279"/>
+          </a:xfrm>
+          <a:prstGeom prst="straightConnector1">
+            <a:avLst/>
+          </a:prstGeom>
+          <a:ln>
+            <a:tailEnd type="triangle"/>
+          </a:ln>
+        </p:spPr>
+        <p:style>
+          <a:lnRef idx="3">
+            <a:schemeClr val="accent2"/>
+          </a:lnRef>
+          <a:fillRef idx="0">
+            <a:schemeClr val="accent2"/>
+          </a:fillRef>
+          <a:effectRef idx="2">
+            <a:schemeClr val="accent2"/>
+          </a:effectRef>
+          <a:fontRef idx="minor">
+            <a:schemeClr val="tx1"/>
+          </a:fontRef>
+        </p:style>
+      </p:cxnSp>
+      <p:cxnSp>
+        <p:nvCxnSpPr>
+          <p:cNvPr id="24" name="Connecteur droit avec flèche 23"/>
+          <p:cNvCxnSpPr/>
+          <p:nvPr/>
+        </p:nvCxnSpPr>
+        <p:spPr>
+          <a:xfrm flipH="1">
+            <a:off x="6904832" y="1326123"/>
+            <a:ext cx="1644165" cy="0"/>
+          </a:xfrm>
+          <a:prstGeom prst="straightConnector1">
+            <a:avLst/>
+          </a:prstGeom>
+          <a:ln>
+            <a:tailEnd type="triangle"/>
+          </a:ln>
+        </p:spPr>
+        <p:style>
+          <a:lnRef idx="3">
+            <a:schemeClr val="accent2"/>
+          </a:lnRef>
+          <a:fillRef idx="0">
+            <a:schemeClr val="accent2"/>
+          </a:fillRef>
+          <a:effectRef idx="2">
+            <a:schemeClr val="accent2"/>
+          </a:effectRef>
+          <a:fontRef idx="minor">
+            <a:schemeClr val="tx1"/>
+          </a:fontRef>
+        </p:style>
+      </p:cxnSp>
+      <p:cxnSp>
+        <p:nvCxnSpPr>
+          <p:cNvPr id="30" name="Connecteur droit avec flèche 29"/>
+          <p:cNvCxnSpPr/>
+          <p:nvPr/>
+        </p:nvCxnSpPr>
+        <p:spPr>
+          <a:xfrm>
+            <a:off x="3063200" y="2813063"/>
+            <a:ext cx="1615174" cy="0"/>
+          </a:xfrm>
+          <a:prstGeom prst="straightConnector1">
+            <a:avLst/>
+          </a:prstGeom>
+          <a:ln>
+            <a:tailEnd type="triangle"/>
+          </a:ln>
+        </p:spPr>
+        <p:style>
+          <a:lnRef idx="3">
+            <a:schemeClr val="accent2"/>
+          </a:lnRef>
+          <a:fillRef idx="0">
+            <a:schemeClr val="accent2"/>
+          </a:fillRef>
+          <a:effectRef idx="2">
+            <a:schemeClr val="accent2"/>
+          </a:effectRef>
+          <a:fontRef idx="minor">
+            <a:schemeClr val="tx1"/>
+          </a:fontRef>
+        </p:style>
+      </p:cxnSp>
+      <p:cxnSp>
+        <p:nvCxnSpPr>
+          <p:cNvPr id="31" name="Connecteur droit avec flèche 30"/>
+          <p:cNvCxnSpPr/>
+          <p:nvPr/>
+        </p:nvCxnSpPr>
+        <p:spPr>
+          <a:xfrm flipH="1">
+            <a:off x="6908948" y="2780101"/>
+            <a:ext cx="1644165" cy="0"/>
+          </a:xfrm>
+          <a:prstGeom prst="straightConnector1">
+            <a:avLst/>
+          </a:prstGeom>
+          <a:ln>
+            <a:tailEnd type="triangle"/>
+          </a:ln>
+        </p:spPr>
+        <p:style>
+          <a:lnRef idx="3">
+            <a:schemeClr val="accent2"/>
+          </a:lnRef>
+          <a:fillRef idx="0">
+            <a:schemeClr val="accent2"/>
+          </a:fillRef>
+          <a:effectRef idx="2">
+            <a:schemeClr val="accent2"/>
+          </a:effectRef>
+          <a:fontRef idx="minor">
+            <a:schemeClr val="tx1"/>
+          </a:fontRef>
+        </p:style>
+      </p:cxnSp>
+      <p:sp>
+        <p:nvSpPr>
+          <p:cNvPr id="32" name="ZoneTexte 31"/>
+          <p:cNvSpPr txBox="1"/>
+          <p:nvPr/>
+        </p:nvSpPr>
+        <p:spPr>
+          <a:xfrm>
+            <a:off x="1" y="6556746"/>
+            <a:ext cx="12191999" cy="307777"/>
+          </a:xfrm>
+          <a:prstGeom prst="rect">
+            <a:avLst/>
+          </a:prstGeom>
+          <a:solidFill>
+            <a:schemeClr val="accent1">
+              <a:lumMod val="20000"/>
+              <a:lumOff val="80000"/>
+            </a:schemeClr>
+          </a:solidFill>
+        </p:spPr>
+        <p:txBody>
+          <a:bodyPr wrap="square" rtlCol="0">
+            <a:spAutoFit/>
+          </a:bodyPr>
+          <a:lstStyle/>
+          <a:p>
+            <a:pPr algn="r"/>
+            <a:r>
+              <a:rPr lang="en-US" sz="1400" dirty="0" smtClean="0">
+                <a:latin typeface="Verdana" panose="020B0604030504040204" pitchFamily="34" charset="0"/>
+                <a:ea typeface="Verdana" panose="020B0604030504040204" pitchFamily="34" charset="0"/>
+                <a:cs typeface="Verdana" panose="020B0604030504040204" pitchFamily="34" charset="0"/>
+              </a:rPr>
+              <a:t>4/5</a:t>
+            </a:r>
+            <a:endParaRPr lang="fr-FR" sz="1400" dirty="0">
+              <a:latin typeface="Verdana" panose="020B0604030504040204" pitchFamily="34" charset="0"/>
+              <a:ea typeface="Verdana" panose="020B0604030504040204" pitchFamily="34" charset="0"/>
+              <a:cs typeface="Verdana" panose="020B0604030504040204" pitchFamily="34" charset="0"/>
+            </a:endParaRPr>
+          </a:p>
+        </p:txBody>
+      </p:sp>
+    </p:spTree>
+    <p:extLst>
+      <p:ext uri="{BB962C8B-B14F-4D97-AF65-F5344CB8AC3E}">
+        <p14:creationId xmlns:p14="http://schemas.microsoft.com/office/powerpoint/2010/main" val="3619318745"/>
+      </p:ext>
+    </p:extLst>
+  </p:cSld>
+  <p:clrMapOvr>
+    <a:masterClrMapping/>
+  </p:clrMapOvr>
+  <p:timing>
+    <p:tnLst>
+      <p:par>
+        <p:cTn id="1" dur="indefinite" restart="never" nodeType="tmRoot"/>
+      </p:par>
+    </p:tnLst>
+  </p:timing>
+</p:sld>
+</file>
+
+<file path=ppt/slides/slide5.xml><?xml version="1.0" encoding="utf-8"?>
+<p:sld xmlns:a="http://schemas.openxmlformats.org/drawingml/2006/main" xmlns:r="http://schemas.openxmlformats.org/officeDocument/2006/relationships" xmlns:p="http://schemas.openxmlformats.org/presentationml/2006/main">
+  <p:cSld>
+    <p:spTree>
+      <p:nvGrpSpPr>
+        <p:cNvPr id="1" name=""/>
+        <p:cNvGrpSpPr/>
+        <p:nvPr/>
+      </p:nvGrpSpPr>
+      <p:grpSpPr>
+        <a:xfrm>
+          <a:off x="0" y="0"/>
+          <a:ext cx="0" cy="0"/>
+          <a:chOff x="0" y="0"/>
+          <a:chExt cx="0" cy="0"/>
+        </a:xfrm>
+      </p:grpSpPr>
+      <p:sp>
+        <p:nvSpPr>
+          <p:cNvPr id="9" name="ZoneTexte 8"/>
+          <p:cNvSpPr txBox="1"/>
+          <p:nvPr/>
+        </p:nvSpPr>
+        <p:spPr>
+          <a:xfrm>
+            <a:off x="0" y="123568"/>
+            <a:ext cx="12191999" cy="400110"/>
+          </a:xfrm>
+          <a:prstGeom prst="rect">
+            <a:avLst/>
+          </a:prstGeom>
+          <a:solidFill>
+            <a:schemeClr val="accent1">
+              <a:lumMod val="20000"/>
+              <a:lumOff val="80000"/>
+            </a:schemeClr>
+          </a:solidFill>
+        </p:spPr>
+        <p:txBody>
+          <a:bodyPr wrap="square" rtlCol="0">
+            <a:spAutoFit/>
+          </a:bodyPr>
+          <a:lstStyle/>
+          <a:p>
+            <a:pPr algn="ctr"/>
+            <a:r>
+              <a:rPr lang="en-US" sz="2000" dirty="0" smtClean="0"/>
+              <a:t>Technologies used</a:t>
+            </a:r>
+            <a:endParaRPr lang="fr-FR" sz="2000" dirty="0"/>
+          </a:p>
+        </p:txBody>
+      </p:sp>
+      <p:sp>
+        <p:nvSpPr>
+          <p:cNvPr id="19" name="ZoneTexte 18"/>
+          <p:cNvSpPr txBox="1"/>
+          <p:nvPr/>
+        </p:nvSpPr>
+        <p:spPr>
+          <a:xfrm>
+            <a:off x="1097628" y="736424"/>
+            <a:ext cx="2111882" cy="338554"/>
+          </a:xfrm>
+          <a:prstGeom prst="rect">
+            <a:avLst/>
+          </a:prstGeom>
+          <a:noFill/>
+        </p:spPr>
+        <p:txBody>
+          <a:bodyPr wrap="square" rtlCol="0">
+            <a:spAutoFit/>
+          </a:bodyPr>
+          <a:lstStyle/>
+          <a:p>
+            <a:r>
+              <a:rPr lang="fr-FR" sz="1600" u="sng" dirty="0" err="1" smtClean="0">
+                <a:latin typeface="Verdana" panose="020B0604030504040204" pitchFamily="34" charset="0"/>
+                <a:ea typeface="Verdana" panose="020B0604030504040204" pitchFamily="34" charset="0"/>
+                <a:cs typeface="Verdana" panose="020B0604030504040204" pitchFamily="34" charset="0"/>
+              </a:rPr>
+              <a:t>Languages</a:t>
+            </a:r>
+            <a:r>
+              <a:rPr lang="fr-FR" sz="1600" u="sng" dirty="0" smtClean="0">
+                <a:latin typeface="Verdana" panose="020B0604030504040204" pitchFamily="34" charset="0"/>
+                <a:ea typeface="Verdana" panose="020B0604030504040204" pitchFamily="34" charset="0"/>
+                <a:cs typeface="Verdana" panose="020B0604030504040204" pitchFamily="34" charset="0"/>
+              </a:rPr>
+              <a:t>:</a:t>
+            </a:r>
+            <a:endParaRPr lang="fr-FR" sz="1600" u="sng" dirty="0">
+              <a:latin typeface="Verdana" panose="020B0604030504040204" pitchFamily="34" charset="0"/>
+              <a:ea typeface="Verdana" panose="020B0604030504040204" pitchFamily="34" charset="0"/>
+              <a:cs typeface="Verdana" panose="020B0604030504040204" pitchFamily="34" charset="0"/>
+            </a:endParaRPr>
+          </a:p>
+        </p:txBody>
+      </p:sp>
+      <p:sp>
+        <p:nvSpPr>
+          <p:cNvPr id="26" name="ZoneTexte 25"/>
+          <p:cNvSpPr txBox="1"/>
+          <p:nvPr/>
+        </p:nvSpPr>
+        <p:spPr>
+          <a:xfrm>
+            <a:off x="1097628" y="3012290"/>
+            <a:ext cx="2111882" cy="338554"/>
+          </a:xfrm>
+          <a:prstGeom prst="rect">
+            <a:avLst/>
+          </a:prstGeom>
+          <a:noFill/>
+        </p:spPr>
+        <p:txBody>
+          <a:bodyPr wrap="square" rtlCol="0">
+            <a:spAutoFit/>
+          </a:bodyPr>
+          <a:lstStyle/>
+          <a:p>
+            <a:r>
+              <a:rPr lang="fr-FR" sz="1600" u="sng" dirty="0" err="1" smtClean="0">
+                <a:latin typeface="Verdana" panose="020B0604030504040204" pitchFamily="34" charset="0"/>
+                <a:ea typeface="Verdana" panose="020B0604030504040204" pitchFamily="34" charset="0"/>
+                <a:cs typeface="Verdana" panose="020B0604030504040204" pitchFamily="34" charset="0"/>
+              </a:rPr>
+              <a:t>Databases</a:t>
+            </a:r>
+            <a:r>
+              <a:rPr lang="fr-FR" sz="1600" u="sng" dirty="0" smtClean="0">
+                <a:latin typeface="Verdana" panose="020B0604030504040204" pitchFamily="34" charset="0"/>
+                <a:ea typeface="Verdana" panose="020B0604030504040204" pitchFamily="34" charset="0"/>
+                <a:cs typeface="Verdana" panose="020B0604030504040204" pitchFamily="34" charset="0"/>
+              </a:rPr>
+              <a:t>:</a:t>
+            </a:r>
+            <a:endParaRPr lang="fr-FR" sz="1600" u="sng" dirty="0">
+              <a:latin typeface="Verdana" panose="020B0604030504040204" pitchFamily="34" charset="0"/>
+              <a:ea typeface="Verdana" panose="020B0604030504040204" pitchFamily="34" charset="0"/>
+              <a:cs typeface="Verdana" panose="020B0604030504040204" pitchFamily="34" charset="0"/>
+            </a:endParaRPr>
+          </a:p>
+        </p:txBody>
+      </p:sp>
+      <p:sp>
+        <p:nvSpPr>
+          <p:cNvPr id="27" name="ZoneTexte 26"/>
+          <p:cNvSpPr txBox="1"/>
+          <p:nvPr/>
+        </p:nvSpPr>
+        <p:spPr>
+          <a:xfrm>
+            <a:off x="1744298" y="1191564"/>
+            <a:ext cx="2111882" cy="338554"/>
+          </a:xfrm>
+          <a:prstGeom prst="rect">
+            <a:avLst/>
+          </a:prstGeom>
+          <a:noFill/>
+        </p:spPr>
+        <p:txBody>
+          <a:bodyPr wrap="square" rtlCol="0">
+            <a:spAutoFit/>
+          </a:bodyPr>
+          <a:lstStyle/>
+          <a:p>
+            <a:r>
+              <a:rPr lang="fr-FR" sz="1600" dirty="0" smtClean="0">
+                <a:latin typeface="Verdana" panose="020B0604030504040204" pitchFamily="34" charset="0"/>
+                <a:ea typeface="Verdana" panose="020B0604030504040204" pitchFamily="34" charset="0"/>
+                <a:cs typeface="Verdana" panose="020B0604030504040204" pitchFamily="34" charset="0"/>
+              </a:rPr>
+              <a:t>JavaScript</a:t>
+            </a:r>
+            <a:endParaRPr lang="fr-FR" sz="1600" dirty="0">
+              <a:latin typeface="Verdana" panose="020B0604030504040204" pitchFamily="34" charset="0"/>
+              <a:ea typeface="Verdana" panose="020B0604030504040204" pitchFamily="34" charset="0"/>
+              <a:cs typeface="Verdana" panose="020B0604030504040204" pitchFamily="34" charset="0"/>
+            </a:endParaRPr>
+          </a:p>
+        </p:txBody>
+      </p:sp>
+      <p:sp>
+        <p:nvSpPr>
+          <p:cNvPr id="28" name="ZoneTexte 27"/>
+          <p:cNvSpPr txBox="1"/>
+          <p:nvPr/>
+        </p:nvSpPr>
+        <p:spPr>
+          <a:xfrm>
+            <a:off x="1744298" y="3441856"/>
+            <a:ext cx="2111882" cy="338554"/>
+          </a:xfrm>
+          <a:prstGeom prst="rect">
+            <a:avLst/>
+          </a:prstGeom>
+          <a:noFill/>
+        </p:spPr>
+        <p:txBody>
+          <a:bodyPr wrap="square" rtlCol="0">
+            <a:spAutoFit/>
+          </a:bodyPr>
+          <a:lstStyle/>
+          <a:p>
+            <a:r>
+              <a:rPr lang="fr-FR" sz="1600" dirty="0" err="1" smtClean="0">
+                <a:latin typeface="Verdana" panose="020B0604030504040204" pitchFamily="34" charset="0"/>
+                <a:ea typeface="Verdana" panose="020B0604030504040204" pitchFamily="34" charset="0"/>
+                <a:cs typeface="Verdana" panose="020B0604030504040204" pitchFamily="34" charset="0"/>
+              </a:rPr>
+              <a:t>SQLite</a:t>
+            </a:r>
+            <a:endParaRPr lang="fr-FR" sz="1600" dirty="0">
+              <a:latin typeface="Verdana" panose="020B0604030504040204" pitchFamily="34" charset="0"/>
+              <a:ea typeface="Verdana" panose="020B0604030504040204" pitchFamily="34" charset="0"/>
+              <a:cs typeface="Verdana" panose="020B0604030504040204" pitchFamily="34" charset="0"/>
+            </a:endParaRPr>
+          </a:p>
+        </p:txBody>
+      </p:sp>
+      <p:sp>
+        <p:nvSpPr>
+          <p:cNvPr id="29" name="ZoneTexte 28"/>
+          <p:cNvSpPr txBox="1"/>
+          <p:nvPr/>
+        </p:nvSpPr>
+        <p:spPr>
+          <a:xfrm>
+            <a:off x="1744298" y="3874680"/>
+            <a:ext cx="2111882" cy="338554"/>
+          </a:xfrm>
+          <a:prstGeom prst="rect">
+            <a:avLst/>
+          </a:prstGeom>
+          <a:noFill/>
+        </p:spPr>
+        <p:txBody>
+          <a:bodyPr wrap="square" rtlCol="0">
+            <a:spAutoFit/>
+          </a:bodyPr>
+          <a:lstStyle/>
+          <a:p>
+            <a:r>
+              <a:rPr lang="fr-FR" sz="1600" dirty="0" err="1" smtClean="0">
+                <a:latin typeface="Verdana" panose="020B0604030504040204" pitchFamily="34" charset="0"/>
+                <a:ea typeface="Verdana" panose="020B0604030504040204" pitchFamily="34" charset="0"/>
+                <a:cs typeface="Verdana" panose="020B0604030504040204" pitchFamily="34" charset="0"/>
+              </a:rPr>
+              <a:t>IndexedDB</a:t>
+            </a:r>
+            <a:endParaRPr lang="fr-FR" sz="1600" dirty="0">
+              <a:latin typeface="Verdana" panose="020B0604030504040204" pitchFamily="34" charset="0"/>
+              <a:ea typeface="Verdana" panose="020B0604030504040204" pitchFamily="34" charset="0"/>
+              <a:cs typeface="Verdana" panose="020B0604030504040204" pitchFamily="34" charset="0"/>
+            </a:endParaRPr>
+          </a:p>
+        </p:txBody>
+      </p:sp>
+      <p:sp>
+        <p:nvSpPr>
+          <p:cNvPr id="36" name="ZoneTexte 35"/>
+          <p:cNvSpPr txBox="1"/>
+          <p:nvPr/>
+        </p:nvSpPr>
+        <p:spPr>
+          <a:xfrm>
+            <a:off x="1097628" y="2119345"/>
+            <a:ext cx="2111882" cy="338554"/>
+          </a:xfrm>
+          <a:prstGeom prst="rect">
+            <a:avLst/>
+          </a:prstGeom>
+          <a:noFill/>
+        </p:spPr>
+        <p:txBody>
+          <a:bodyPr wrap="square" rtlCol="0">
+            <a:spAutoFit/>
+          </a:bodyPr>
+          <a:lstStyle/>
+          <a:p>
+            <a:r>
+              <a:rPr lang="fr-FR" sz="1600" u="sng" dirty="0" err="1" smtClean="0">
+                <a:latin typeface="Verdana" panose="020B0604030504040204" pitchFamily="34" charset="0"/>
+                <a:ea typeface="Verdana" panose="020B0604030504040204" pitchFamily="34" charset="0"/>
+                <a:cs typeface="Verdana" panose="020B0604030504040204" pitchFamily="34" charset="0"/>
+              </a:rPr>
+              <a:t>Environement</a:t>
+            </a:r>
+            <a:r>
+              <a:rPr lang="fr-FR" sz="1600" u="sng" dirty="0" smtClean="0">
+                <a:latin typeface="Verdana" panose="020B0604030504040204" pitchFamily="34" charset="0"/>
+                <a:ea typeface="Verdana" panose="020B0604030504040204" pitchFamily="34" charset="0"/>
+                <a:cs typeface="Verdana" panose="020B0604030504040204" pitchFamily="34" charset="0"/>
+              </a:rPr>
+              <a:t>:</a:t>
+            </a:r>
+            <a:endParaRPr lang="fr-FR" sz="1600" u="sng" dirty="0">
+              <a:latin typeface="Verdana" panose="020B0604030504040204" pitchFamily="34" charset="0"/>
+              <a:ea typeface="Verdana" panose="020B0604030504040204" pitchFamily="34" charset="0"/>
+              <a:cs typeface="Verdana" panose="020B0604030504040204" pitchFamily="34" charset="0"/>
+            </a:endParaRPr>
+          </a:p>
+        </p:txBody>
+      </p:sp>
+      <p:sp>
+        <p:nvSpPr>
+          <p:cNvPr id="37" name="ZoneTexte 36"/>
+          <p:cNvSpPr txBox="1"/>
+          <p:nvPr/>
+        </p:nvSpPr>
+        <p:spPr>
+          <a:xfrm>
+            <a:off x="1744298" y="2548911"/>
+            <a:ext cx="2111882" cy="338554"/>
+          </a:xfrm>
+          <a:prstGeom prst="rect">
+            <a:avLst/>
+          </a:prstGeom>
+          <a:noFill/>
+        </p:spPr>
+        <p:txBody>
+          <a:bodyPr wrap="square" rtlCol="0">
+            <a:spAutoFit/>
+          </a:bodyPr>
+          <a:lstStyle/>
+          <a:p>
+            <a:r>
+              <a:rPr lang="fr-FR" sz="1600" dirty="0" err="1" smtClean="0">
+                <a:latin typeface="Verdana" panose="020B0604030504040204" pitchFamily="34" charset="0"/>
+                <a:ea typeface="Verdana" panose="020B0604030504040204" pitchFamily="34" charset="0"/>
+                <a:cs typeface="Verdana" panose="020B0604030504040204" pitchFamily="34" charset="0"/>
+              </a:rPr>
+              <a:t>NodeJS</a:t>
+            </a:r>
+            <a:endParaRPr lang="fr-FR" sz="1600" dirty="0">
+              <a:latin typeface="Verdana" panose="020B0604030504040204" pitchFamily="34" charset="0"/>
+              <a:ea typeface="Verdana" panose="020B0604030504040204" pitchFamily="34" charset="0"/>
+              <a:cs typeface="Verdana" panose="020B0604030504040204" pitchFamily="34" charset="0"/>
+            </a:endParaRPr>
+          </a:p>
+        </p:txBody>
+      </p:sp>
+      <p:sp>
+        <p:nvSpPr>
+          <p:cNvPr id="38" name="ZoneTexte 37"/>
+          <p:cNvSpPr txBox="1"/>
+          <p:nvPr/>
+        </p:nvSpPr>
+        <p:spPr>
+          <a:xfrm>
+            <a:off x="1744298" y="1655966"/>
+            <a:ext cx="2111882" cy="338554"/>
+          </a:xfrm>
+          <a:prstGeom prst="rect">
+            <a:avLst/>
+          </a:prstGeom>
+          <a:noFill/>
+        </p:spPr>
+        <p:txBody>
+          <a:bodyPr wrap="square" rtlCol="0">
+            <a:spAutoFit/>
+          </a:bodyPr>
+          <a:lstStyle/>
+          <a:p>
+            <a:r>
+              <a:rPr lang="fr-FR" sz="1600" dirty="0" smtClean="0">
+                <a:latin typeface="Verdana" panose="020B0604030504040204" pitchFamily="34" charset="0"/>
+                <a:ea typeface="Verdana" panose="020B0604030504040204" pitchFamily="34" charset="0"/>
+                <a:cs typeface="Verdana" panose="020B0604030504040204" pitchFamily="34" charset="0"/>
+              </a:rPr>
+              <a:t>HTML</a:t>
+            </a:r>
+            <a:endParaRPr lang="fr-FR" sz="1600" dirty="0">
+              <a:latin typeface="Verdana" panose="020B0604030504040204" pitchFamily="34" charset="0"/>
+              <a:ea typeface="Verdana" panose="020B0604030504040204" pitchFamily="34" charset="0"/>
+              <a:cs typeface="Verdana" panose="020B0604030504040204" pitchFamily="34" charset="0"/>
+            </a:endParaRPr>
+          </a:p>
+        </p:txBody>
+      </p:sp>
+      <p:sp>
+        <p:nvSpPr>
+          <p:cNvPr id="40" name="ZoneTexte 39"/>
+          <p:cNvSpPr txBox="1"/>
+          <p:nvPr/>
+        </p:nvSpPr>
+        <p:spPr>
+          <a:xfrm>
+            <a:off x="1097628" y="4307504"/>
+            <a:ext cx="2111882" cy="338554"/>
+          </a:xfrm>
+          <a:prstGeom prst="rect">
+            <a:avLst/>
+          </a:prstGeom>
+          <a:noFill/>
+        </p:spPr>
+        <p:txBody>
+          <a:bodyPr wrap="square" rtlCol="0">
+            <a:spAutoFit/>
+          </a:bodyPr>
+          <a:lstStyle/>
+          <a:p>
+            <a:r>
+              <a:rPr lang="fr-FR" sz="1600" u="sng" dirty="0" err="1" smtClean="0">
+                <a:latin typeface="Verdana" panose="020B0604030504040204" pitchFamily="34" charset="0"/>
+                <a:ea typeface="Verdana" panose="020B0604030504040204" pitchFamily="34" charset="0"/>
+                <a:cs typeface="Verdana" panose="020B0604030504040204" pitchFamily="34" charset="0"/>
+              </a:rPr>
+              <a:t>Wrapper</a:t>
+            </a:r>
+            <a:r>
+              <a:rPr lang="fr-FR" sz="1600" u="sng" dirty="0" smtClean="0">
+                <a:latin typeface="Verdana" panose="020B0604030504040204" pitchFamily="34" charset="0"/>
+                <a:ea typeface="Verdana" panose="020B0604030504040204" pitchFamily="34" charset="0"/>
+                <a:cs typeface="Verdana" panose="020B0604030504040204" pitchFamily="34" charset="0"/>
+              </a:rPr>
+              <a:t>:</a:t>
+            </a:r>
+            <a:endParaRPr lang="fr-FR" sz="1600" u="sng" dirty="0">
+              <a:latin typeface="Verdana" panose="020B0604030504040204" pitchFamily="34" charset="0"/>
+              <a:ea typeface="Verdana" panose="020B0604030504040204" pitchFamily="34" charset="0"/>
+              <a:cs typeface="Verdana" panose="020B0604030504040204" pitchFamily="34" charset="0"/>
+            </a:endParaRPr>
+          </a:p>
+        </p:txBody>
+      </p:sp>
+      <p:sp>
+        <p:nvSpPr>
+          <p:cNvPr id="41" name="ZoneTexte 40"/>
+          <p:cNvSpPr txBox="1"/>
+          <p:nvPr/>
+        </p:nvSpPr>
+        <p:spPr>
+          <a:xfrm>
+            <a:off x="1744298" y="4737070"/>
+            <a:ext cx="2111882" cy="338554"/>
+          </a:xfrm>
+          <a:prstGeom prst="rect">
+            <a:avLst/>
+          </a:prstGeom>
+          <a:noFill/>
+        </p:spPr>
+        <p:txBody>
+          <a:bodyPr wrap="square" rtlCol="0">
+            <a:spAutoFit/>
+          </a:bodyPr>
+          <a:lstStyle/>
+          <a:p>
+            <a:r>
+              <a:rPr lang="fr-FR" sz="1600" dirty="0" smtClean="0">
+                <a:latin typeface="Verdana" panose="020B0604030504040204" pitchFamily="34" charset="0"/>
+                <a:ea typeface="Verdana" panose="020B0604030504040204" pitchFamily="34" charset="0"/>
+                <a:cs typeface="Verdana" panose="020B0604030504040204" pitchFamily="34" charset="0"/>
+              </a:rPr>
+              <a:t>Dexie.js</a:t>
+            </a:r>
+            <a:endParaRPr lang="fr-FR" sz="1600" dirty="0">
+              <a:latin typeface="Verdana" panose="020B0604030504040204" pitchFamily="34" charset="0"/>
+              <a:ea typeface="Verdana" panose="020B0604030504040204" pitchFamily="34" charset="0"/>
+              <a:cs typeface="Verdana" panose="020B0604030504040204" pitchFamily="34" charset="0"/>
+            </a:endParaRPr>
+          </a:p>
+        </p:txBody>
+      </p:sp>
+      <p:sp>
+        <p:nvSpPr>
+          <p:cNvPr id="44" name="ZoneTexte 43"/>
+          <p:cNvSpPr txBox="1"/>
+          <p:nvPr/>
+        </p:nvSpPr>
+        <p:spPr>
+          <a:xfrm>
+            <a:off x="1097628" y="5173152"/>
+            <a:ext cx="2111882" cy="338554"/>
+          </a:xfrm>
+          <a:prstGeom prst="rect">
+            <a:avLst/>
+          </a:prstGeom>
+          <a:noFill/>
+        </p:spPr>
+        <p:txBody>
+          <a:bodyPr wrap="square" rtlCol="0">
+            <a:spAutoFit/>
+          </a:bodyPr>
+          <a:lstStyle/>
+          <a:p>
+            <a:r>
+              <a:rPr lang="fr-FR" sz="1600" u="sng" dirty="0" err="1" smtClean="0">
+                <a:latin typeface="Verdana" panose="020B0604030504040204" pitchFamily="34" charset="0"/>
+                <a:ea typeface="Verdana" panose="020B0604030504040204" pitchFamily="34" charset="0"/>
+                <a:cs typeface="Verdana" panose="020B0604030504040204" pitchFamily="34" charset="0"/>
+              </a:rPr>
+              <a:t>Frameworks</a:t>
+            </a:r>
+            <a:r>
+              <a:rPr lang="fr-FR" sz="1600" u="sng" dirty="0" smtClean="0">
+                <a:latin typeface="Verdana" panose="020B0604030504040204" pitchFamily="34" charset="0"/>
+                <a:ea typeface="Verdana" panose="020B0604030504040204" pitchFamily="34" charset="0"/>
+                <a:cs typeface="Verdana" panose="020B0604030504040204" pitchFamily="34" charset="0"/>
+              </a:rPr>
+              <a:t>:</a:t>
+            </a:r>
+            <a:endParaRPr lang="fr-FR" sz="1600" u="sng" dirty="0">
+              <a:latin typeface="Verdana" panose="020B0604030504040204" pitchFamily="34" charset="0"/>
+              <a:ea typeface="Verdana" panose="020B0604030504040204" pitchFamily="34" charset="0"/>
+              <a:cs typeface="Verdana" panose="020B0604030504040204" pitchFamily="34" charset="0"/>
+            </a:endParaRPr>
+          </a:p>
+        </p:txBody>
+      </p:sp>
+      <p:sp>
+        <p:nvSpPr>
+          <p:cNvPr id="45" name="ZoneTexte 44"/>
+          <p:cNvSpPr txBox="1"/>
+          <p:nvPr/>
+        </p:nvSpPr>
+        <p:spPr>
+          <a:xfrm>
+            <a:off x="1744298" y="5602718"/>
+            <a:ext cx="2111882" cy="338554"/>
+          </a:xfrm>
+          <a:prstGeom prst="rect">
+            <a:avLst/>
+          </a:prstGeom>
+          <a:noFill/>
+        </p:spPr>
+        <p:txBody>
+          <a:bodyPr wrap="square" rtlCol="0">
+            <a:spAutoFit/>
+          </a:bodyPr>
+          <a:lstStyle/>
+          <a:p>
+            <a:r>
+              <a:rPr lang="fr-FR" sz="1600" dirty="0" smtClean="0">
+                <a:latin typeface="Verdana" panose="020B0604030504040204" pitchFamily="34" charset="0"/>
+                <a:ea typeface="Verdana" panose="020B0604030504040204" pitchFamily="34" charset="0"/>
+                <a:cs typeface="Verdana" panose="020B0604030504040204" pitchFamily="34" charset="0"/>
+              </a:rPr>
+              <a:t>Vue.js</a:t>
+            </a:r>
+            <a:endParaRPr lang="fr-FR" sz="1600" dirty="0">
+              <a:latin typeface="Verdana" panose="020B0604030504040204" pitchFamily="34" charset="0"/>
+              <a:ea typeface="Verdana" panose="020B0604030504040204" pitchFamily="34" charset="0"/>
+              <a:cs typeface="Verdana" panose="020B0604030504040204" pitchFamily="34" charset="0"/>
+            </a:endParaRPr>
+          </a:p>
+        </p:txBody>
+      </p:sp>
+      <p:sp>
+        <p:nvSpPr>
+          <p:cNvPr id="46" name="ZoneTexte 45"/>
+          <p:cNvSpPr txBox="1"/>
+          <p:nvPr/>
+        </p:nvSpPr>
+        <p:spPr>
+          <a:xfrm>
+            <a:off x="1744298" y="6032284"/>
+            <a:ext cx="2111882" cy="338554"/>
+          </a:xfrm>
+          <a:prstGeom prst="rect">
+            <a:avLst/>
+          </a:prstGeom>
+          <a:noFill/>
+        </p:spPr>
+        <p:txBody>
+          <a:bodyPr wrap="square" rtlCol="0">
+            <a:spAutoFit/>
+          </a:bodyPr>
+          <a:lstStyle/>
+          <a:p>
+            <a:r>
+              <a:rPr lang="fr-FR" sz="1600" dirty="0" smtClean="0">
+                <a:latin typeface="Verdana" panose="020B0604030504040204" pitchFamily="34" charset="0"/>
+                <a:ea typeface="Verdana" panose="020B0604030504040204" pitchFamily="34" charset="0"/>
+                <a:cs typeface="Verdana" panose="020B0604030504040204" pitchFamily="34" charset="0"/>
+              </a:rPr>
+              <a:t>Express</a:t>
+            </a:r>
+            <a:endParaRPr lang="fr-FR" sz="1600" dirty="0">
+              <a:latin typeface="Verdana" panose="020B0604030504040204" pitchFamily="34" charset="0"/>
+              <a:ea typeface="Verdana" panose="020B0604030504040204" pitchFamily="34" charset="0"/>
+              <a:cs typeface="Verdana" panose="020B0604030504040204" pitchFamily="34" charset="0"/>
+            </a:endParaRPr>
+          </a:p>
+        </p:txBody>
+      </p:sp>
+      <p:sp>
+        <p:nvSpPr>
+          <p:cNvPr id="2" name="ZoneTexte 1"/>
+          <p:cNvSpPr txBox="1"/>
+          <p:nvPr/>
+        </p:nvSpPr>
+        <p:spPr>
+          <a:xfrm>
+            <a:off x="4258710" y="1160786"/>
+            <a:ext cx="5938732" cy="369332"/>
+          </a:xfrm>
+          <a:prstGeom prst="rect">
+            <a:avLst/>
+          </a:prstGeom>
+          <a:noFill/>
+        </p:spPr>
+        <p:txBody>
+          <a:bodyPr wrap="square" rtlCol="0">
+            <a:spAutoFit/>
+          </a:bodyPr>
+          <a:lstStyle/>
+          <a:p>
+            <a:r>
+              <a:rPr lang="fr-FR" dirty="0"/>
+              <a:t>https</a:t>
+            </a:r>
+            <a:r>
+              <a:rPr lang="fr-FR" dirty="0" smtClean="0"/>
+              <a:t>://en.wikipedia.org/wiki/JavaScript</a:t>
+            </a:r>
+            <a:endParaRPr lang="fr-FR" dirty="0"/>
+          </a:p>
+        </p:txBody>
+      </p:sp>
+      <p:sp>
+        <p:nvSpPr>
+          <p:cNvPr id="47" name="ZoneTexte 46"/>
+          <p:cNvSpPr txBox="1"/>
+          <p:nvPr/>
+        </p:nvSpPr>
+        <p:spPr>
+          <a:xfrm>
+            <a:off x="4258709" y="1619696"/>
+            <a:ext cx="5938732" cy="369332"/>
+          </a:xfrm>
+          <a:prstGeom prst="rect">
+            <a:avLst/>
+          </a:prstGeom>
+          <a:noFill/>
+        </p:spPr>
+        <p:txBody>
+          <a:bodyPr wrap="square" rtlCol="0">
+            <a:spAutoFit/>
+          </a:bodyPr>
+          <a:lstStyle/>
+          <a:p>
+            <a:r>
+              <a:rPr lang="fr-FR" dirty="0"/>
+              <a:t>https</a:t>
+            </a:r>
+            <a:r>
+              <a:rPr lang="fr-FR" dirty="0" smtClean="0"/>
+              <a:t>://en.wikipedia.org/wiki/Hypertext_Markup_Language</a:t>
+            </a:r>
+            <a:endParaRPr lang="fr-FR" dirty="0"/>
+          </a:p>
+        </p:txBody>
+      </p:sp>
+      <p:sp>
+        <p:nvSpPr>
+          <p:cNvPr id="48" name="ZoneTexte 47"/>
+          <p:cNvSpPr txBox="1"/>
+          <p:nvPr/>
+        </p:nvSpPr>
+        <p:spPr>
+          <a:xfrm>
+            <a:off x="4258709" y="2512864"/>
+            <a:ext cx="5938732" cy="369332"/>
+          </a:xfrm>
+          <a:prstGeom prst="rect">
+            <a:avLst/>
+          </a:prstGeom>
+          <a:noFill/>
+        </p:spPr>
+        <p:txBody>
+          <a:bodyPr wrap="square" rtlCol="0">
+            <a:spAutoFit/>
+          </a:bodyPr>
+          <a:lstStyle/>
+          <a:p>
+            <a:r>
+              <a:rPr lang="fr-FR" dirty="0"/>
+              <a:t>https://nodejs.org/en/</a:t>
+            </a:r>
+          </a:p>
+        </p:txBody>
+      </p:sp>
+      <p:sp>
+        <p:nvSpPr>
+          <p:cNvPr id="49" name="ZoneTexte 48"/>
+          <p:cNvSpPr txBox="1"/>
+          <p:nvPr/>
+        </p:nvSpPr>
+        <p:spPr>
+          <a:xfrm>
+            <a:off x="4258708" y="3423614"/>
+            <a:ext cx="5938732" cy="369332"/>
+          </a:xfrm>
+          <a:prstGeom prst="rect">
+            <a:avLst/>
+          </a:prstGeom>
+          <a:noFill/>
+        </p:spPr>
+        <p:txBody>
+          <a:bodyPr wrap="square" rtlCol="0">
+            <a:spAutoFit/>
+          </a:bodyPr>
+          <a:lstStyle/>
+          <a:p>
+            <a:r>
+              <a:rPr lang="fr-FR" dirty="0"/>
+              <a:t>https://www.sqlite.org/</a:t>
+            </a:r>
+          </a:p>
+        </p:txBody>
+      </p:sp>
+      <p:sp>
+        <p:nvSpPr>
+          <p:cNvPr id="50" name="ZoneTexte 49"/>
+          <p:cNvSpPr txBox="1"/>
+          <p:nvPr/>
+        </p:nvSpPr>
+        <p:spPr>
+          <a:xfrm>
+            <a:off x="4258708" y="3859291"/>
+            <a:ext cx="5938732" cy="369332"/>
+          </a:xfrm>
+          <a:prstGeom prst="rect">
+            <a:avLst/>
+          </a:prstGeom>
+          <a:noFill/>
+        </p:spPr>
+        <p:txBody>
+          <a:bodyPr wrap="square" rtlCol="0">
+            <a:spAutoFit/>
+          </a:bodyPr>
+          <a:lstStyle/>
+          <a:p>
+            <a:r>
+              <a:rPr lang="fr-FR" dirty="0"/>
+              <a:t>https</a:t>
+            </a:r>
+            <a:r>
+              <a:rPr lang="fr-FR" dirty="0" smtClean="0"/>
+              <a:t>://en.wikipedia.org/wiki/Indexed_Database_API</a:t>
+            </a:r>
+            <a:endParaRPr lang="fr-FR" dirty="0"/>
+          </a:p>
+        </p:txBody>
+      </p:sp>
+      <p:sp>
+        <p:nvSpPr>
+          <p:cNvPr id="51" name="ZoneTexte 50"/>
+          <p:cNvSpPr txBox="1"/>
+          <p:nvPr/>
+        </p:nvSpPr>
+        <p:spPr>
+          <a:xfrm>
+            <a:off x="4258707" y="4720009"/>
+            <a:ext cx="5938732" cy="369332"/>
+          </a:xfrm>
+          <a:prstGeom prst="rect">
+            <a:avLst/>
+          </a:prstGeom>
+          <a:noFill/>
+        </p:spPr>
+        <p:txBody>
+          <a:bodyPr wrap="square" rtlCol="0">
+            <a:spAutoFit/>
+          </a:bodyPr>
+          <a:lstStyle/>
+          <a:p>
+            <a:r>
+              <a:rPr lang="fr-FR" dirty="0"/>
+              <a:t>http://dexie.org/</a:t>
+            </a:r>
+          </a:p>
+        </p:txBody>
+      </p:sp>
+      <p:sp>
+        <p:nvSpPr>
+          <p:cNvPr id="52" name="ZoneTexte 51"/>
+          <p:cNvSpPr txBox="1"/>
+          <p:nvPr/>
+        </p:nvSpPr>
+        <p:spPr>
+          <a:xfrm>
+            <a:off x="4258706" y="5547226"/>
+            <a:ext cx="5938732" cy="369332"/>
+          </a:xfrm>
+          <a:prstGeom prst="rect">
+            <a:avLst/>
+          </a:prstGeom>
+          <a:noFill/>
+        </p:spPr>
+        <p:txBody>
+          <a:bodyPr wrap="square" rtlCol="0">
+            <a:spAutoFit/>
+          </a:bodyPr>
+          <a:lstStyle/>
+          <a:p>
+            <a:r>
+              <a:rPr lang="fr-FR" dirty="0"/>
+              <a:t>https://vuejs.org/</a:t>
+            </a:r>
+          </a:p>
+        </p:txBody>
+      </p:sp>
+      <p:sp>
+        <p:nvSpPr>
+          <p:cNvPr id="53" name="ZoneTexte 52"/>
+          <p:cNvSpPr txBox="1"/>
+          <p:nvPr/>
+        </p:nvSpPr>
+        <p:spPr>
+          <a:xfrm>
+            <a:off x="4258706" y="5994117"/>
+            <a:ext cx="5938732" cy="369332"/>
+          </a:xfrm>
+          <a:prstGeom prst="rect">
+            <a:avLst/>
+          </a:prstGeom>
+          <a:noFill/>
+        </p:spPr>
+        <p:txBody>
+          <a:bodyPr wrap="square" rtlCol="0">
+            <a:spAutoFit/>
+          </a:bodyPr>
+          <a:lstStyle/>
+          <a:p>
+            <a:r>
+              <a:rPr lang="fr-FR" dirty="0"/>
+              <a:t>http://expressjs.com/</a:t>
+            </a:r>
+          </a:p>
+        </p:txBody>
+      </p:sp>
+      <p:sp>
+        <p:nvSpPr>
+          <p:cNvPr id="54" name="ZoneTexte 53"/>
+          <p:cNvSpPr txBox="1"/>
+          <p:nvPr/>
+        </p:nvSpPr>
+        <p:spPr>
+          <a:xfrm>
+            <a:off x="1" y="6556746"/>
+            <a:ext cx="12191999" cy="307777"/>
+          </a:xfrm>
+          <a:prstGeom prst="rect">
+            <a:avLst/>
+          </a:prstGeom>
+          <a:solidFill>
+            <a:schemeClr val="accent1">
+              <a:lumMod val="20000"/>
+              <a:lumOff val="80000"/>
+            </a:schemeClr>
+          </a:solidFill>
+        </p:spPr>
+        <p:txBody>
+          <a:bodyPr wrap="square" rtlCol="0">
+            <a:spAutoFit/>
+          </a:bodyPr>
+          <a:lstStyle/>
+          <a:p>
+            <a:pPr algn="r"/>
+            <a:r>
+              <a:rPr lang="en-US" sz="1400" dirty="0" smtClean="0">
+                <a:latin typeface="Verdana" panose="020B0604030504040204" pitchFamily="34" charset="0"/>
+                <a:ea typeface="Verdana" panose="020B0604030504040204" pitchFamily="34" charset="0"/>
+                <a:cs typeface="Verdana" panose="020B0604030504040204" pitchFamily="34" charset="0"/>
+              </a:rPr>
+              <a:t>5/5</a:t>
+            </a:r>
+            <a:endParaRPr lang="fr-FR" sz="1400" dirty="0">
+              <a:latin typeface="Verdana" panose="020B0604030504040204" pitchFamily="34" charset="0"/>
+              <a:ea typeface="Verdana" panose="020B0604030504040204" pitchFamily="34" charset="0"/>
+              <a:cs typeface="Verdana" panose="020B0604030504040204" pitchFamily="34" charset="0"/>
+            </a:endParaRPr>
+          </a:p>
+        </p:txBody>
+      </p:sp>
+    </p:spTree>
+    <p:extLst>
+      <p:ext uri="{BB962C8B-B14F-4D97-AF65-F5344CB8AC3E}">
+        <p14:creationId xmlns:p14="http://schemas.microsoft.com/office/powerpoint/2010/main" val="2864909681"/>
       </p:ext>
     </p:extLst>
   </p:cSld>
